--- a/Bresenham's.pptx
+++ b/Bresenham's.pptx
@@ -4,6 +4,9 @@
   <p:sldMasterIdLst>
     <p:sldMasterId id="2147483648" r:id="rId1"/>
   </p:sldMasterIdLst>
+  <p:notesMasterIdLst>
+    <p:notesMasterId r:id="rId12"/>
+  </p:notesMasterIdLst>
   <p:sldIdLst>
     <p:sldId id="256" r:id="rId2"/>
     <p:sldId id="257" r:id="rId3"/>
@@ -11,11 +14,11 @@
     <p:sldId id="259" r:id="rId5"/>
     <p:sldId id="260" r:id="rId6"/>
     <p:sldId id="261" r:id="rId7"/>
-    <p:sldId id="262" r:id="rId8"/>
+    <p:sldId id="263" r:id="rId8"/>
+    <p:sldId id="264" r:id="rId9"/>
+    <p:sldId id="262" r:id="rId10"/>
+    <p:sldId id="265" r:id="rId11"/>
   </p:sldIdLst>
-  <p:notesMasterIdLst>
-    <p:notesMasterId r:id="rId9"/>
-  </p:notesMasterIdLst>
   <p:sldSz cx="14630400" cy="8229600"/>
   <p:notesSz cx="8229600" cy="14630400"/>
   <p:defaultTextStyle>
@@ -110,6 +113,11 @@
       </a:defRPr>
     </a:lvl9pPr>
   </p:defaultTextStyle>
+  <p:extLst>
+    <p:ext uri="{EFAFB233-063F-42B5-8137-9DF3F51BA10A}">
+      <p15:sldGuideLst xmlns:p15="http://schemas.microsoft.com/office/powerpoint/2012/main"/>
+    </p:ext>
+  </p:extLst>
 </p:presentation>
 </file>
 
@@ -135,234 +143,10 @@
           <a:chExt cx="0" cy="0"/>
         </a:xfrm>
       </p:grpSpPr>
-      <p:sp>
-        <p:nvSpPr>
-          <p:cNvPr id="2" name="Header Placeholder 1"/>
-          <p:cNvSpPr>
-            <a:spLocks noGrp="1"/>
-          </p:cNvSpPr>
-          <p:nvPr>
-            <p:ph type="hdr" sz="quarter"/>
-          </p:nvPr>
-        </p:nvSpPr>
-        <p:spPr>
-          <a:xfrm>
-            <a:off x="0" y="0"/>
-            <a:ext cx="2971800" cy="458788"/>
-          </a:xfrm>
-          <a:prstGeom prst="rect">
-            <a:avLst/>
-          </a:prstGeom>
-        </p:spPr>
-        <p:txBody>
-          <a:bodyPr vert="horz" lIns="91440" tIns="45720" rIns="91440" bIns="45720" rtlCol="0"/>
-          <a:lstStyle>
-            <a:lvl1pPr algn="l">
-              <a:defRPr sz="1200"/>
-            </a:lvl1pPr>
-          </a:lstStyle>
-          <a:p>
-            <a:endParaRPr lang="en-US"/>
-          </a:p>
-        </p:txBody>
-      </p:sp>
-      <p:sp>
-        <p:nvSpPr>
-          <p:cNvPr id="3" name="Date Placeholder 2"/>
-          <p:cNvSpPr>
-            <a:spLocks noGrp="1"/>
-          </p:cNvSpPr>
-          <p:nvPr>
-            <p:ph type="dt" idx="1"/>
-          </p:nvPr>
-        </p:nvSpPr>
-        <p:spPr>
-          <a:xfrm>
-            <a:off x="3884613" y="0"/>
-            <a:ext cx="2971800" cy="458788"/>
-          </a:xfrm>
-          <a:prstGeom prst="rect">
-            <a:avLst/>
-          </a:prstGeom>
-        </p:spPr>
-        <p:txBody>
-          <a:bodyPr vert="horz" lIns="91440" tIns="45720" rIns="91440" bIns="45720" rtlCol="0"/>
-          <a:lstStyle>
-            <a:lvl1pPr algn="r">
-              <a:defRPr sz="1200"/>
-            </a:lvl1pPr>
-          </a:lstStyle>
-          <a:p>
-            <a:fld id="{5282F153-3F37-0F45-9E97-73ACFA13230C}" type="datetimeFigureOut">
-              <a:rPr lang="en-US"/>
-              <a:t>7/23/19</a:t>
-            </a:fld>
-            <a:endParaRPr lang="en-US"/>
-          </a:p>
-        </p:txBody>
-      </p:sp>
-      <p:sp>
-        <p:nvSpPr>
-          <p:cNvPr id="4" name="Slide Image Placeholder 3"/>
-          <p:cNvSpPr>
-            <a:spLocks noGrp="1" noRot="1" noChangeAspect="1"/>
-          </p:cNvSpPr>
-          <p:nvPr>
-            <p:ph type="sldImg" idx="2"/>
-          </p:nvPr>
-        </p:nvSpPr>
-        <p:spPr>
-          <a:xfrm>
-            <a:off x="685800" y="1143000"/>
-            <a:ext cx="5486400" cy="3086100"/>
-          </a:xfrm>
-          <a:prstGeom prst="rect">
-            <a:avLst/>
-          </a:prstGeom>
-          <a:noFill/>
-          <a:ln w="12700">
-            <a:solidFill>
-              <a:prstClr val="black"/>
-            </a:solidFill>
-          </a:ln>
-        </p:spPr>
-        <p:txBody>
-          <a:bodyPr vert="horz" lIns="91440" tIns="45720" rIns="91440" bIns="45720" rtlCol="0" anchor="ctr"/>
-          <a:lstStyle/>
-          <a:p>
-            <a:endParaRPr lang="en-US"/>
-          </a:p>
-        </p:txBody>
-      </p:sp>
-      <p:sp>
-        <p:nvSpPr>
-          <p:cNvPr id="5" name="Notes Placeholder 4"/>
-          <p:cNvSpPr>
-            <a:spLocks noGrp="1"/>
-          </p:cNvSpPr>
-          <p:nvPr>
-            <p:ph type="body" sz="quarter" idx="3"/>
-          </p:nvPr>
-        </p:nvSpPr>
-        <p:spPr>
-          <a:xfrm>
-            <a:off x="685800" y="4400550"/>
-            <a:ext cx="5486400" cy="3600450"/>
-          </a:xfrm>
-          <a:prstGeom prst="rect">
-            <a:avLst/>
-          </a:prstGeom>
-        </p:spPr>
-        <p:txBody>
-          <a:bodyPr vert="horz" lIns="91440" tIns="45720" rIns="91440" bIns="45720" rtlCol="0"/>
-          <a:lstStyle/>
-          <a:p>
-            <a:pPr lvl="0"/>
-            <a:r>
-              <a:rPr lang="en-US"/>
-              <a:t>Click to edit Master text styles</a:t>
-            </a:r>
-          </a:p>
-          <a:p>
-            <a:pPr lvl="1"/>
-            <a:r>
-              <a:rPr lang="en-US"/>
-              <a:t>Second level</a:t>
-            </a:r>
-          </a:p>
-          <a:p>
-            <a:pPr lvl="2"/>
-            <a:r>
-              <a:rPr lang="en-US"/>
-              <a:t>Third level</a:t>
-            </a:r>
-          </a:p>
-          <a:p>
-            <a:pPr lvl="3"/>
-            <a:r>
-              <a:rPr lang="en-US"/>
-              <a:t>Fourth level</a:t>
-            </a:r>
-          </a:p>
-          <a:p>
-            <a:pPr lvl="4"/>
-            <a:r>
-              <a:rPr lang="en-US"/>
-              <a:t>Fifth level</a:t>
-            </a:r>
-          </a:p>
-        </p:txBody>
-      </p:sp>
-      <p:sp>
-        <p:nvSpPr>
-          <p:cNvPr id="6" name="Footer Placeholder 5"/>
-          <p:cNvSpPr>
-            <a:spLocks noGrp="1"/>
-          </p:cNvSpPr>
-          <p:nvPr>
-            <p:ph type="ftr" sz="quarter" idx="4"/>
-          </p:nvPr>
-        </p:nvSpPr>
-        <p:spPr>
-          <a:xfrm>
-            <a:off x="0" y="8685213"/>
-            <a:ext cx="2971800" cy="458787"/>
-          </a:xfrm>
-          <a:prstGeom prst="rect">
-            <a:avLst/>
-          </a:prstGeom>
-        </p:spPr>
-        <p:txBody>
-          <a:bodyPr vert="horz" lIns="91440" tIns="45720" rIns="91440" bIns="45720" rtlCol="0" anchor="b"/>
-          <a:lstStyle>
-            <a:lvl1pPr algn="l">
-              <a:defRPr sz="1200"/>
-            </a:lvl1pPr>
-          </a:lstStyle>
-          <a:p>
-            <a:endParaRPr lang="en-US"/>
-          </a:p>
-        </p:txBody>
-      </p:sp>
-      <p:sp>
-        <p:nvSpPr>
-          <p:cNvPr id="7" name="Slide Number Placeholder 6"/>
-          <p:cNvSpPr>
-            <a:spLocks noGrp="1"/>
-          </p:cNvSpPr>
-          <p:nvPr>
-            <p:ph type="sldNum" sz="quarter" idx="5"/>
-          </p:nvPr>
-        </p:nvSpPr>
-        <p:spPr>
-          <a:xfrm>
-            <a:off x="3884613" y="8685213"/>
-            <a:ext cx="2971800" cy="458787"/>
-          </a:xfrm>
-          <a:prstGeom prst="rect">
-            <a:avLst/>
-          </a:prstGeom>
-        </p:spPr>
-        <p:txBody>
-          <a:bodyPr vert="horz" lIns="91440" tIns="45720" rIns="91440" bIns="45720" rtlCol="0" anchor="b"/>
-          <a:lstStyle>
-            <a:lvl1pPr algn="r">
-              <a:defRPr sz="1200"/>
-            </a:lvl1pPr>
-          </a:lstStyle>
-          <a:p>
-            <a:fld id="{CE5E9CC1-C706-0F49-92D6-E571CC5EEA8F}" type="slidenum">
-              <a:rPr lang="en-US"/>
-              <a:t>‹#›</a:t>
-            </a:fld>
-            <a:endParaRPr lang="en-US"/>
-          </a:p>
-        </p:txBody>
-      </p:sp>
     </p:spTree>
     <p:extLst>
       <p:ext uri="{BB962C8B-B14F-4D97-AF65-F5344CB8AC3E}">
-        <p14:creationId xmlns:p14="http://schemas.microsoft.com/office/powerpoint/2010/main" val="1024086991"/>
+        <p14:creationId xmlns:p14="http://schemas.microsoft.com/office/powerpoint/2010/main" val="3709758395"/>
       </p:ext>
     </p:extLst>
   </p:cSld>
@@ -506,10 +290,6 @@
           <a:bodyPr/>
           <a:lstStyle/>
           <a:p>
-            <a:r>
-              <a:rPr lang="en-US" dirty="0"/>
-              <a:t/>
-            </a:r>
             <a:endParaRPr lang="en-US" dirty="0"/>
           </a:p>
         </p:txBody>
@@ -541,6 +321,90 @@
     <p:extLst>
       <p:ext uri="{BB962C8B-B14F-4D97-AF65-F5344CB8AC3E}">
         <p14:creationId xmlns:p14="http://schemas.microsoft.com/office/powerpoint/2010/main" val="1024086991"/>
+      </p:ext>
+    </p:extLst>
+  </p:cSld>
+  <p:clrMapOvr>
+    <a:masterClrMapping/>
+  </p:clrMapOvr>
+</p:notes>
+</file>
+
+<file path=ppt/notesSlides/notesSlide10.xml><?xml version="1.0" encoding="utf-8"?>
+<p:notes xmlns:a="http://schemas.openxmlformats.org/drawingml/2006/main" xmlns:r="http://schemas.openxmlformats.org/officeDocument/2006/relationships" xmlns:p="http://schemas.openxmlformats.org/presentationml/2006/main">
+  <p:cSld>
+    <p:spTree>
+      <p:nvGrpSpPr>
+        <p:cNvPr id="1" name=""/>
+        <p:cNvGrpSpPr/>
+        <p:nvPr/>
+      </p:nvGrpSpPr>
+      <p:grpSpPr>
+        <a:xfrm>
+          <a:off x="0" y="0"/>
+          <a:ext cx="0" cy="0"/>
+          <a:chOff x="0" y="0"/>
+          <a:chExt cx="0" cy="0"/>
+        </a:xfrm>
+      </p:grpSpPr>
+      <p:sp>
+        <p:nvSpPr>
+          <p:cNvPr id="2" name="Slide Image Placeholder 1"/>
+          <p:cNvSpPr>
+            <a:spLocks noGrp="1" noRot="1" noChangeAspect="1"/>
+          </p:cNvSpPr>
+          <p:nvPr>
+            <p:ph type="sldImg"/>
+          </p:nvPr>
+        </p:nvSpPr>
+        <p:spPr/>
+      </p:sp>
+      <p:sp>
+        <p:nvSpPr>
+          <p:cNvPr id="3" name="Notes Placeholder 2"/>
+          <p:cNvSpPr>
+            <a:spLocks noGrp="1"/>
+          </p:cNvSpPr>
+          <p:nvPr>
+            <p:ph type="body" idx="1"/>
+          </p:nvPr>
+        </p:nvSpPr>
+        <p:spPr/>
+        <p:txBody>
+          <a:bodyPr/>
+          <a:lstStyle/>
+          <a:p>
+            <a:endParaRPr lang="en-US" dirty="0"/>
+          </a:p>
+        </p:txBody>
+      </p:sp>
+      <p:sp>
+        <p:nvSpPr>
+          <p:cNvPr id="4" name="Slide Number Placeholder 3"/>
+          <p:cNvSpPr>
+            <a:spLocks noGrp="1"/>
+          </p:cNvSpPr>
+          <p:nvPr>
+            <p:ph type="sldNum" sz="quarter" idx="10"/>
+          </p:nvPr>
+        </p:nvSpPr>
+        <p:spPr/>
+        <p:txBody>
+          <a:bodyPr/>
+          <a:lstStyle/>
+          <a:p>
+            <a:fld id="{F7021451-1387-4CA6-816F-3879F97B5CBC}" type="slidenum">
+              <a:rPr lang="en-US"/>
+              <a:t>10</a:t>
+            </a:fld>
+            <a:endParaRPr lang="en-US"/>
+          </a:p>
+        </p:txBody>
+      </p:sp>
+    </p:spTree>
+    <p:extLst>
+      <p:ext uri="{BB962C8B-B14F-4D97-AF65-F5344CB8AC3E}">
+        <p14:creationId xmlns:p14="http://schemas.microsoft.com/office/powerpoint/2010/main" val="711220909"/>
       </p:ext>
     </p:extLst>
   </p:cSld>
@@ -594,10 +458,6 @@
           <a:bodyPr/>
           <a:lstStyle/>
           <a:p>
-            <a:r>
-              <a:rPr lang="en-US" dirty="0"/>
-              <a:t/>
-            </a:r>
             <a:endParaRPr lang="en-US" dirty="0"/>
           </a:p>
         </p:txBody>
@@ -682,10 +542,6 @@
           <a:bodyPr/>
           <a:lstStyle/>
           <a:p>
-            <a:r>
-              <a:rPr lang="en-US" dirty="0"/>
-              <a:t/>
-            </a:r>
             <a:endParaRPr lang="en-US" dirty="0"/>
           </a:p>
         </p:txBody>
@@ -770,10 +626,6 @@
           <a:bodyPr/>
           <a:lstStyle/>
           <a:p>
-            <a:r>
-              <a:rPr lang="en-US" dirty="0"/>
-              <a:t/>
-            </a:r>
             <a:endParaRPr lang="en-US" dirty="0"/>
           </a:p>
         </p:txBody>
@@ -858,10 +710,6 @@
           <a:bodyPr/>
           <a:lstStyle/>
           <a:p>
-            <a:r>
-              <a:rPr lang="en-US" dirty="0"/>
-              <a:t/>
-            </a:r>
             <a:endParaRPr lang="en-US" dirty="0"/>
           </a:p>
         </p:txBody>
@@ -946,10 +794,6 @@
           <a:bodyPr/>
           <a:lstStyle/>
           <a:p>
-            <a:r>
-              <a:rPr lang="en-US" dirty="0"/>
-              <a:t/>
-            </a:r>
             <a:endParaRPr lang="en-US" dirty="0"/>
           </a:p>
         </p:txBody>
@@ -1034,10 +878,6 @@
           <a:bodyPr/>
           <a:lstStyle/>
           <a:p>
-            <a:r>
-              <a:rPr lang="en-US" dirty="0"/>
-              <a:t/>
-            </a:r>
             <a:endParaRPr lang="en-US" dirty="0"/>
           </a:p>
         </p:txBody>
@@ -1060,6 +900,174 @@
             <a:fld id="{F7021451-1387-4CA6-816F-3879F97B5CBC}" type="slidenum">
               <a:rPr lang="en-US"/>
               <a:t>7</a:t>
+            </a:fld>
+            <a:endParaRPr lang="en-US"/>
+          </a:p>
+        </p:txBody>
+      </p:sp>
+    </p:spTree>
+    <p:extLst>
+      <p:ext uri="{BB962C8B-B14F-4D97-AF65-F5344CB8AC3E}">
+        <p14:creationId xmlns:p14="http://schemas.microsoft.com/office/powerpoint/2010/main" val="3835110254"/>
+      </p:ext>
+    </p:extLst>
+  </p:cSld>
+  <p:clrMapOvr>
+    <a:masterClrMapping/>
+  </p:clrMapOvr>
+</p:notes>
+</file>
+
+<file path=ppt/notesSlides/notesSlide8.xml><?xml version="1.0" encoding="utf-8"?>
+<p:notes xmlns:a="http://schemas.openxmlformats.org/drawingml/2006/main" xmlns:r="http://schemas.openxmlformats.org/officeDocument/2006/relationships" xmlns:p="http://schemas.openxmlformats.org/presentationml/2006/main">
+  <p:cSld>
+    <p:spTree>
+      <p:nvGrpSpPr>
+        <p:cNvPr id="1" name=""/>
+        <p:cNvGrpSpPr/>
+        <p:nvPr/>
+      </p:nvGrpSpPr>
+      <p:grpSpPr>
+        <a:xfrm>
+          <a:off x="0" y="0"/>
+          <a:ext cx="0" cy="0"/>
+          <a:chOff x="0" y="0"/>
+          <a:chExt cx="0" cy="0"/>
+        </a:xfrm>
+      </p:grpSpPr>
+      <p:sp>
+        <p:nvSpPr>
+          <p:cNvPr id="2" name="Slide Image Placeholder 1"/>
+          <p:cNvSpPr>
+            <a:spLocks noGrp="1" noRot="1" noChangeAspect="1"/>
+          </p:cNvSpPr>
+          <p:nvPr>
+            <p:ph type="sldImg"/>
+          </p:nvPr>
+        </p:nvSpPr>
+        <p:spPr/>
+      </p:sp>
+      <p:sp>
+        <p:nvSpPr>
+          <p:cNvPr id="3" name="Notes Placeholder 2"/>
+          <p:cNvSpPr>
+            <a:spLocks noGrp="1"/>
+          </p:cNvSpPr>
+          <p:nvPr>
+            <p:ph type="body" idx="1"/>
+          </p:nvPr>
+        </p:nvSpPr>
+        <p:spPr/>
+        <p:txBody>
+          <a:bodyPr/>
+          <a:lstStyle/>
+          <a:p>
+            <a:endParaRPr lang="en-US" dirty="0"/>
+          </a:p>
+        </p:txBody>
+      </p:sp>
+      <p:sp>
+        <p:nvSpPr>
+          <p:cNvPr id="4" name="Slide Number Placeholder 3"/>
+          <p:cNvSpPr>
+            <a:spLocks noGrp="1"/>
+          </p:cNvSpPr>
+          <p:nvPr>
+            <p:ph type="sldNum" sz="quarter" idx="10"/>
+          </p:nvPr>
+        </p:nvSpPr>
+        <p:spPr/>
+        <p:txBody>
+          <a:bodyPr/>
+          <a:lstStyle/>
+          <a:p>
+            <a:fld id="{F7021451-1387-4CA6-816F-3879F97B5CBC}" type="slidenum">
+              <a:rPr lang="en-US"/>
+              <a:t>8</a:t>
+            </a:fld>
+            <a:endParaRPr lang="en-US"/>
+          </a:p>
+        </p:txBody>
+      </p:sp>
+    </p:spTree>
+    <p:extLst>
+      <p:ext uri="{BB962C8B-B14F-4D97-AF65-F5344CB8AC3E}">
+        <p14:creationId xmlns:p14="http://schemas.microsoft.com/office/powerpoint/2010/main" val="4122494662"/>
+      </p:ext>
+    </p:extLst>
+  </p:cSld>
+  <p:clrMapOvr>
+    <a:masterClrMapping/>
+  </p:clrMapOvr>
+</p:notes>
+</file>
+
+<file path=ppt/notesSlides/notesSlide9.xml><?xml version="1.0" encoding="utf-8"?>
+<p:notes xmlns:a="http://schemas.openxmlformats.org/drawingml/2006/main" xmlns:r="http://schemas.openxmlformats.org/officeDocument/2006/relationships" xmlns:p="http://schemas.openxmlformats.org/presentationml/2006/main">
+  <p:cSld>
+    <p:spTree>
+      <p:nvGrpSpPr>
+        <p:cNvPr id="1" name=""/>
+        <p:cNvGrpSpPr/>
+        <p:nvPr/>
+      </p:nvGrpSpPr>
+      <p:grpSpPr>
+        <a:xfrm>
+          <a:off x="0" y="0"/>
+          <a:ext cx="0" cy="0"/>
+          <a:chOff x="0" y="0"/>
+          <a:chExt cx="0" cy="0"/>
+        </a:xfrm>
+      </p:grpSpPr>
+      <p:sp>
+        <p:nvSpPr>
+          <p:cNvPr id="2" name="Slide Image Placeholder 1"/>
+          <p:cNvSpPr>
+            <a:spLocks noGrp="1" noRot="1" noChangeAspect="1"/>
+          </p:cNvSpPr>
+          <p:nvPr>
+            <p:ph type="sldImg"/>
+          </p:nvPr>
+        </p:nvSpPr>
+        <p:spPr/>
+      </p:sp>
+      <p:sp>
+        <p:nvSpPr>
+          <p:cNvPr id="3" name="Notes Placeholder 2"/>
+          <p:cNvSpPr>
+            <a:spLocks noGrp="1"/>
+          </p:cNvSpPr>
+          <p:nvPr>
+            <p:ph type="body" idx="1"/>
+          </p:nvPr>
+        </p:nvSpPr>
+        <p:spPr/>
+        <p:txBody>
+          <a:bodyPr/>
+          <a:lstStyle/>
+          <a:p>
+            <a:endParaRPr lang="en-US" dirty="0"/>
+          </a:p>
+        </p:txBody>
+      </p:sp>
+      <p:sp>
+        <p:nvSpPr>
+          <p:cNvPr id="4" name="Slide Number Placeholder 3"/>
+          <p:cNvSpPr>
+            <a:spLocks noGrp="1"/>
+          </p:cNvSpPr>
+          <p:nvPr>
+            <p:ph type="sldNum" sz="quarter" idx="10"/>
+          </p:nvPr>
+        </p:nvSpPr>
+        <p:spPr/>
+        <p:txBody>
+          <a:bodyPr/>
+          <a:lstStyle/>
+          <a:p>
+            <a:fld id="{F7021451-1387-4CA6-816F-3879F97B5CBC}" type="slidenum">
+              <a:rPr lang="en-US"/>
+              <a:t>9</a:t>
             </a:fld>
             <a:endParaRPr lang="en-US"/>
           </a:p>
@@ -1111,6 +1119,11 @@
 <file path=ppt/slideMasters/slideMaster1.xml><?xml version="1.0" encoding="utf-8"?>
 <p:sldMaster xmlns:a="http://schemas.openxmlformats.org/drawingml/2006/main" xmlns:r="http://schemas.openxmlformats.org/officeDocument/2006/relationships" xmlns:p="http://schemas.openxmlformats.org/presentationml/2006/main">
   <p:cSld>
+    <p:bg>
+      <p:bgRef idx="1001">
+        <a:schemeClr val="bg1"/>
+      </p:bgRef>
+    </p:bg>
     <p:spTree>
       <p:nvGrpSpPr>
         <p:cNvPr id="1" name=""/>
@@ -1468,14 +1481,14 @@
           <a:bodyPr wrap="square" rtlCol="0" anchor="t"/>
           <a:lstStyle/>
           <a:p>
-            <a:pPr indent="0" marL="0">
+            <a:pPr marL="0" indent="0">
               <a:lnSpc>
                 <a:spcPts val="6823"/>
               </a:lnSpc>
               <a:buNone/>
             </a:pPr>
             <a:r>
-              <a:rPr lang="en-US" sz="5249" b="1" spc="-157" kern="0" dirty="0">
+              <a:rPr lang="en-US" sz="5249" b="1" kern="0" spc="-157" dirty="0">
                 <a:solidFill>
                   <a:srgbClr val="FFFFFF"/>
                 </a:solidFill>
@@ -1510,14 +1523,14 @@
           <a:bodyPr wrap="square" rtlCol="0" anchor="t"/>
           <a:lstStyle/>
           <a:p>
-            <a:pPr indent="0" marL="0">
+            <a:pPr marL="0" indent="0">
               <a:lnSpc>
                 <a:spcPts val="3149"/>
               </a:lnSpc>
               <a:buNone/>
             </a:pPr>
             <a:r>
-              <a:rPr lang="en-US" sz="1750" spc="-35" kern="0" dirty="0">
+              <a:rPr lang="en-US" sz="1750" kern="0" spc="-35" dirty="0">
                 <a:solidFill>
                   <a:srgbClr val="E5E0DF"/>
                 </a:solidFill>
@@ -1539,12 +1552,12 @@
         </p:nvSpPr>
         <p:spPr>
           <a:xfrm>
-            <a:off x="833199" y="5848840"/>
-            <a:ext cx="355402" cy="352788"/>
+            <a:off x="833198" y="5810768"/>
+            <a:ext cx="625975" cy="1270516"/>
           </a:xfrm>
           <a:prstGeom prst="roundRect">
             <a:avLst>
-              <a:gd name="adj" fmla="val 25916657"/>
+              <a:gd name="adj" fmla="val 50000"/>
             </a:avLst>
           </a:prstGeom>
           <a:noFill/>
@@ -1558,21 +1571,21 @@
       </p:sp>
       <p:pic>
         <p:nvPicPr>
-          <p:cNvPr id="7" name="Image 0" descr="preencoded.png">    </p:cNvPr>
+          <p:cNvPr id="7" name="Image 0" descr="preencoded.png"/>
           <p:cNvPicPr>
             <a:picLocks noChangeAspect="1"/>
           </p:cNvPicPr>
           <p:nvPr/>
         </p:nvPicPr>
         <p:blipFill>
-          <a:blip r:embed="rId1"/>
+          <a:blip r:embed="rId3"/>
           <a:stretch>
             <a:fillRect/>
           </a:stretch>
         </p:blipFill>
         <p:spPr>
           <a:xfrm>
-            <a:off x="840819" y="5856404"/>
+            <a:off x="976104" y="6327710"/>
             <a:ext cx="340162" cy="337660"/>
           </a:xfrm>
           <a:prstGeom prst="rect">
@@ -1588,8 +1601,8 @@
         </p:nvSpPr>
         <p:spPr>
           <a:xfrm>
-            <a:off x="1299686" y="5854277"/>
-            <a:ext cx="1931075" cy="385999"/>
+            <a:off x="1602079" y="6200979"/>
+            <a:ext cx="4463161" cy="452065"/>
           </a:xfrm>
           <a:prstGeom prst="rect">
             <a:avLst/>
@@ -1601,22 +1614,21 @@
           <a:bodyPr wrap="none" rtlCol="0" anchor="t"/>
           <a:lstStyle/>
           <a:p>
-            <a:pPr algn="l" indent="0" marL="0">
+            <a:pPr marL="0" indent="0" algn="l">
               <a:lnSpc>
                 <a:spcPts val="3062"/>
               </a:lnSpc>
               <a:buNone/>
             </a:pPr>
             <a:r>
-              <a:rPr lang="en-US" sz="2187" b="1" spc="-35" kern="0" dirty="0">
+              <a:rPr lang="en-US" sz="2187" b="1" kern="0" spc="-35" dirty="0">
                 <a:solidFill>
                   <a:srgbClr val="E5E0DF"/>
                 </a:solidFill>
                 <a:latin typeface="Inter" pitchFamily="34" charset="0"/>
                 <a:ea typeface="Inter" pitchFamily="34" charset="-122"/>
-                <a:cs typeface="Inter" pitchFamily="34" charset="-120"/>
-              </a:rPr>
-              <a:t>by DESIGN ALL</a:t>
+              </a:rPr>
+              <a:t>Presenter By :Dhiraj Kumar Shah </a:t>
             </a:r>
             <a:endParaRPr lang="en-US" sz="2187" dirty="0"/>
           </a:p>
@@ -1624,14 +1636,14 @@
       </p:sp>
       <p:pic>
         <p:nvPicPr>
-          <p:cNvPr id="9" name="Image 1" descr="preencoded.png">    </p:cNvPr>
+          <p:cNvPr id="9" name="Image 1" descr="preencoded.png"/>
           <p:cNvPicPr>
             <a:picLocks noChangeAspect="1"/>
           </p:cNvPicPr>
           <p:nvPr/>
         </p:nvPicPr>
         <p:blipFill>
-          <a:blip r:embed="rId2"/>
+          <a:blip r:embed="rId4"/>
           <a:stretch>
             <a:fillRect/>
           </a:stretch>
@@ -1647,6 +1659,1721 @@
         </p:spPr>
       </p:pic>
     </p:spTree>
+  </p:cSld>
+  <p:clrMapOvr>
+    <a:masterClrMapping/>
+  </p:clrMapOvr>
+</p:sld>
+</file>
+
+<file path=ppt/slides/slide10.xml><?xml version="1.0" encoding="utf-8"?>
+<p:sld xmlns:a="http://schemas.openxmlformats.org/drawingml/2006/main" xmlns:r="http://schemas.openxmlformats.org/officeDocument/2006/relationships" xmlns:p="http://schemas.openxmlformats.org/presentationml/2006/main">
+  <p:cSld>
+    <p:spTree>
+      <p:nvGrpSpPr>
+        <p:cNvPr id="1" name=""/>
+        <p:cNvGrpSpPr/>
+        <p:nvPr/>
+      </p:nvGrpSpPr>
+      <p:grpSpPr>
+        <a:xfrm>
+          <a:off x="0" y="0"/>
+          <a:ext cx="0" cy="0"/>
+          <a:chOff x="0" y="0"/>
+          <a:chExt cx="0" cy="0"/>
+        </a:xfrm>
+      </p:grpSpPr>
+      <p:sp>
+        <p:nvSpPr>
+          <p:cNvPr id="2" name="Shape 0"/>
+          <p:cNvSpPr/>
+          <p:nvPr/>
+        </p:nvSpPr>
+        <p:spPr>
+          <a:xfrm>
+            <a:off x="0" y="0"/>
+            <a:ext cx="14630400" cy="8169088"/>
+          </a:xfrm>
+          <a:prstGeom prst="rect">
+            <a:avLst/>
+          </a:prstGeom>
+          <a:solidFill>
+            <a:srgbClr val="0C0C0C"/>
+          </a:solidFill>
+          <a:ln/>
+        </p:spPr>
+      </p:sp>
+      <p:sp>
+        <p:nvSpPr>
+          <p:cNvPr id="3" name="Shape 1"/>
+          <p:cNvSpPr/>
+          <p:nvPr/>
+        </p:nvSpPr>
+        <p:spPr>
+          <a:xfrm>
+            <a:off x="0" y="0"/>
+            <a:ext cx="14630400" cy="8229600"/>
+          </a:xfrm>
+          <a:prstGeom prst="rect">
+            <a:avLst/>
+          </a:prstGeom>
+          <a:solidFill>
+            <a:srgbClr val="272525"/>
+          </a:solidFill>
+          <a:ln w="7620">
+            <a:solidFill>
+              <a:srgbClr val="565151"/>
+            </a:solidFill>
+            <a:prstDash val="solid"/>
+          </a:ln>
+        </p:spPr>
+      </p:sp>
+      <p:sp>
+        <p:nvSpPr>
+          <p:cNvPr id="7" name="object 3">
+            <a:extLst>
+              <a:ext uri="{FF2B5EF4-FFF2-40B4-BE49-F238E27FC236}">
+                <a16:creationId xmlns:a16="http://schemas.microsoft.com/office/drawing/2014/main" id="{B9B5471A-6E40-A56E-1287-4E56FCCD9D27}"/>
+              </a:ext>
+            </a:extLst>
+          </p:cNvPr>
+          <p:cNvSpPr txBox="1">
+            <a:spLocks/>
+          </p:cNvSpPr>
+          <p:nvPr/>
+        </p:nvSpPr>
+        <p:spPr>
+          <a:xfrm>
+            <a:off x="144696" y="1046398"/>
+            <a:ext cx="7338695" cy="2308965"/>
+          </a:xfrm>
+          <a:prstGeom prst="rect">
+            <a:avLst/>
+          </a:prstGeom>
+        </p:spPr>
+        <p:txBody>
+          <a:bodyPr vert="horz" wrap="square" lIns="0" tIns="15875" rIns="0" bIns="0" rtlCol="0">
+            <a:spAutoFit/>
+          </a:bodyPr>
+          <a:lstStyle>
+            <a:lvl1pPr algn="ctr" defTabSz="914400" rtl="0" eaLnBrk="1" latinLnBrk="0" hangingPunct="1">
+              <a:spcBef>
+                <a:spcPct val="0"/>
+              </a:spcBef>
+              <a:buNone/>
+              <a:defRPr sz="4400" kern="1200">
+                <a:solidFill>
+                  <a:schemeClr val="tx1"/>
+                </a:solidFill>
+                <a:latin typeface="+mj-lt"/>
+                <a:ea typeface="+mj-ea"/>
+                <a:cs typeface="+mj-cs"/>
+              </a:defRPr>
+            </a:lvl1pPr>
+          </a:lstStyle>
+          <a:p>
+            <a:pPr marL="12700">
+              <a:spcBef>
+                <a:spcPts val="125"/>
+              </a:spcBef>
+            </a:pPr>
+            <a:r>
+              <a:rPr lang="en-US" sz="14900" b="1" spc="815" dirty="0">
+                <a:solidFill>
+                  <a:srgbClr val="FFFFFF"/>
+                </a:solidFill>
+                <a:latin typeface="Bebas Neue" panose="020B0606020202050201" pitchFamily="34" charset="0"/>
+              </a:rPr>
+              <a:t>T</a:t>
+            </a:r>
+            <a:r>
+              <a:rPr lang="en-US" sz="14900" b="1" spc="390" dirty="0">
+                <a:solidFill>
+                  <a:srgbClr val="FFFFFF"/>
+                </a:solidFill>
+                <a:latin typeface="Bebas Neue" panose="020B0606020202050201" pitchFamily="34" charset="0"/>
+              </a:rPr>
+              <a:t>h</a:t>
+            </a:r>
+            <a:r>
+              <a:rPr lang="en-US" sz="14900" b="1" spc="-50" dirty="0">
+                <a:solidFill>
+                  <a:srgbClr val="FFFFFF"/>
+                </a:solidFill>
+                <a:latin typeface="Bebas Neue" panose="020B0606020202050201" pitchFamily="34" charset="0"/>
+              </a:rPr>
+              <a:t>a</a:t>
+            </a:r>
+            <a:r>
+              <a:rPr lang="en-US" sz="14900" b="1" spc="335" dirty="0">
+                <a:solidFill>
+                  <a:srgbClr val="FFFFFF"/>
+                </a:solidFill>
+                <a:latin typeface="Bebas Neue" panose="020B0606020202050201" pitchFamily="34" charset="0"/>
+              </a:rPr>
+              <a:t>n</a:t>
+            </a:r>
+            <a:r>
+              <a:rPr lang="en-US" sz="14900" b="1" spc="270" dirty="0">
+                <a:solidFill>
+                  <a:srgbClr val="FFFFFF"/>
+                </a:solidFill>
+                <a:latin typeface="Bebas Neue" panose="020B0606020202050201" pitchFamily="34" charset="0"/>
+              </a:rPr>
+              <a:t>k</a:t>
+            </a:r>
+            <a:r>
+              <a:rPr lang="en-US" sz="14900" b="1" spc="204" dirty="0">
+                <a:solidFill>
+                  <a:srgbClr val="FFFFFF"/>
+                </a:solidFill>
+                <a:latin typeface="Bebas Neue" panose="020B0606020202050201" pitchFamily="34" charset="0"/>
+              </a:rPr>
+              <a:t>s</a:t>
+            </a:r>
+            <a:r>
+              <a:rPr lang="en-US" sz="14900" spc="-425" dirty="0">
+                <a:solidFill>
+                  <a:srgbClr val="FFFFFF"/>
+                </a:solidFill>
+                <a:latin typeface="Bebas Neue" panose="020B0606020202050201" pitchFamily="34" charset="0"/>
+              </a:rPr>
+              <a:t>!</a:t>
+            </a:r>
+            <a:endParaRPr lang="en-US" sz="14900" dirty="0">
+              <a:latin typeface="Bebas Neue" panose="020B0606020202050201" pitchFamily="34" charset="0"/>
+            </a:endParaRPr>
+          </a:p>
+        </p:txBody>
+      </p:sp>
+      <p:sp>
+        <p:nvSpPr>
+          <p:cNvPr id="8" name="object 4">
+            <a:extLst>
+              <a:ext uri="{FF2B5EF4-FFF2-40B4-BE49-F238E27FC236}">
+                <a16:creationId xmlns:a16="http://schemas.microsoft.com/office/drawing/2014/main" id="{95DA9184-5A78-52C5-FCB9-4DD708CE2978}"/>
+              </a:ext>
+            </a:extLst>
+          </p:cNvPr>
+          <p:cNvSpPr txBox="1"/>
+          <p:nvPr/>
+        </p:nvSpPr>
+        <p:spPr>
+          <a:xfrm>
+            <a:off x="1176034" y="3171815"/>
+            <a:ext cx="4826635" cy="818044"/>
+          </a:xfrm>
+          <a:prstGeom prst="rect">
+            <a:avLst/>
+          </a:prstGeom>
+        </p:spPr>
+        <p:txBody>
+          <a:bodyPr vert="horz" wrap="square" lIns="0" tIns="4445" rIns="0" bIns="0" rtlCol="0">
+            <a:spAutoFit/>
+          </a:bodyPr>
+          <a:lstStyle/>
+          <a:p>
+            <a:pPr marL="12700" marR="5080">
+              <a:lnSpc>
+                <a:spcPct val="101899"/>
+              </a:lnSpc>
+              <a:spcBef>
+                <a:spcPts val="35"/>
+              </a:spcBef>
+            </a:pPr>
+            <a:r>
+              <a:rPr sz="2700" spc="145" dirty="0">
+                <a:solidFill>
+                  <a:srgbClr val="FFFFFF"/>
+                </a:solidFill>
+                <a:latin typeface="Verdana"/>
+                <a:cs typeface="Verdana"/>
+              </a:rPr>
+              <a:t>D</a:t>
+            </a:r>
+            <a:r>
+              <a:rPr sz="2700" spc="50" dirty="0">
+                <a:solidFill>
+                  <a:srgbClr val="FFFFFF"/>
+                </a:solidFill>
+                <a:latin typeface="Verdana"/>
+                <a:cs typeface="Verdana"/>
+              </a:rPr>
+              <a:t>o</a:t>
+            </a:r>
+            <a:r>
+              <a:rPr sz="2700" spc="-245" dirty="0">
+                <a:solidFill>
+                  <a:srgbClr val="FFFFFF"/>
+                </a:solidFill>
+                <a:latin typeface="Verdana"/>
+                <a:cs typeface="Verdana"/>
+              </a:rPr>
+              <a:t> </a:t>
+            </a:r>
+            <a:r>
+              <a:rPr sz="2700" spc="-180" dirty="0">
+                <a:solidFill>
+                  <a:srgbClr val="FFFFFF"/>
+                </a:solidFill>
+                <a:latin typeface="Verdana"/>
+                <a:cs typeface="Verdana"/>
+              </a:rPr>
+              <a:t>y</a:t>
+            </a:r>
+            <a:r>
+              <a:rPr sz="2700" spc="50" dirty="0">
+                <a:solidFill>
+                  <a:srgbClr val="FFFFFF"/>
+                </a:solidFill>
+                <a:latin typeface="Verdana"/>
+                <a:cs typeface="Verdana"/>
+              </a:rPr>
+              <a:t>o</a:t>
+            </a:r>
+            <a:r>
+              <a:rPr sz="2700" spc="105" dirty="0">
+                <a:solidFill>
+                  <a:srgbClr val="FFFFFF"/>
+                </a:solidFill>
+                <a:latin typeface="Verdana"/>
+                <a:cs typeface="Verdana"/>
+              </a:rPr>
+              <a:t>u</a:t>
+            </a:r>
+            <a:r>
+              <a:rPr sz="2700" spc="-245" dirty="0">
+                <a:solidFill>
+                  <a:srgbClr val="FFFFFF"/>
+                </a:solidFill>
+                <a:latin typeface="Verdana"/>
+                <a:cs typeface="Verdana"/>
+              </a:rPr>
+              <a:t> </a:t>
+            </a:r>
+            <a:r>
+              <a:rPr sz="2700" spc="114" dirty="0">
+                <a:solidFill>
+                  <a:srgbClr val="FFFFFF"/>
+                </a:solidFill>
+                <a:latin typeface="Verdana"/>
+                <a:cs typeface="Verdana"/>
+              </a:rPr>
+              <a:t>h</a:t>
+            </a:r>
+            <a:r>
+              <a:rPr sz="2700" spc="-60" dirty="0">
+                <a:solidFill>
+                  <a:srgbClr val="FFFFFF"/>
+                </a:solidFill>
+                <a:latin typeface="Verdana"/>
+                <a:cs typeface="Verdana"/>
+              </a:rPr>
+              <a:t>a</a:t>
+            </a:r>
+            <a:r>
+              <a:rPr sz="2700" spc="-180" dirty="0">
+                <a:solidFill>
+                  <a:srgbClr val="FFFFFF"/>
+                </a:solidFill>
+                <a:latin typeface="Verdana"/>
+                <a:cs typeface="Verdana"/>
+              </a:rPr>
+              <a:t>v</a:t>
+            </a:r>
+            <a:r>
+              <a:rPr sz="2700" spc="20" dirty="0">
+                <a:solidFill>
+                  <a:srgbClr val="FFFFFF"/>
+                </a:solidFill>
+                <a:latin typeface="Verdana"/>
+                <a:cs typeface="Verdana"/>
+              </a:rPr>
+              <a:t>e</a:t>
+            </a:r>
+            <a:r>
+              <a:rPr sz="2700" spc="-245" dirty="0">
+                <a:solidFill>
+                  <a:srgbClr val="FFFFFF"/>
+                </a:solidFill>
+                <a:latin typeface="Verdana"/>
+                <a:cs typeface="Verdana"/>
+              </a:rPr>
+              <a:t> </a:t>
+            </a:r>
+            <a:r>
+              <a:rPr sz="2700" spc="-30" dirty="0">
+                <a:solidFill>
+                  <a:srgbClr val="FFFFFF"/>
+                </a:solidFill>
+                <a:latin typeface="Verdana"/>
+                <a:cs typeface="Verdana"/>
+              </a:rPr>
+              <a:t>a</a:t>
+            </a:r>
+            <a:r>
+              <a:rPr sz="2700" spc="85" dirty="0">
+                <a:solidFill>
+                  <a:srgbClr val="FFFFFF"/>
+                </a:solidFill>
+                <a:latin typeface="Verdana"/>
+                <a:cs typeface="Verdana"/>
+              </a:rPr>
+              <a:t>n</a:t>
+            </a:r>
+            <a:r>
+              <a:rPr sz="2700" spc="-135" dirty="0">
+                <a:solidFill>
+                  <a:srgbClr val="FFFFFF"/>
+                </a:solidFill>
+                <a:latin typeface="Verdana"/>
+                <a:cs typeface="Verdana"/>
+              </a:rPr>
+              <a:t>y</a:t>
+            </a:r>
+            <a:r>
+              <a:rPr sz="2700" spc="-245" dirty="0">
+                <a:solidFill>
+                  <a:srgbClr val="FFFFFF"/>
+                </a:solidFill>
+                <a:latin typeface="Verdana"/>
+                <a:cs typeface="Verdana"/>
+              </a:rPr>
+              <a:t> </a:t>
+            </a:r>
+            <a:r>
+              <a:rPr sz="2700" spc="145" dirty="0">
+                <a:solidFill>
+                  <a:srgbClr val="FFFFFF"/>
+                </a:solidFill>
+                <a:latin typeface="Verdana"/>
+                <a:cs typeface="Verdana"/>
+              </a:rPr>
+              <a:t>q</a:t>
+            </a:r>
+            <a:r>
+              <a:rPr sz="2700" spc="105" dirty="0">
+                <a:solidFill>
+                  <a:srgbClr val="FFFFFF"/>
+                </a:solidFill>
+                <a:latin typeface="Verdana"/>
+                <a:cs typeface="Verdana"/>
+              </a:rPr>
+              <a:t>u</a:t>
+            </a:r>
+            <a:r>
+              <a:rPr sz="2700" spc="20" dirty="0">
+                <a:solidFill>
+                  <a:srgbClr val="FFFFFF"/>
+                </a:solidFill>
+                <a:latin typeface="Verdana"/>
+                <a:cs typeface="Verdana"/>
+              </a:rPr>
+              <a:t>e</a:t>
+            </a:r>
+            <a:r>
+              <a:rPr sz="2700" spc="-90" dirty="0">
+                <a:solidFill>
+                  <a:srgbClr val="FFFFFF"/>
+                </a:solidFill>
+                <a:latin typeface="Verdana"/>
+                <a:cs typeface="Verdana"/>
+              </a:rPr>
+              <a:t>s</a:t>
+            </a:r>
+            <a:r>
+              <a:rPr sz="2700" spc="30" dirty="0">
+                <a:solidFill>
+                  <a:srgbClr val="FFFFFF"/>
+                </a:solidFill>
+                <a:latin typeface="Verdana"/>
+                <a:cs typeface="Verdana"/>
+              </a:rPr>
+              <a:t>t</a:t>
+            </a:r>
+            <a:r>
+              <a:rPr sz="2700" spc="-15" dirty="0">
+                <a:solidFill>
+                  <a:srgbClr val="FFFFFF"/>
+                </a:solidFill>
+                <a:latin typeface="Verdana"/>
+                <a:cs typeface="Verdana"/>
+              </a:rPr>
+              <a:t>i</a:t>
+            </a:r>
+            <a:r>
+              <a:rPr sz="2700" spc="50" dirty="0">
+                <a:solidFill>
+                  <a:srgbClr val="FFFFFF"/>
+                </a:solidFill>
+                <a:latin typeface="Verdana"/>
+                <a:cs typeface="Verdana"/>
+              </a:rPr>
+              <a:t>o</a:t>
+            </a:r>
+            <a:r>
+              <a:rPr sz="2700" spc="114" dirty="0">
+                <a:solidFill>
+                  <a:srgbClr val="FFFFFF"/>
+                </a:solidFill>
+                <a:latin typeface="Verdana"/>
+                <a:cs typeface="Verdana"/>
+              </a:rPr>
+              <a:t>n</a:t>
+            </a:r>
+            <a:r>
+              <a:rPr sz="2700" spc="-140" dirty="0">
+                <a:solidFill>
+                  <a:srgbClr val="FFFFFF"/>
+                </a:solidFill>
+                <a:latin typeface="Verdana"/>
+                <a:cs typeface="Verdana"/>
+              </a:rPr>
+              <a:t>s</a:t>
+            </a:r>
+            <a:r>
+              <a:rPr sz="2700" spc="40" dirty="0">
+                <a:solidFill>
+                  <a:srgbClr val="FFFFFF"/>
+                </a:solidFill>
+                <a:latin typeface="Verdana"/>
+                <a:cs typeface="Verdana"/>
+              </a:rPr>
+              <a:t>?  </a:t>
+            </a:r>
+            <a:r>
+              <a:rPr lang="en-US" sz="2700" spc="40" dirty="0">
+                <a:solidFill>
+                  <a:srgbClr val="FFFFFF"/>
+                </a:solidFill>
+                <a:latin typeface="Verdana"/>
+                <a:cs typeface="Verdana"/>
+              </a:rPr>
+              <a:t>dtisp2020@gmail.com</a:t>
+            </a:r>
+            <a:endParaRPr sz="2700" dirty="0">
+              <a:latin typeface="Verdana"/>
+              <a:cs typeface="Verdana"/>
+            </a:endParaRPr>
+          </a:p>
+        </p:txBody>
+      </p:sp>
+      <p:sp>
+        <p:nvSpPr>
+          <p:cNvPr id="9" name="object 5">
+            <a:extLst>
+              <a:ext uri="{FF2B5EF4-FFF2-40B4-BE49-F238E27FC236}">
+                <a16:creationId xmlns:a16="http://schemas.microsoft.com/office/drawing/2014/main" id="{D52BA99F-BF84-6163-597E-9B5B217E8A96}"/>
+              </a:ext>
+            </a:extLst>
+          </p:cNvPr>
+          <p:cNvSpPr/>
+          <p:nvPr/>
+        </p:nvSpPr>
+        <p:spPr>
+          <a:xfrm>
+            <a:off x="2633430" y="4559481"/>
+            <a:ext cx="685800" cy="685800"/>
+          </a:xfrm>
+          <a:custGeom>
+            <a:avLst/>
+            <a:gdLst/>
+            <a:ahLst/>
+            <a:cxnLst/>
+            <a:rect l="l" t="t" r="r" b="b"/>
+            <a:pathLst>
+              <a:path w="685800" h="685800">
+                <a:moveTo>
+                  <a:pt x="685799" y="685799"/>
+                </a:moveTo>
+                <a:lnTo>
+                  <a:pt x="471192" y="685799"/>
+                </a:lnTo>
+                <a:lnTo>
+                  <a:pt x="471192" y="417304"/>
+                </a:lnTo>
+                <a:lnTo>
+                  <a:pt x="560375" y="417304"/>
+                </a:lnTo>
+                <a:lnTo>
+                  <a:pt x="572294" y="309991"/>
+                </a:lnTo>
+                <a:lnTo>
+                  <a:pt x="471192" y="309991"/>
+                </a:lnTo>
+                <a:lnTo>
+                  <a:pt x="471192" y="238455"/>
+                </a:lnTo>
+                <a:lnTo>
+                  <a:pt x="474231" y="221912"/>
+                </a:lnTo>
+                <a:lnTo>
+                  <a:pt x="482277" y="208769"/>
+                </a:lnTo>
+                <a:lnTo>
+                  <a:pt x="493723" y="200098"/>
+                </a:lnTo>
+                <a:lnTo>
+                  <a:pt x="506960" y="196970"/>
+                </a:lnTo>
+                <a:lnTo>
+                  <a:pt x="578496" y="196970"/>
+                </a:lnTo>
+                <a:lnTo>
+                  <a:pt x="578496" y="101585"/>
+                </a:lnTo>
+                <a:lnTo>
+                  <a:pt x="483112" y="101585"/>
+                </a:lnTo>
+                <a:lnTo>
+                  <a:pt x="436715" y="110960"/>
+                </a:lnTo>
+                <a:lnTo>
+                  <a:pt x="398814" y="136519"/>
+                </a:lnTo>
+                <a:lnTo>
+                  <a:pt x="373254" y="174417"/>
+                </a:lnTo>
+                <a:lnTo>
+                  <a:pt x="363879" y="220808"/>
+                </a:lnTo>
+                <a:lnTo>
+                  <a:pt x="363879" y="309991"/>
+                </a:lnTo>
+                <a:lnTo>
+                  <a:pt x="274223" y="309991"/>
+                </a:lnTo>
+                <a:lnTo>
+                  <a:pt x="274223" y="417304"/>
+                </a:lnTo>
+                <a:lnTo>
+                  <a:pt x="363879" y="417304"/>
+                </a:lnTo>
+                <a:lnTo>
+                  <a:pt x="363879" y="685799"/>
+                </a:lnTo>
+                <a:lnTo>
+                  <a:pt x="0" y="685799"/>
+                </a:lnTo>
+                <a:lnTo>
+                  <a:pt x="0" y="0"/>
+                </a:lnTo>
+                <a:lnTo>
+                  <a:pt x="685799" y="0"/>
+                </a:lnTo>
+                <a:lnTo>
+                  <a:pt x="685799" y="685799"/>
+                </a:lnTo>
+                <a:close/>
+              </a:path>
+            </a:pathLst>
+          </a:custGeom>
+          <a:solidFill>
+            <a:srgbClr val="FFFFFF"/>
+          </a:solidFill>
+        </p:spPr>
+        <p:txBody>
+          <a:bodyPr wrap="square" lIns="0" tIns="0" rIns="0" bIns="0" rtlCol="0"/>
+          <a:lstStyle/>
+          <a:p>
+            <a:endParaRPr/>
+          </a:p>
+        </p:txBody>
+      </p:sp>
+      <p:sp>
+        <p:nvSpPr>
+          <p:cNvPr id="10" name="object 6">
+            <a:extLst>
+              <a:ext uri="{FF2B5EF4-FFF2-40B4-BE49-F238E27FC236}">
+                <a16:creationId xmlns:a16="http://schemas.microsoft.com/office/drawing/2014/main" id="{2ACE7C8C-5FAA-2BCA-962E-1092569DEBD1}"/>
+              </a:ext>
+            </a:extLst>
+          </p:cNvPr>
+          <p:cNvSpPr/>
+          <p:nvPr/>
+        </p:nvSpPr>
+        <p:spPr>
+          <a:xfrm>
+            <a:off x="3814044" y="4559480"/>
+            <a:ext cx="676275" cy="685800"/>
+          </a:xfrm>
+          <a:custGeom>
+            <a:avLst/>
+            <a:gdLst/>
+            <a:ahLst/>
+            <a:cxnLst/>
+            <a:rect l="l" t="t" r="r" b="b"/>
+            <a:pathLst>
+              <a:path w="676275" h="685800">
+                <a:moveTo>
+                  <a:pt x="676275" y="685799"/>
+                </a:moveTo>
+                <a:lnTo>
+                  <a:pt x="0" y="685799"/>
+                </a:lnTo>
+                <a:lnTo>
+                  <a:pt x="0" y="0"/>
+                </a:lnTo>
+                <a:lnTo>
+                  <a:pt x="676275" y="0"/>
+                </a:lnTo>
+                <a:lnTo>
+                  <a:pt x="676275" y="143080"/>
+                </a:lnTo>
+                <a:lnTo>
+                  <a:pt x="433286" y="143080"/>
+                </a:lnTo>
+                <a:lnTo>
+                  <a:pt x="394869" y="151463"/>
+                </a:lnTo>
+                <a:lnTo>
+                  <a:pt x="373126" y="166919"/>
+                </a:lnTo>
+                <a:lnTo>
+                  <a:pt x="124811" y="166919"/>
+                </a:lnTo>
+                <a:lnTo>
+                  <a:pt x="118597" y="178228"/>
+                </a:lnTo>
+                <a:lnTo>
+                  <a:pt x="110693" y="207999"/>
+                </a:lnTo>
+                <a:lnTo>
+                  <a:pt x="117203" y="250017"/>
+                </a:lnTo>
+                <a:lnTo>
+                  <a:pt x="145047" y="286152"/>
+                </a:lnTo>
+                <a:lnTo>
+                  <a:pt x="106778" y="286152"/>
+                </a:lnTo>
+                <a:lnTo>
+                  <a:pt x="107276" y="299475"/>
+                </a:lnTo>
+                <a:lnTo>
+                  <a:pt x="115025" y="330144"/>
+                </a:lnTo>
+                <a:lnTo>
+                  <a:pt x="139413" y="364212"/>
+                </a:lnTo>
+                <a:lnTo>
+                  <a:pt x="189825" y="387728"/>
+                </a:lnTo>
+                <a:lnTo>
+                  <a:pt x="186614" y="388623"/>
+                </a:lnTo>
+                <a:lnTo>
+                  <a:pt x="177308" y="390592"/>
+                </a:lnTo>
+                <a:lnTo>
+                  <a:pt x="162397" y="392560"/>
+                </a:lnTo>
+                <a:lnTo>
+                  <a:pt x="142371" y="393455"/>
+                </a:lnTo>
+                <a:lnTo>
+                  <a:pt x="146390" y="403829"/>
+                </a:lnTo>
+                <a:lnTo>
+                  <a:pt x="160998" y="427079"/>
+                </a:lnTo>
+                <a:lnTo>
+                  <a:pt x="190022" y="451402"/>
+                </a:lnTo>
+                <a:lnTo>
+                  <a:pt x="237289" y="464991"/>
+                </a:lnTo>
+                <a:lnTo>
+                  <a:pt x="228611" y="471818"/>
+                </a:lnTo>
+                <a:lnTo>
+                  <a:pt x="203944" y="486837"/>
+                </a:lnTo>
+                <a:lnTo>
+                  <a:pt x="165333" y="501856"/>
+                </a:lnTo>
+                <a:lnTo>
+                  <a:pt x="127566" y="506961"/>
+                </a:lnTo>
+                <a:lnTo>
+                  <a:pt x="89218" y="506961"/>
+                </a:lnTo>
+                <a:lnTo>
+                  <a:pt x="125795" y="526885"/>
+                </a:lnTo>
+                <a:lnTo>
+                  <a:pt x="164021" y="541891"/>
+                </a:lnTo>
+                <a:lnTo>
+                  <a:pt x="203406" y="551354"/>
+                </a:lnTo>
+                <a:lnTo>
+                  <a:pt x="243460" y="554648"/>
+                </a:lnTo>
+                <a:lnTo>
+                  <a:pt x="676275" y="554648"/>
+                </a:lnTo>
+                <a:lnTo>
+                  <a:pt x="676275" y="685799"/>
+                </a:lnTo>
+                <a:close/>
+              </a:path>
+              <a:path w="676275" h="685800">
+                <a:moveTo>
+                  <a:pt x="510171" y="178848"/>
+                </a:moveTo>
+                <a:lnTo>
+                  <a:pt x="494887" y="163199"/>
+                </a:lnTo>
+                <a:lnTo>
+                  <a:pt x="476176" y="152021"/>
+                </a:lnTo>
+                <a:lnTo>
+                  <a:pt x="455242" y="145315"/>
+                </a:lnTo>
+                <a:lnTo>
+                  <a:pt x="433286" y="143080"/>
+                </a:lnTo>
+                <a:lnTo>
+                  <a:pt x="676275" y="143080"/>
+                </a:lnTo>
+                <a:lnTo>
+                  <a:pt x="676275" y="149272"/>
+                </a:lnTo>
+                <a:lnTo>
+                  <a:pt x="575658" y="149272"/>
+                </a:lnTo>
+                <a:lnTo>
+                  <a:pt x="571484" y="151322"/>
+                </a:lnTo>
+                <a:lnTo>
+                  <a:pt x="560058" y="156727"/>
+                </a:lnTo>
+                <a:lnTo>
+                  <a:pt x="543026" y="164366"/>
+                </a:lnTo>
+                <a:lnTo>
+                  <a:pt x="522032" y="173121"/>
+                </a:lnTo>
+                <a:lnTo>
+                  <a:pt x="516342" y="173121"/>
+                </a:lnTo>
+                <a:lnTo>
+                  <a:pt x="510171" y="178848"/>
+                </a:lnTo>
+                <a:close/>
+              </a:path>
+              <a:path w="676275" h="685800">
+                <a:moveTo>
+                  <a:pt x="528203" y="208889"/>
+                </a:moveTo>
+                <a:lnTo>
+                  <a:pt x="537156" y="204604"/>
+                </a:lnTo>
+                <a:lnTo>
+                  <a:pt x="551757" y="192494"/>
+                </a:lnTo>
+                <a:lnTo>
+                  <a:pt x="566445" y="173677"/>
+                </a:lnTo>
+                <a:lnTo>
+                  <a:pt x="575658" y="149272"/>
+                </a:lnTo>
+                <a:lnTo>
+                  <a:pt x="676275" y="149272"/>
+                </a:lnTo>
+                <a:lnTo>
+                  <a:pt x="676275" y="196970"/>
+                </a:lnTo>
+                <a:lnTo>
+                  <a:pt x="587528" y="196970"/>
+                </a:lnTo>
+                <a:lnTo>
+                  <a:pt x="582392" y="198832"/>
+                </a:lnTo>
+                <a:lnTo>
+                  <a:pt x="568895" y="202929"/>
+                </a:lnTo>
+                <a:lnTo>
+                  <a:pt x="549884" y="207026"/>
+                </a:lnTo>
+                <a:lnTo>
+                  <a:pt x="528203" y="208889"/>
+                </a:lnTo>
+                <a:close/>
+              </a:path>
+              <a:path w="676275" h="685800">
+                <a:moveTo>
+                  <a:pt x="332207" y="268505"/>
+                </a:moveTo>
+                <a:lnTo>
+                  <a:pt x="280661" y="260217"/>
+                </a:lnTo>
+                <a:lnTo>
+                  <a:pt x="232053" y="243883"/>
+                </a:lnTo>
+                <a:lnTo>
+                  <a:pt x="177726" y="214112"/>
+                </a:lnTo>
+                <a:lnTo>
+                  <a:pt x="124811" y="166919"/>
+                </a:lnTo>
+                <a:lnTo>
+                  <a:pt x="373126" y="166919"/>
+                </a:lnTo>
+                <a:lnTo>
+                  <a:pt x="362637" y="174376"/>
+                </a:lnTo>
+                <a:lnTo>
+                  <a:pt x="340459" y="208467"/>
+                </a:lnTo>
+                <a:lnTo>
+                  <a:pt x="332279" y="250017"/>
+                </a:lnTo>
+                <a:lnTo>
+                  <a:pt x="332207" y="268505"/>
+                </a:lnTo>
+                <a:close/>
+              </a:path>
+              <a:path w="676275" h="685800">
+                <a:moveTo>
+                  <a:pt x="676275" y="554648"/>
+                </a:moveTo>
+                <a:lnTo>
+                  <a:pt x="243460" y="554648"/>
+                </a:lnTo>
+                <a:lnTo>
+                  <a:pt x="290628" y="550809"/>
+                </a:lnTo>
+                <a:lnTo>
+                  <a:pt x="335721" y="539674"/>
+                </a:lnTo>
+                <a:lnTo>
+                  <a:pt x="378057" y="521814"/>
+                </a:lnTo>
+                <a:lnTo>
+                  <a:pt x="416955" y="497803"/>
+                </a:lnTo>
+                <a:lnTo>
+                  <a:pt x="451737" y="468212"/>
+                </a:lnTo>
+                <a:lnTo>
+                  <a:pt x="481720" y="433613"/>
+                </a:lnTo>
+                <a:lnTo>
+                  <a:pt x="506225" y="394579"/>
+                </a:lnTo>
+                <a:lnTo>
+                  <a:pt x="524571" y="351681"/>
+                </a:lnTo>
+                <a:lnTo>
+                  <a:pt x="536078" y="305493"/>
+                </a:lnTo>
+                <a:lnTo>
+                  <a:pt x="540065" y="256586"/>
+                </a:lnTo>
+                <a:lnTo>
+                  <a:pt x="540065" y="244657"/>
+                </a:lnTo>
+                <a:lnTo>
+                  <a:pt x="546613" y="239687"/>
+                </a:lnTo>
+                <a:lnTo>
+                  <a:pt x="561482" y="227431"/>
+                </a:lnTo>
+                <a:lnTo>
+                  <a:pt x="577508" y="211865"/>
+                </a:lnTo>
+                <a:lnTo>
+                  <a:pt x="587528" y="196970"/>
+                </a:lnTo>
+                <a:lnTo>
+                  <a:pt x="676275" y="196970"/>
+                </a:lnTo>
+                <a:lnTo>
+                  <a:pt x="676275" y="554648"/>
+                </a:lnTo>
+                <a:close/>
+              </a:path>
+              <a:path w="676275" h="685800">
+                <a:moveTo>
+                  <a:pt x="154232" y="298071"/>
+                </a:moveTo>
+                <a:lnTo>
+                  <a:pt x="150155" y="297885"/>
+                </a:lnTo>
+                <a:lnTo>
+                  <a:pt x="139405" y="296582"/>
+                </a:lnTo>
+                <a:lnTo>
+                  <a:pt x="124205" y="293043"/>
+                </a:lnTo>
+                <a:lnTo>
+                  <a:pt x="106778" y="286152"/>
+                </a:lnTo>
+                <a:lnTo>
+                  <a:pt x="145047" y="286152"/>
+                </a:lnTo>
+                <a:lnTo>
+                  <a:pt x="154232" y="298071"/>
+                </a:lnTo>
+                <a:close/>
+              </a:path>
+              <a:path w="676275" h="685800">
+                <a:moveTo>
+                  <a:pt x="114827" y="508683"/>
+                </a:moveTo>
+                <a:lnTo>
+                  <a:pt x="108599" y="508581"/>
+                </a:lnTo>
+                <a:lnTo>
+                  <a:pt x="102253" y="508268"/>
+                </a:lnTo>
+                <a:lnTo>
+                  <a:pt x="95791" y="507732"/>
+                </a:lnTo>
+                <a:lnTo>
+                  <a:pt x="89218" y="506961"/>
+                </a:lnTo>
+                <a:lnTo>
+                  <a:pt x="127566" y="506961"/>
+                </a:lnTo>
+                <a:lnTo>
+                  <a:pt x="114827" y="508683"/>
+                </a:lnTo>
+                <a:close/>
+              </a:path>
+            </a:pathLst>
+          </a:custGeom>
+          <a:solidFill>
+            <a:srgbClr val="FFFFFF"/>
+          </a:solidFill>
+        </p:spPr>
+        <p:txBody>
+          <a:bodyPr wrap="square" lIns="0" tIns="0" rIns="0" bIns="0" rtlCol="0"/>
+          <a:lstStyle/>
+          <a:p>
+            <a:endParaRPr/>
+          </a:p>
+        </p:txBody>
+      </p:sp>
+      <p:sp>
+        <p:nvSpPr>
+          <p:cNvPr id="11" name="object 7">
+            <a:extLst>
+              <a:ext uri="{FF2B5EF4-FFF2-40B4-BE49-F238E27FC236}">
+                <a16:creationId xmlns:a16="http://schemas.microsoft.com/office/drawing/2014/main" id="{163D5CDE-3593-8D16-2865-545CD112CA23}"/>
+              </a:ext>
+            </a:extLst>
+          </p:cNvPr>
+          <p:cNvSpPr/>
+          <p:nvPr/>
+        </p:nvSpPr>
+        <p:spPr>
+          <a:xfrm>
+            <a:off x="1452851" y="4559490"/>
+            <a:ext cx="685800" cy="685800"/>
+          </a:xfrm>
+          <a:custGeom>
+            <a:avLst/>
+            <a:gdLst/>
+            <a:ahLst/>
+            <a:cxnLst/>
+            <a:rect l="l" t="t" r="r" b="b"/>
+            <a:pathLst>
+              <a:path w="685800" h="685800">
+                <a:moveTo>
+                  <a:pt x="685800" y="685799"/>
+                </a:moveTo>
+                <a:lnTo>
+                  <a:pt x="0" y="685799"/>
+                </a:lnTo>
+                <a:lnTo>
+                  <a:pt x="0" y="0"/>
+                </a:lnTo>
+                <a:lnTo>
+                  <a:pt x="685800" y="0"/>
+                </a:lnTo>
+                <a:lnTo>
+                  <a:pt x="685800" y="113504"/>
+                </a:lnTo>
+                <a:lnTo>
+                  <a:pt x="226536" y="113504"/>
+                </a:lnTo>
+                <a:lnTo>
+                  <a:pt x="183724" y="122782"/>
+                </a:lnTo>
+                <a:lnTo>
+                  <a:pt x="147664" y="147662"/>
+                </a:lnTo>
+                <a:lnTo>
+                  <a:pt x="122782" y="183719"/>
+                </a:lnTo>
+                <a:lnTo>
+                  <a:pt x="113505" y="226525"/>
+                </a:lnTo>
+                <a:lnTo>
+                  <a:pt x="113505" y="453061"/>
+                </a:lnTo>
+                <a:lnTo>
+                  <a:pt x="122782" y="499459"/>
+                </a:lnTo>
+                <a:lnTo>
+                  <a:pt x="147664" y="537360"/>
+                </a:lnTo>
+                <a:lnTo>
+                  <a:pt x="183724" y="562920"/>
+                </a:lnTo>
+                <a:lnTo>
+                  <a:pt x="226536" y="572294"/>
+                </a:lnTo>
+                <a:lnTo>
+                  <a:pt x="685800" y="572294"/>
+                </a:lnTo>
+                <a:lnTo>
+                  <a:pt x="685800" y="685799"/>
+                </a:lnTo>
+                <a:close/>
+              </a:path>
+              <a:path w="685800" h="685800">
+                <a:moveTo>
+                  <a:pt x="685800" y="572294"/>
+                </a:moveTo>
+                <a:lnTo>
+                  <a:pt x="453072" y="572294"/>
+                </a:lnTo>
+                <a:lnTo>
+                  <a:pt x="499463" y="562920"/>
+                </a:lnTo>
+                <a:lnTo>
+                  <a:pt x="537361" y="537360"/>
+                </a:lnTo>
+                <a:lnTo>
+                  <a:pt x="562920" y="499459"/>
+                </a:lnTo>
+                <a:lnTo>
+                  <a:pt x="572294" y="453061"/>
+                </a:lnTo>
+                <a:lnTo>
+                  <a:pt x="572294" y="226525"/>
+                </a:lnTo>
+                <a:lnTo>
+                  <a:pt x="562920" y="183719"/>
+                </a:lnTo>
+                <a:lnTo>
+                  <a:pt x="537361" y="147662"/>
+                </a:lnTo>
+                <a:lnTo>
+                  <a:pt x="499463" y="122782"/>
+                </a:lnTo>
+                <a:lnTo>
+                  <a:pt x="453072" y="113504"/>
+                </a:lnTo>
+                <a:lnTo>
+                  <a:pt x="685800" y="113504"/>
+                </a:lnTo>
+                <a:lnTo>
+                  <a:pt x="685800" y="572294"/>
+                </a:lnTo>
+                <a:close/>
+              </a:path>
+              <a:path w="685800" h="685800">
+                <a:moveTo>
+                  <a:pt x="453072" y="518880"/>
+                </a:moveTo>
+                <a:lnTo>
+                  <a:pt x="226536" y="518880"/>
+                </a:lnTo>
+                <a:lnTo>
+                  <a:pt x="201238" y="513625"/>
+                </a:lnTo>
+                <a:lnTo>
+                  <a:pt x="180456" y="499383"/>
+                </a:lnTo>
+                <a:lnTo>
+                  <a:pt x="166380" y="478435"/>
+                </a:lnTo>
+                <a:lnTo>
+                  <a:pt x="161201" y="453061"/>
+                </a:lnTo>
+                <a:lnTo>
+                  <a:pt x="161201" y="226525"/>
+                </a:lnTo>
+                <a:lnTo>
+                  <a:pt x="166380" y="201227"/>
+                </a:lnTo>
+                <a:lnTo>
+                  <a:pt x="180456" y="180445"/>
+                </a:lnTo>
+                <a:lnTo>
+                  <a:pt x="201238" y="166370"/>
+                </a:lnTo>
+                <a:lnTo>
+                  <a:pt x="226536" y="161191"/>
+                </a:lnTo>
+                <a:lnTo>
+                  <a:pt x="453072" y="161191"/>
+                </a:lnTo>
+                <a:lnTo>
+                  <a:pt x="478444" y="166370"/>
+                </a:lnTo>
+                <a:lnTo>
+                  <a:pt x="499389" y="180445"/>
+                </a:lnTo>
+                <a:lnTo>
+                  <a:pt x="506454" y="190757"/>
+                </a:lnTo>
+                <a:lnTo>
+                  <a:pt x="464991" y="190757"/>
+                </a:lnTo>
+                <a:lnTo>
+                  <a:pt x="452926" y="193777"/>
+                </a:lnTo>
+                <a:lnTo>
+                  <a:pt x="443590" y="201313"/>
+                </a:lnTo>
+                <a:lnTo>
+                  <a:pt x="437563" y="211084"/>
+                </a:lnTo>
+                <a:lnTo>
+                  <a:pt x="435425" y="220808"/>
+                </a:lnTo>
+                <a:lnTo>
+                  <a:pt x="436438" y="226525"/>
+                </a:lnTo>
+                <a:lnTo>
+                  <a:pt x="340041" y="226525"/>
+                </a:lnTo>
+                <a:lnTo>
+                  <a:pt x="297155" y="235878"/>
+                </a:lnTo>
+                <a:lnTo>
+                  <a:pt x="260932" y="260925"/>
+                </a:lnTo>
+                <a:lnTo>
+                  <a:pt x="235887" y="297149"/>
+                </a:lnTo>
+                <a:lnTo>
+                  <a:pt x="226536" y="340031"/>
+                </a:lnTo>
+                <a:lnTo>
+                  <a:pt x="235887" y="386228"/>
+                </a:lnTo>
+                <a:lnTo>
+                  <a:pt x="260932" y="424151"/>
+                </a:lnTo>
+                <a:lnTo>
+                  <a:pt x="297155" y="449822"/>
+                </a:lnTo>
+                <a:lnTo>
+                  <a:pt x="340041" y="459264"/>
+                </a:lnTo>
+                <a:lnTo>
+                  <a:pt x="517596" y="459264"/>
+                </a:lnTo>
+                <a:lnTo>
+                  <a:pt x="513627" y="478435"/>
+                </a:lnTo>
+                <a:lnTo>
+                  <a:pt x="499389" y="499383"/>
+                </a:lnTo>
+                <a:lnTo>
+                  <a:pt x="478444" y="513625"/>
+                </a:lnTo>
+                <a:lnTo>
+                  <a:pt x="453072" y="518880"/>
+                </a:lnTo>
+                <a:close/>
+              </a:path>
+              <a:path w="685800" h="685800">
+                <a:moveTo>
+                  <a:pt x="518880" y="250374"/>
+                </a:moveTo>
+                <a:lnTo>
+                  <a:pt x="464991" y="250374"/>
+                </a:lnTo>
+                <a:lnTo>
+                  <a:pt x="473746" y="248236"/>
+                </a:lnTo>
+                <a:lnTo>
+                  <a:pt x="481385" y="242209"/>
+                </a:lnTo>
+                <a:lnTo>
+                  <a:pt x="486789" y="232872"/>
+                </a:lnTo>
+                <a:lnTo>
+                  <a:pt x="488839" y="220808"/>
+                </a:lnTo>
+                <a:lnTo>
+                  <a:pt x="486789" y="211084"/>
+                </a:lnTo>
+                <a:lnTo>
+                  <a:pt x="481385" y="201313"/>
+                </a:lnTo>
+                <a:lnTo>
+                  <a:pt x="473746" y="193777"/>
+                </a:lnTo>
+                <a:lnTo>
+                  <a:pt x="464991" y="190757"/>
+                </a:lnTo>
+                <a:lnTo>
+                  <a:pt x="506454" y="190757"/>
+                </a:lnTo>
+                <a:lnTo>
+                  <a:pt x="513627" y="201227"/>
+                </a:lnTo>
+                <a:lnTo>
+                  <a:pt x="518880" y="226525"/>
+                </a:lnTo>
+                <a:lnTo>
+                  <a:pt x="518880" y="250374"/>
+                </a:lnTo>
+                <a:close/>
+              </a:path>
+              <a:path w="685800" h="685800">
+                <a:moveTo>
+                  <a:pt x="517596" y="459264"/>
+                </a:moveTo>
+                <a:lnTo>
+                  <a:pt x="340041" y="459264"/>
+                </a:lnTo>
+                <a:lnTo>
+                  <a:pt x="386234" y="449822"/>
+                </a:lnTo>
+                <a:lnTo>
+                  <a:pt x="424157" y="424151"/>
+                </a:lnTo>
+                <a:lnTo>
+                  <a:pt x="449831" y="386228"/>
+                </a:lnTo>
+                <a:lnTo>
+                  <a:pt x="459273" y="340031"/>
+                </a:lnTo>
+                <a:lnTo>
+                  <a:pt x="449831" y="297149"/>
+                </a:lnTo>
+                <a:lnTo>
+                  <a:pt x="424157" y="260925"/>
+                </a:lnTo>
+                <a:lnTo>
+                  <a:pt x="386234" y="235878"/>
+                </a:lnTo>
+                <a:lnTo>
+                  <a:pt x="340041" y="226525"/>
+                </a:lnTo>
+                <a:lnTo>
+                  <a:pt x="436438" y="226525"/>
+                </a:lnTo>
+                <a:lnTo>
+                  <a:pt x="437563" y="232872"/>
+                </a:lnTo>
+                <a:lnTo>
+                  <a:pt x="443590" y="242209"/>
+                </a:lnTo>
+                <a:lnTo>
+                  <a:pt x="452926" y="248236"/>
+                </a:lnTo>
+                <a:lnTo>
+                  <a:pt x="464991" y="250374"/>
+                </a:lnTo>
+                <a:lnTo>
+                  <a:pt x="518880" y="250374"/>
+                </a:lnTo>
+                <a:lnTo>
+                  <a:pt x="518880" y="453061"/>
+                </a:lnTo>
+                <a:lnTo>
+                  <a:pt x="517596" y="459264"/>
+                </a:lnTo>
+                <a:close/>
+              </a:path>
+              <a:path w="685800" h="685800">
+                <a:moveTo>
+                  <a:pt x="340041" y="411576"/>
+                </a:moveTo>
+                <a:lnTo>
+                  <a:pt x="314667" y="406232"/>
+                </a:lnTo>
+                <a:lnTo>
+                  <a:pt x="293719" y="391364"/>
+                </a:lnTo>
+                <a:lnTo>
+                  <a:pt x="279477" y="368716"/>
+                </a:lnTo>
+                <a:lnTo>
+                  <a:pt x="274223" y="340031"/>
+                </a:lnTo>
+                <a:lnTo>
+                  <a:pt x="279477" y="314659"/>
+                </a:lnTo>
+                <a:lnTo>
+                  <a:pt x="293719" y="293714"/>
+                </a:lnTo>
+                <a:lnTo>
+                  <a:pt x="314667" y="279475"/>
+                </a:lnTo>
+                <a:lnTo>
+                  <a:pt x="340041" y="274223"/>
+                </a:lnTo>
+                <a:lnTo>
+                  <a:pt x="368724" y="279475"/>
+                </a:lnTo>
+                <a:lnTo>
+                  <a:pt x="391369" y="293714"/>
+                </a:lnTo>
+                <a:lnTo>
+                  <a:pt x="406234" y="314659"/>
+                </a:lnTo>
+                <a:lnTo>
+                  <a:pt x="411576" y="340031"/>
+                </a:lnTo>
+                <a:lnTo>
+                  <a:pt x="406234" y="368716"/>
+                </a:lnTo>
+                <a:lnTo>
+                  <a:pt x="391369" y="391364"/>
+                </a:lnTo>
+                <a:lnTo>
+                  <a:pt x="368724" y="406232"/>
+                </a:lnTo>
+                <a:lnTo>
+                  <a:pt x="340041" y="411576"/>
+                </a:lnTo>
+                <a:close/>
+              </a:path>
+            </a:pathLst>
+          </a:custGeom>
+          <a:solidFill>
+            <a:srgbClr val="FFFFFF"/>
+          </a:solidFill>
+        </p:spPr>
+        <p:txBody>
+          <a:bodyPr wrap="square" lIns="0" tIns="0" rIns="0" bIns="0" rtlCol="0"/>
+          <a:lstStyle/>
+          <a:p>
+            <a:endParaRPr/>
+          </a:p>
+        </p:txBody>
+      </p:sp>
+      <p:pic>
+        <p:nvPicPr>
+          <p:cNvPr id="12" name="Picture 11">
+            <a:extLst>
+              <a:ext uri="{FF2B5EF4-FFF2-40B4-BE49-F238E27FC236}">
+                <a16:creationId xmlns:a16="http://schemas.microsoft.com/office/drawing/2014/main" id="{ED7E1B3D-CC7D-4F7C-47A3-A7249BEC0F30}"/>
+              </a:ext>
+            </a:extLst>
+          </p:cNvPr>
+          <p:cNvPicPr>
+            <a:picLocks noChangeAspect="1"/>
+          </p:cNvPicPr>
+          <p:nvPr/>
+        </p:nvPicPr>
+        <p:blipFill>
+          <a:blip r:embed="rId3" cstate="print">
+            <a:extLst>
+              <a:ext uri="{28A0092B-C50C-407E-A947-70E740481C1C}">
+                <a14:useLocalDpi xmlns:a14="http://schemas.microsoft.com/office/drawing/2010/main" val="0"/>
+              </a:ext>
+            </a:extLst>
+          </a:blip>
+          <a:stretch>
+            <a:fillRect/>
+          </a:stretch>
+        </p:blipFill>
+        <p:spPr>
+          <a:xfrm>
+            <a:off x="7034006" y="1374037"/>
+            <a:ext cx="3082816" cy="4004578"/>
+          </a:xfrm>
+          <a:prstGeom prst="rect">
+            <a:avLst/>
+          </a:prstGeom>
+        </p:spPr>
+      </p:pic>
+      <p:sp>
+        <p:nvSpPr>
+          <p:cNvPr id="13" name="object 3">
+            <a:extLst>
+              <a:ext uri="{FF2B5EF4-FFF2-40B4-BE49-F238E27FC236}">
+                <a16:creationId xmlns:a16="http://schemas.microsoft.com/office/drawing/2014/main" id="{046654E1-C2D5-38D3-A75B-E35A375E7F63}"/>
+              </a:ext>
+            </a:extLst>
+          </p:cNvPr>
+          <p:cNvSpPr txBox="1">
+            <a:spLocks/>
+          </p:cNvSpPr>
+          <p:nvPr/>
+        </p:nvSpPr>
+        <p:spPr>
+          <a:xfrm>
+            <a:off x="6262998" y="5476690"/>
+            <a:ext cx="5144699" cy="631583"/>
+          </a:xfrm>
+          <a:prstGeom prst="rect">
+            <a:avLst/>
+          </a:prstGeom>
+        </p:spPr>
+        <p:txBody>
+          <a:bodyPr vert="horz" wrap="square" lIns="0" tIns="15875" rIns="0" bIns="0" rtlCol="0">
+            <a:spAutoFit/>
+          </a:bodyPr>
+          <a:lstStyle>
+            <a:lvl1pPr algn="ctr" defTabSz="914400" rtl="0" eaLnBrk="1" latinLnBrk="0" hangingPunct="1">
+              <a:spcBef>
+                <a:spcPct val="0"/>
+              </a:spcBef>
+              <a:buNone/>
+              <a:defRPr sz="4400" kern="1200">
+                <a:solidFill>
+                  <a:schemeClr val="tx1"/>
+                </a:solidFill>
+                <a:latin typeface="+mj-lt"/>
+                <a:ea typeface="+mj-ea"/>
+                <a:cs typeface="+mj-cs"/>
+              </a:defRPr>
+            </a:lvl1pPr>
+          </a:lstStyle>
+          <a:p>
+            <a:pPr marL="12700">
+              <a:spcBef>
+                <a:spcPts val="125"/>
+              </a:spcBef>
+            </a:pPr>
+            <a:r>
+              <a:rPr lang="en-US" sz="4000" dirty="0">
+                <a:solidFill>
+                  <a:schemeClr val="bg1"/>
+                </a:solidFill>
+                <a:latin typeface="Bebas Neue" panose="020B0606020202050201" pitchFamily="34" charset="0"/>
+              </a:rPr>
+              <a:t>Personal details</a:t>
+            </a:r>
+          </a:p>
+        </p:txBody>
+      </p:sp>
+      <p:pic>
+        <p:nvPicPr>
+          <p:cNvPr id="14" name="Picture 13">
+            <a:extLst>
+              <a:ext uri="{FF2B5EF4-FFF2-40B4-BE49-F238E27FC236}">
+                <a16:creationId xmlns:a16="http://schemas.microsoft.com/office/drawing/2014/main" id="{FFF7C717-5683-330B-4007-C54F4B0EEA28}"/>
+              </a:ext>
+            </a:extLst>
+          </p:cNvPr>
+          <p:cNvPicPr>
+            <a:picLocks noChangeAspect="1"/>
+          </p:cNvPicPr>
+          <p:nvPr/>
+        </p:nvPicPr>
+        <p:blipFill>
+          <a:blip r:embed="rId4"/>
+          <a:stretch>
+            <a:fillRect/>
+          </a:stretch>
+        </p:blipFill>
+        <p:spPr>
+          <a:xfrm>
+            <a:off x="11148159" y="2096284"/>
+            <a:ext cx="2151062" cy="2151062"/>
+          </a:xfrm>
+          <a:prstGeom prst="rect">
+            <a:avLst/>
+          </a:prstGeom>
+        </p:spPr>
+      </p:pic>
+      <p:sp>
+        <p:nvSpPr>
+          <p:cNvPr id="15" name="object 3">
+            <a:extLst>
+              <a:ext uri="{FF2B5EF4-FFF2-40B4-BE49-F238E27FC236}">
+                <a16:creationId xmlns:a16="http://schemas.microsoft.com/office/drawing/2014/main" id="{07D6B4D2-53BE-A61C-8033-4C984D2C0368}"/>
+              </a:ext>
+            </a:extLst>
+          </p:cNvPr>
+          <p:cNvSpPr txBox="1">
+            <a:spLocks/>
+          </p:cNvSpPr>
+          <p:nvPr/>
+        </p:nvSpPr>
+        <p:spPr>
+          <a:xfrm>
+            <a:off x="9733090" y="4884916"/>
+            <a:ext cx="5144699" cy="631583"/>
+          </a:xfrm>
+          <a:prstGeom prst="rect">
+            <a:avLst/>
+          </a:prstGeom>
+        </p:spPr>
+        <p:txBody>
+          <a:bodyPr vert="horz" wrap="square" lIns="0" tIns="15875" rIns="0" bIns="0" rtlCol="0">
+            <a:spAutoFit/>
+          </a:bodyPr>
+          <a:lstStyle>
+            <a:lvl1pPr algn="ctr" defTabSz="914400" rtl="0" eaLnBrk="1" latinLnBrk="0" hangingPunct="1">
+              <a:spcBef>
+                <a:spcPct val="0"/>
+              </a:spcBef>
+              <a:buNone/>
+              <a:defRPr sz="4400" kern="1200">
+                <a:solidFill>
+                  <a:schemeClr val="tx1"/>
+                </a:solidFill>
+                <a:latin typeface="+mj-lt"/>
+                <a:ea typeface="+mj-ea"/>
+                <a:cs typeface="+mj-cs"/>
+              </a:defRPr>
+            </a:lvl1pPr>
+          </a:lstStyle>
+          <a:p>
+            <a:pPr marL="12700">
+              <a:spcBef>
+                <a:spcPts val="125"/>
+              </a:spcBef>
+            </a:pPr>
+            <a:r>
+              <a:rPr lang="en-US" sz="4000" dirty="0">
+                <a:solidFill>
+                  <a:schemeClr val="bg1"/>
+                </a:solidFill>
+                <a:latin typeface="Bebas Neue" panose="020B0606020202050201" pitchFamily="34" charset="0"/>
+                <a:cs typeface="Arial" panose="020B0604020202020204" pitchFamily="34" charset="0"/>
+              </a:rPr>
+              <a:t>Project link on git</a:t>
+            </a:r>
+          </a:p>
+        </p:txBody>
+      </p:sp>
+      <mc:AlternateContent xmlns:mc="http://schemas.openxmlformats.org/markup-compatibility/2006">
+        <mc:Choice xmlns:am3d="http://schemas.microsoft.com/office/drawing/2017/model3d" Requires="am3d">
+          <p:graphicFrame>
+            <p:nvGraphicFramePr>
+              <p:cNvPr id="16" name="3D Model 15" descr="Zany Face Emoji">
+                <a:extLst>
+                  <a:ext uri="{FF2B5EF4-FFF2-40B4-BE49-F238E27FC236}">
+                    <a16:creationId xmlns:a16="http://schemas.microsoft.com/office/drawing/2014/main" id="{BC0BBD08-3F07-F698-3570-30C7177FCACA}"/>
+                  </a:ext>
+                </a:extLst>
+              </p:cNvPr>
+              <p:cNvGraphicFramePr>
+                <a:graphicFrameLocks noChangeAspect="1"/>
+              </p:cNvGraphicFramePr>
+              <p:nvPr>
+                <p:extLst>
+                  <p:ext uri="{D42A27DB-BD31-4B8C-83A1-F6EECF244321}">
+                    <p14:modId xmlns:p14="http://schemas.microsoft.com/office/powerpoint/2010/main" val="2365054066"/>
+                  </p:ext>
+                </p:extLst>
+              </p:nvPr>
+            </p:nvGraphicFramePr>
+            <p:xfrm>
+              <a:off x="4553020" y="5152521"/>
+              <a:ext cx="2296683" cy="2308965"/>
+            </p:xfrm>
+            <a:graphic>
+              <a:graphicData uri="http://schemas.microsoft.com/office/drawing/2017/model3d">
+                <am3d:model3d r:embed="rId5">
+                  <am3d:spPr>
+                    <a:xfrm>
+                      <a:off x="0" y="0"/>
+                      <a:ext cx="2296683" cy="2308965"/>
+                    </a:xfrm>
+                    <a:prstGeom prst="rect">
+                      <a:avLst/>
+                    </a:prstGeom>
+                  </am3d:spPr>
+                  <am3d:camera>
+                    <am3d:pos x="0" y="0" z="81455949"/>
+                    <am3d:up dx="0" dy="36000000" dz="0"/>
+                    <am3d:lookAt x="0" y="0" z="0"/>
+                    <am3d:perspective fov="2700000"/>
+                  </am3d:camera>
+                  <am3d:trans>
+                    <am3d:meterPerModelUnit n="95240" d="1000000"/>
+                    <am3d:preTrans dx="29" dy="-18000000" dz="-19805"/>
+                    <am3d:scale>
+                      <am3d:sx n="1000000" d="1000000"/>
+                      <am3d:sy n="1000000" d="1000000"/>
+                      <am3d:sz n="1000000" d="1000000"/>
+                    </am3d:scale>
+                    <am3d:rot ax="-30432" ay="407972" az="-3601"/>
+                    <am3d:postTrans dx="0" dy="0" dz="0"/>
+                  </am3d:trans>
+                  <am3d:raster rName="Office3DRenderer" rVer="16.0.8326">
+                    <am3d:blip r:embed="rId6"/>
+                  </am3d:raster>
+                  <am3d:objViewport viewportSz="4114379"/>
+                  <am3d:ambientLight>
+                    <am3d:clr>
+                      <a:scrgbClr r="50000" g="50000" b="50000"/>
+                    </am3d:clr>
+                    <am3d:illuminance n="500000" d="1000000"/>
+                  </am3d:ambientLight>
+                  <am3d:ptLight rad="0">
+                    <am3d:clr>
+                      <a:scrgbClr r="100000" g="75000" b="50000"/>
+                    </am3d:clr>
+                    <am3d:intensity n="9765625" d="1000000"/>
+                    <am3d:pos x="21959998" y="70920001" z="16344003"/>
+                  </am3d:ptLight>
+                  <am3d:ptLight rad="0">
+                    <am3d:clr>
+                      <a:scrgbClr r="40000" g="60000" b="95000"/>
+                    </am3d:clr>
+                    <am3d:intensity n="12250000" d="1000000"/>
+                    <am3d:pos x="-37964106" y="51130435" z="57631972"/>
+                  </am3d:ptLight>
+                  <am3d:ptLight rad="0">
+                    <am3d:clr>
+                      <a:scrgbClr r="86837" g="72700" b="100000"/>
+                    </am3d:clr>
+                    <am3d:intensity n="3125000" d="1000000"/>
+                    <am3d:pos x="-37739122" y="58056624" z="-34769649"/>
+                  </am3d:ptLight>
+                </am3d:model3d>
+              </a:graphicData>
+            </a:graphic>
+          </p:graphicFrame>
+        </mc:Choice>
+        <mc:Fallback>
+          <p:pic>
+            <p:nvPicPr>
+              <p:cNvPr id="16" name="3D Model 15" descr="Zany Face Emoji">
+                <a:extLst>
+                  <a:ext uri="{FF2B5EF4-FFF2-40B4-BE49-F238E27FC236}">
+                    <a16:creationId xmlns:a16="http://schemas.microsoft.com/office/drawing/2014/main" id="{BC0BBD08-3F07-F698-3570-30C7177FCACA}"/>
+                  </a:ext>
+                </a:extLst>
+              </p:cNvPr>
+              <p:cNvPicPr>
+                <a:picLocks noGrp="1" noRot="1" noChangeAspect="1" noMove="1" noResize="1" noEditPoints="1" noAdjustHandles="1" noChangeArrowheads="1" noChangeShapeType="1" noCrop="1"/>
+              </p:cNvPicPr>
+              <p:nvPr/>
+            </p:nvPicPr>
+            <p:blipFill>
+              <a:blip r:embed="rId6"/>
+              <a:stretch>
+                <a:fillRect/>
+              </a:stretch>
+            </p:blipFill>
+            <p:spPr>
+              <a:xfrm>
+                <a:off x="4553020" y="5152521"/>
+                <a:ext cx="2296683" cy="2308965"/>
+              </a:xfrm>
+              <a:prstGeom prst="rect">
+                <a:avLst/>
+              </a:prstGeom>
+            </p:spPr>
+          </p:pic>
+        </mc:Fallback>
+      </mc:AlternateContent>
+    </p:spTree>
+    <p:extLst>
+      <p:ext uri="{BB962C8B-B14F-4D97-AF65-F5344CB8AC3E}">
+        <p14:creationId xmlns:p14="http://schemas.microsoft.com/office/powerpoint/2010/main" val="1100940905"/>
+      </p:ext>
+    </p:extLst>
   </p:cSld>
   <p:clrMapOvr>
     <a:masterClrMapping/>
@@ -1737,14 +3464,14 @@
           <a:bodyPr wrap="none" rtlCol="0" anchor="t"/>
           <a:lstStyle/>
           <a:p>
-            <a:pPr indent="0" marL="0">
+            <a:pPr marL="0" indent="0">
               <a:lnSpc>
                 <a:spcPts val="5686"/>
               </a:lnSpc>
               <a:buNone/>
             </a:pPr>
             <a:r>
-              <a:rPr lang="en-US" sz="4374" b="1" spc="-131" kern="0" dirty="0">
+              <a:rPr lang="en-US" sz="4374" b="1" kern="0" spc="-131" dirty="0">
                 <a:solidFill>
                   <a:srgbClr val="FFFFFF"/>
                 </a:solidFill>
@@ -1779,14 +3506,14 @@
           <a:bodyPr wrap="none" rtlCol="0" anchor="t"/>
           <a:lstStyle/>
           <a:p>
-            <a:pPr indent="0" marL="0">
+            <a:pPr marL="0" indent="0">
               <a:lnSpc>
                 <a:spcPts val="3149"/>
               </a:lnSpc>
               <a:buNone/>
             </a:pPr>
             <a:r>
-              <a:rPr lang="en-US" sz="1750" spc="-35" kern="0" dirty="0">
+              <a:rPr lang="en-US" sz="1750" kern="0" spc="-35" dirty="0">
                 <a:solidFill>
                   <a:srgbClr val="E5E0DF"/>
                 </a:solidFill>
@@ -1848,14 +3575,14 @@
           <a:bodyPr wrap="square" rtlCol="0" anchor="t"/>
           <a:lstStyle/>
           <a:p>
-            <a:pPr indent="0" marL="0">
+            <a:pPr marL="0" indent="0">
               <a:lnSpc>
                 <a:spcPts val="2843"/>
               </a:lnSpc>
               <a:buNone/>
             </a:pPr>
             <a:r>
-              <a:rPr lang="en-US" sz="2187" b="1" spc="-66" kern="0" dirty="0">
+              <a:rPr lang="en-US" sz="2187" b="1" kern="0" spc="-66" dirty="0">
                 <a:solidFill>
                   <a:srgbClr val="E5E0DF"/>
                 </a:solidFill>
@@ -1890,14 +3617,14 @@
           <a:bodyPr wrap="square" rtlCol="0" anchor="t"/>
           <a:lstStyle/>
           <a:p>
-            <a:pPr indent="0" marL="0">
+            <a:pPr marL="0" indent="0">
               <a:lnSpc>
                 <a:spcPts val="3149"/>
               </a:lnSpc>
               <a:buNone/>
             </a:pPr>
             <a:r>
-              <a:rPr lang="en-US" sz="1750" spc="-35" kern="0" dirty="0">
+              <a:rPr lang="en-US" sz="1750" kern="0" spc="-35" dirty="0">
                 <a:solidFill>
                   <a:srgbClr val="E5E0DF"/>
                 </a:solidFill>
@@ -1959,14 +3686,14 @@
           <a:bodyPr wrap="none" rtlCol="0" anchor="t"/>
           <a:lstStyle/>
           <a:p>
-            <a:pPr indent="0" marL="0">
+            <a:pPr marL="0" indent="0">
               <a:lnSpc>
                 <a:spcPts val="2843"/>
               </a:lnSpc>
               <a:buNone/>
             </a:pPr>
             <a:r>
-              <a:rPr lang="en-US" sz="2187" b="1" spc="-66" kern="0" dirty="0">
+              <a:rPr lang="en-US" sz="2187" b="1" kern="0" spc="-66" dirty="0">
                 <a:solidFill>
                   <a:srgbClr val="E5E0DF"/>
                 </a:solidFill>
@@ -2001,14 +3728,14 @@
           <a:bodyPr wrap="square" rtlCol="0" anchor="t"/>
           <a:lstStyle/>
           <a:p>
-            <a:pPr indent="0" marL="0">
+            <a:pPr marL="0" indent="0">
               <a:lnSpc>
                 <a:spcPts val="3149"/>
               </a:lnSpc>
               <a:buNone/>
             </a:pPr>
             <a:r>
-              <a:rPr lang="en-US" sz="1750" spc="-35" kern="0" dirty="0">
+              <a:rPr lang="en-US" sz="1750" kern="0" spc="-35" dirty="0">
                 <a:solidFill>
                   <a:srgbClr val="E5E0DF"/>
                 </a:solidFill>
@@ -2070,14 +3797,14 @@
           <a:bodyPr wrap="square" rtlCol="0" anchor="t"/>
           <a:lstStyle/>
           <a:p>
-            <a:pPr indent="0" marL="0">
+            <a:pPr marL="0" indent="0">
               <a:lnSpc>
                 <a:spcPts val="2843"/>
               </a:lnSpc>
               <a:buNone/>
             </a:pPr>
             <a:r>
-              <a:rPr lang="en-US" sz="2187" b="1" spc="-66" kern="0" dirty="0">
+              <a:rPr lang="en-US" sz="2187" b="1" kern="0" spc="-66" dirty="0">
                 <a:solidFill>
                   <a:srgbClr val="E5E0DF"/>
                 </a:solidFill>
@@ -2112,14 +3839,14 @@
           <a:bodyPr wrap="square" rtlCol="0" anchor="t"/>
           <a:lstStyle/>
           <a:p>
-            <a:pPr indent="0" marL="0">
+            <a:pPr marL="0" indent="0">
               <a:lnSpc>
                 <a:spcPts val="3149"/>
               </a:lnSpc>
               <a:buNone/>
             </a:pPr>
             <a:r>
-              <a:rPr lang="en-US" sz="1750" spc="-35" kern="0" dirty="0">
+              <a:rPr lang="en-US" sz="1750" kern="0" spc="-35" dirty="0">
                 <a:solidFill>
                   <a:srgbClr val="E5E0DF"/>
                 </a:solidFill>
@@ -2224,14 +3951,14 @@
           <a:bodyPr wrap="square" rtlCol="0" anchor="t"/>
           <a:lstStyle/>
           <a:p>
-            <a:pPr indent="0" marL="0">
+            <a:pPr marL="0" indent="0">
               <a:lnSpc>
                 <a:spcPts val="5686"/>
               </a:lnSpc>
               <a:buNone/>
             </a:pPr>
             <a:r>
-              <a:rPr lang="en-US" sz="4374" b="1" spc="-131" kern="0" dirty="0">
+              <a:rPr lang="en-US" sz="4374" b="1" kern="0" spc="-131" dirty="0">
                 <a:solidFill>
                   <a:srgbClr val="FFFFFF"/>
                 </a:solidFill>
@@ -2266,14 +3993,14 @@
           <a:bodyPr wrap="square" rtlCol="0" anchor="t"/>
           <a:lstStyle/>
           <a:p>
-            <a:pPr indent="0" marL="0">
+            <a:pPr marL="0" indent="0">
               <a:lnSpc>
                 <a:spcPts val="3149"/>
               </a:lnSpc>
               <a:buNone/>
             </a:pPr>
             <a:r>
-              <a:rPr lang="en-US" sz="1750" spc="-35" kern="0" dirty="0">
+              <a:rPr lang="en-US" sz="1750" kern="0" spc="-35" dirty="0">
                 <a:solidFill>
                   <a:srgbClr val="E5E0DF"/>
                 </a:solidFill>
@@ -2308,14 +4035,14 @@
           <a:bodyPr wrap="none" rtlCol="0" anchor="t"/>
           <a:lstStyle/>
           <a:p>
-            <a:pPr indent="0" marL="0">
+            <a:pPr marL="0" indent="0">
               <a:lnSpc>
                 <a:spcPts val="3412"/>
               </a:lnSpc>
               <a:buNone/>
             </a:pPr>
             <a:r>
-              <a:rPr lang="en-US" sz="2624" b="1" spc="-79" kern="0" dirty="0">
+              <a:rPr lang="en-US" sz="2624" b="1" kern="0" spc="-79" dirty="0">
                 <a:solidFill>
                   <a:srgbClr val="FFFFFF"/>
                 </a:solidFill>
@@ -2350,14 +4077,14 @@
           <a:bodyPr wrap="square" rtlCol="0" anchor="t"/>
           <a:lstStyle/>
           <a:p>
-            <a:pPr indent="0" marL="0">
+            <a:pPr marL="0" indent="0">
               <a:lnSpc>
                 <a:spcPts val="3149"/>
               </a:lnSpc>
               <a:buNone/>
             </a:pPr>
             <a:r>
-              <a:rPr lang="en-US" sz="1750" spc="-35" kern="0" dirty="0">
+              <a:rPr lang="en-US" sz="1750" kern="0" spc="-35" dirty="0">
                 <a:solidFill>
                   <a:srgbClr val="E5E0DF"/>
                 </a:solidFill>
@@ -2392,14 +4119,14 @@
           <a:bodyPr wrap="none" rtlCol="0" anchor="t"/>
           <a:lstStyle/>
           <a:p>
-            <a:pPr indent="0" marL="0">
+            <a:pPr marL="0" indent="0">
               <a:lnSpc>
                 <a:spcPts val="3412"/>
               </a:lnSpc>
               <a:buNone/>
             </a:pPr>
             <a:r>
-              <a:rPr lang="en-US" sz="2624" b="1" spc="-79" kern="0" dirty="0">
+              <a:rPr lang="en-US" sz="2624" b="1" kern="0" spc="-79" dirty="0">
                 <a:solidFill>
                   <a:srgbClr val="FFFFFF"/>
                 </a:solidFill>
@@ -2434,14 +4161,14 @@
           <a:bodyPr wrap="square" rtlCol="0" anchor="t"/>
           <a:lstStyle/>
           <a:p>
-            <a:pPr indent="0" marL="0">
+            <a:pPr marL="0" indent="0">
               <a:lnSpc>
                 <a:spcPts val="3149"/>
               </a:lnSpc>
               <a:buNone/>
             </a:pPr>
             <a:r>
-              <a:rPr lang="en-US" sz="1750" spc="-35" kern="0" dirty="0">
+              <a:rPr lang="en-US" sz="1750" kern="0" spc="-35" dirty="0">
                 <a:solidFill>
                   <a:srgbClr val="E5E0DF"/>
                 </a:solidFill>
@@ -2476,14 +4203,14 @@
           <a:bodyPr wrap="none" rtlCol="0" anchor="t"/>
           <a:lstStyle/>
           <a:p>
-            <a:pPr indent="0" marL="0">
+            <a:pPr marL="0" indent="0">
               <a:lnSpc>
                 <a:spcPts val="3412"/>
               </a:lnSpc>
               <a:buNone/>
             </a:pPr>
             <a:r>
-              <a:rPr lang="en-US" sz="2624" b="1" spc="-79" kern="0" dirty="0">
+              <a:rPr lang="en-US" sz="2624" b="1" kern="0" spc="-79" dirty="0">
                 <a:solidFill>
                   <a:srgbClr val="FFFFFF"/>
                 </a:solidFill>
@@ -2518,14 +4245,14 @@
           <a:bodyPr wrap="square" rtlCol="0" anchor="t"/>
           <a:lstStyle/>
           <a:p>
-            <a:pPr indent="0" marL="0">
+            <a:pPr marL="0" indent="0">
               <a:lnSpc>
                 <a:spcPts val="3149"/>
               </a:lnSpc>
               <a:buNone/>
             </a:pPr>
             <a:r>
-              <a:rPr lang="en-US" sz="1750" spc="-35" kern="0" dirty="0">
+              <a:rPr lang="en-US" sz="1750" kern="0" spc="-35" dirty="0">
                 <a:solidFill>
                   <a:srgbClr val="E5E0DF"/>
                 </a:solidFill>
@@ -2630,14 +4357,14 @@
           <a:bodyPr wrap="none" rtlCol="0" anchor="t"/>
           <a:lstStyle/>
           <a:p>
-            <a:pPr indent="0" marL="0">
+            <a:pPr marL="0" indent="0">
               <a:lnSpc>
                 <a:spcPts val="5686"/>
               </a:lnSpc>
               <a:buNone/>
             </a:pPr>
             <a:r>
-              <a:rPr lang="en-US" sz="4374" b="1" spc="-131" kern="0" dirty="0">
+              <a:rPr lang="en-US" sz="4374" b="1" kern="0" spc="-131" dirty="0">
                 <a:solidFill>
                   <a:srgbClr val="FFFFFF"/>
                 </a:solidFill>
@@ -2672,14 +4399,14 @@
           <a:bodyPr wrap="none" rtlCol="0" anchor="t"/>
           <a:lstStyle/>
           <a:p>
-            <a:pPr indent="0" marL="0">
+            <a:pPr marL="0" indent="0">
               <a:lnSpc>
                 <a:spcPts val="3149"/>
               </a:lnSpc>
               <a:buNone/>
             </a:pPr>
             <a:r>
-              <a:rPr lang="en-US" sz="1750" spc="-35" kern="0" dirty="0">
+              <a:rPr lang="en-US" sz="1750" kern="0" spc="-35" dirty="0">
                 <a:solidFill>
                   <a:srgbClr val="E5E0DF"/>
                 </a:solidFill>
@@ -2781,14 +4508,14 @@
           <a:bodyPr wrap="none" rtlCol="0" anchor="t"/>
           <a:lstStyle/>
           <a:p>
-            <a:pPr algn="ctr" indent="0" marL="0">
+            <a:pPr marL="0" indent="0" algn="ctr">
               <a:lnSpc>
                 <a:spcPts val="3412"/>
               </a:lnSpc>
               <a:buNone/>
             </a:pPr>
             <a:r>
-              <a:rPr lang="en-US" sz="2624" b="1" spc="-79" kern="0" dirty="0">
+              <a:rPr lang="en-US" sz="2624" b="1" kern="0" spc="-79" dirty="0">
                 <a:solidFill>
                   <a:srgbClr val="E5E0DF"/>
                 </a:solidFill>
@@ -2823,14 +4550,14 @@
           <a:bodyPr wrap="none" rtlCol="0" anchor="t"/>
           <a:lstStyle/>
           <a:p>
-            <a:pPr algn="ctr" indent="0" marL="0">
+            <a:pPr marL="0" indent="0" algn="ctr">
               <a:lnSpc>
                 <a:spcPts val="2843"/>
               </a:lnSpc>
               <a:buNone/>
             </a:pPr>
             <a:r>
-              <a:rPr lang="en-US" sz="2187" b="1" spc="-66" kern="0" dirty="0">
+              <a:rPr lang="en-US" sz="2187" b="1" kern="0" spc="-66" dirty="0">
                 <a:solidFill>
                   <a:srgbClr val="E5E0DF"/>
                 </a:solidFill>
@@ -2865,14 +4592,14 @@
           <a:bodyPr wrap="none" rtlCol="0" anchor="t"/>
           <a:lstStyle/>
           <a:p>
-            <a:pPr algn="ctr" indent="0" marL="0">
+            <a:pPr marL="0" indent="0" algn="ctr">
               <a:lnSpc>
                 <a:spcPts val="3149"/>
               </a:lnSpc>
               <a:buNone/>
             </a:pPr>
             <a:r>
-              <a:rPr lang="en-US" sz="1750" spc="-35" kern="0" dirty="0">
+              <a:rPr lang="en-US" sz="1750" kern="0" spc="-35" dirty="0">
                 <a:solidFill>
                   <a:srgbClr val="E5E0DF"/>
                 </a:solidFill>
@@ -2954,14 +4681,14 @@
           <a:bodyPr wrap="none" rtlCol="0" anchor="t"/>
           <a:lstStyle/>
           <a:p>
-            <a:pPr algn="ctr" indent="0" marL="0">
+            <a:pPr marL="0" indent="0" algn="ctr">
               <a:lnSpc>
                 <a:spcPts val="3412"/>
               </a:lnSpc>
               <a:buNone/>
             </a:pPr>
             <a:r>
-              <a:rPr lang="en-US" sz="2624" b="1" spc="-79" kern="0" dirty="0">
+              <a:rPr lang="en-US" sz="2624" b="1" kern="0" spc="-79" dirty="0">
                 <a:solidFill>
                   <a:srgbClr val="E5E0DF"/>
                 </a:solidFill>
@@ -2996,14 +4723,14 @@
           <a:bodyPr wrap="none" rtlCol="0" anchor="t"/>
           <a:lstStyle/>
           <a:p>
-            <a:pPr algn="ctr" indent="0" marL="0">
+            <a:pPr marL="0" indent="0" algn="ctr">
               <a:lnSpc>
                 <a:spcPts val="2843"/>
               </a:lnSpc>
               <a:buNone/>
             </a:pPr>
             <a:r>
-              <a:rPr lang="en-US" sz="2187" b="1" spc="-66" kern="0" dirty="0">
+              <a:rPr lang="en-US" sz="2187" b="1" kern="0" spc="-66" dirty="0">
                 <a:solidFill>
                   <a:srgbClr val="E5E0DF"/>
                 </a:solidFill>
@@ -3038,14 +4765,14 @@
           <a:bodyPr wrap="none" rtlCol="0" anchor="t"/>
           <a:lstStyle/>
           <a:p>
-            <a:pPr algn="ctr" indent="0" marL="0">
+            <a:pPr marL="0" indent="0" algn="ctr">
               <a:lnSpc>
                 <a:spcPts val="3149"/>
               </a:lnSpc>
               <a:buNone/>
             </a:pPr>
             <a:r>
-              <a:rPr lang="en-US" sz="1750" spc="-35" kern="0" dirty="0">
+              <a:rPr lang="en-US" sz="1750" kern="0" spc="-35" dirty="0">
                 <a:solidFill>
                   <a:srgbClr val="E5E0DF"/>
                 </a:solidFill>
@@ -3127,14 +4854,14 @@
           <a:bodyPr wrap="none" rtlCol="0" anchor="t"/>
           <a:lstStyle/>
           <a:p>
-            <a:pPr algn="ctr" indent="0" marL="0">
+            <a:pPr marL="0" indent="0" algn="ctr">
               <a:lnSpc>
                 <a:spcPts val="3412"/>
               </a:lnSpc>
               <a:buNone/>
             </a:pPr>
             <a:r>
-              <a:rPr lang="en-US" sz="2624" b="1" spc="-79" kern="0" dirty="0">
+              <a:rPr lang="en-US" sz="2624" b="1" kern="0" spc="-79" dirty="0">
                 <a:solidFill>
                   <a:srgbClr val="E5E0DF"/>
                 </a:solidFill>
@@ -3169,14 +4896,14 @@
           <a:bodyPr wrap="none" rtlCol="0" anchor="t"/>
           <a:lstStyle/>
           <a:p>
-            <a:pPr algn="ctr" indent="0" marL="0">
+            <a:pPr marL="0" indent="0" algn="ctr">
               <a:lnSpc>
                 <a:spcPts val="2843"/>
               </a:lnSpc>
               <a:buNone/>
             </a:pPr>
             <a:r>
-              <a:rPr lang="en-US" sz="2187" b="1" spc="-66" kern="0" dirty="0">
+              <a:rPr lang="en-US" sz="2187" b="1" kern="0" spc="-66" dirty="0">
                 <a:solidFill>
                   <a:srgbClr val="E5E0DF"/>
                 </a:solidFill>
@@ -3211,14 +4938,14 @@
           <a:bodyPr wrap="none" rtlCol="0" anchor="t"/>
           <a:lstStyle/>
           <a:p>
-            <a:pPr algn="ctr" indent="0" marL="0">
+            <a:pPr marL="0" indent="0" algn="ctr">
               <a:lnSpc>
                 <a:spcPts val="3149"/>
               </a:lnSpc>
               <a:buNone/>
             </a:pPr>
             <a:r>
-              <a:rPr lang="en-US" sz="1750" spc="-35" kern="0" dirty="0">
+              <a:rPr lang="en-US" sz="1750" kern="0" spc="-35" dirty="0">
                 <a:solidFill>
                   <a:srgbClr val="E5E0DF"/>
                 </a:solidFill>
@@ -3323,14 +5050,14 @@
           <a:bodyPr wrap="square" rtlCol="0" anchor="t"/>
           <a:lstStyle/>
           <a:p>
-            <a:pPr indent="0" marL="0">
+            <a:pPr marL="0" indent="0">
               <a:lnSpc>
                 <a:spcPts val="5013"/>
               </a:lnSpc>
               <a:buNone/>
             </a:pPr>
             <a:r>
-              <a:rPr lang="en-US" sz="3856" b="1" spc="-116" kern="0" dirty="0">
+              <a:rPr lang="en-US" sz="3856" b="1" kern="0" spc="-116" dirty="0">
                 <a:solidFill>
                   <a:srgbClr val="FFFFFF"/>
                 </a:solidFill>
@@ -3365,14 +5092,14 @@
           <a:bodyPr wrap="none" rtlCol="0" anchor="t"/>
           <a:lstStyle/>
           <a:p>
-            <a:pPr indent="0" marL="0">
+            <a:pPr marL="0" indent="0">
               <a:lnSpc>
                 <a:spcPts val="2777"/>
               </a:lnSpc>
               <a:buNone/>
             </a:pPr>
             <a:r>
-              <a:rPr lang="en-US" sz="1543" spc="-31" kern="0" dirty="0">
+              <a:rPr lang="en-US" sz="1543" kern="0" spc="-31" dirty="0">
                 <a:solidFill>
                   <a:srgbClr val="E5E0DF"/>
                 </a:solidFill>
@@ -3394,7 +5121,7 @@
         </p:nvSpPr>
         <p:spPr>
           <a:xfrm>
-            <a:off x="6319599" y="3856798"/>
+            <a:off x="6210479" y="3761184"/>
             <a:ext cx="499943" cy="496267"/>
           </a:xfrm>
           <a:prstGeom prst="roundRect">
@@ -3434,14 +5161,14 @@
           <a:bodyPr wrap="none" rtlCol="0" anchor="t"/>
           <a:lstStyle/>
           <a:p>
-            <a:pPr algn="ctr" indent="0" marL="0">
+            <a:pPr marL="0" indent="0" algn="ctr">
               <a:lnSpc>
                 <a:spcPts val="3008"/>
               </a:lnSpc>
               <a:buNone/>
             </a:pPr>
             <a:r>
-              <a:rPr lang="en-US" sz="2314" b="1" spc="-69" kern="0" dirty="0">
+              <a:rPr lang="en-US" sz="2314" b="1" kern="0" spc="-69" dirty="0">
                 <a:solidFill>
                   <a:srgbClr val="E5E0DF"/>
                 </a:solidFill>
@@ -3476,14 +5203,14 @@
           <a:bodyPr wrap="none" rtlCol="0" anchor="t"/>
           <a:lstStyle/>
           <a:p>
-            <a:pPr indent="0" marL="0">
+            <a:pPr marL="0" indent="0">
               <a:lnSpc>
                 <a:spcPts val="2507"/>
               </a:lnSpc>
               <a:buNone/>
             </a:pPr>
             <a:r>
-              <a:rPr lang="en-US" sz="1928" b="1" spc="-58" kern="0" dirty="0">
+              <a:rPr lang="en-US" sz="1928" b="1" kern="0" spc="-58" dirty="0">
                 <a:solidFill>
                   <a:srgbClr val="E5E0DF"/>
                 </a:solidFill>
@@ -3518,14 +5245,14 @@
           <a:bodyPr wrap="square" rtlCol="0" anchor="t"/>
           <a:lstStyle/>
           <a:p>
-            <a:pPr indent="0" marL="0">
+            <a:pPr marL="0" indent="0">
               <a:lnSpc>
                 <a:spcPts val="2777"/>
               </a:lnSpc>
               <a:buNone/>
             </a:pPr>
             <a:r>
-              <a:rPr lang="en-US" sz="1543" spc="-31" kern="0" dirty="0">
+              <a:rPr lang="en-US" sz="1543" kern="0" spc="-31" dirty="0">
                 <a:solidFill>
                   <a:srgbClr val="E5E0DF"/>
                 </a:solidFill>
@@ -3547,7 +5274,7 @@
         </p:nvSpPr>
         <p:spPr>
           <a:xfrm>
-            <a:off x="10169485" y="3856798"/>
+            <a:off x="10126742" y="3768656"/>
             <a:ext cx="499943" cy="496267"/>
           </a:xfrm>
           <a:prstGeom prst="roundRect">
@@ -3587,14 +5314,14 @@
           <a:bodyPr wrap="none" rtlCol="0" anchor="t"/>
           <a:lstStyle/>
           <a:p>
-            <a:pPr algn="ctr" indent="0" marL="0">
+            <a:pPr marL="0" indent="0" algn="ctr">
               <a:lnSpc>
                 <a:spcPts val="3008"/>
               </a:lnSpc>
               <a:buNone/>
             </a:pPr>
             <a:r>
-              <a:rPr lang="en-US" sz="2314" b="1" spc="-69" kern="0" dirty="0">
+              <a:rPr lang="en-US" sz="2314" b="1" kern="0" spc="-69" dirty="0">
                 <a:solidFill>
                   <a:srgbClr val="E5E0DF"/>
                 </a:solidFill>
@@ -3629,14 +5356,14 @@
           <a:bodyPr wrap="none" rtlCol="0" anchor="t"/>
           <a:lstStyle/>
           <a:p>
-            <a:pPr indent="0" marL="0">
+            <a:pPr marL="0" indent="0">
               <a:lnSpc>
                 <a:spcPts val="2507"/>
               </a:lnSpc>
               <a:buNone/>
             </a:pPr>
             <a:r>
-              <a:rPr lang="en-US" sz="1928" b="1" spc="-58" kern="0" dirty="0">
+              <a:rPr lang="en-US" sz="1928" b="1" kern="0" spc="-58" dirty="0">
                 <a:solidFill>
                   <a:srgbClr val="E5E0DF"/>
                 </a:solidFill>
@@ -3671,14 +5398,14 @@
           <a:bodyPr wrap="square" rtlCol="0" anchor="t"/>
           <a:lstStyle/>
           <a:p>
-            <a:pPr indent="0" marL="0">
+            <a:pPr marL="0" indent="0">
               <a:lnSpc>
                 <a:spcPts val="2777"/>
               </a:lnSpc>
               <a:buNone/>
             </a:pPr>
             <a:r>
-              <a:rPr lang="en-US" sz="1543" spc="-31" kern="0" dirty="0">
+              <a:rPr lang="en-US" sz="1543" kern="0" spc="-31" dirty="0">
                 <a:solidFill>
                   <a:srgbClr val="E5E0DF"/>
                 </a:solidFill>
@@ -3700,7 +5427,7 @@
         </p:nvSpPr>
         <p:spPr>
           <a:xfrm>
-            <a:off x="6319599" y="7219455"/>
+            <a:off x="6191428" y="6060277"/>
             <a:ext cx="499943" cy="496267"/>
           </a:xfrm>
           <a:prstGeom prst="roundRect">
@@ -3740,14 +5467,14 @@
           <a:bodyPr wrap="none" rtlCol="0" anchor="t"/>
           <a:lstStyle/>
           <a:p>
-            <a:pPr algn="ctr" indent="0" marL="0">
+            <a:pPr marL="0" indent="0" algn="ctr">
               <a:lnSpc>
                 <a:spcPts val="3008"/>
               </a:lnSpc>
               <a:buNone/>
             </a:pPr>
             <a:r>
-              <a:rPr lang="en-US" sz="2314" b="1" spc="-69" kern="0" dirty="0">
+              <a:rPr lang="en-US" sz="2314" b="1" kern="0" spc="-69" dirty="0">
                 <a:solidFill>
                   <a:srgbClr val="E5E0DF"/>
                 </a:solidFill>
@@ -3782,14 +5509,14 @@
           <a:bodyPr wrap="none" rtlCol="0" anchor="t"/>
           <a:lstStyle/>
           <a:p>
-            <a:pPr indent="0" marL="0">
+            <a:pPr marL="0" indent="0">
               <a:lnSpc>
                 <a:spcPts val="2507"/>
               </a:lnSpc>
               <a:buNone/>
             </a:pPr>
             <a:r>
-              <a:rPr lang="en-US" sz="1928" b="1" spc="-58" kern="0" dirty="0">
+              <a:rPr lang="en-US" sz="1928" b="1" kern="0" spc="-58" dirty="0">
                 <a:solidFill>
                   <a:srgbClr val="E5E0DF"/>
                 </a:solidFill>
@@ -3824,14 +5551,14 @@
           <a:bodyPr wrap="square" rtlCol="0" anchor="t"/>
           <a:lstStyle/>
           <a:p>
-            <a:pPr indent="0" marL="0">
+            <a:pPr marL="0" indent="0">
               <a:lnSpc>
                 <a:spcPts val="2777"/>
               </a:lnSpc>
               <a:buNone/>
             </a:pPr>
             <a:r>
-              <a:rPr lang="en-US" sz="1543" spc="-31" kern="0" dirty="0">
+              <a:rPr lang="en-US" sz="1543" kern="0" spc="-31" dirty="0">
                 <a:solidFill>
                   <a:srgbClr val="E5E0DF"/>
                 </a:solidFill>
@@ -3847,14 +5574,14 @@
       </p:sp>
       <p:pic>
         <p:nvPicPr>
-          <p:cNvPr id="18" name="Image 0" descr="preencoded.png">    </p:cNvPr>
+          <p:cNvPr id="18" name="Image 0" descr="preencoded.png"/>
           <p:cNvPicPr>
             <a:picLocks noChangeAspect="1"/>
           </p:cNvPicPr>
           <p:nvPr/>
         </p:nvPicPr>
         <p:blipFill>
-          <a:blip r:embed="rId1"/>
+          <a:blip r:embed="rId3"/>
           <a:stretch>
             <a:fillRect/>
           </a:stretch>
@@ -3922,7 +5649,7 @@
         </p:nvSpPr>
         <p:spPr>
           <a:xfrm>
-            <a:off x="0" y="0"/>
+            <a:off x="0" y="-65498"/>
             <a:ext cx="14630400" cy="8229600"/>
           </a:xfrm>
           <a:prstGeom prst="rect">
@@ -3960,14 +5687,14 @@
           <a:bodyPr wrap="square" rtlCol="0" anchor="t"/>
           <a:lstStyle/>
           <a:p>
-            <a:pPr indent="0" marL="0">
+            <a:pPr marL="0" indent="0">
               <a:lnSpc>
                 <a:spcPts val="5025"/>
               </a:lnSpc>
               <a:buNone/>
             </a:pPr>
             <a:r>
-              <a:rPr lang="en-US" sz="3866" b="1" spc="-116" kern="0" dirty="0">
+              <a:rPr lang="en-US" sz="3866" b="1" kern="0" spc="-116" dirty="0">
                 <a:solidFill>
                   <a:srgbClr val="FFFFFF"/>
                 </a:solidFill>
@@ -4002,14 +5729,14 @@
           <a:bodyPr wrap="none" rtlCol="0" anchor="t"/>
           <a:lstStyle/>
           <a:p>
-            <a:pPr indent="0" marL="0">
+            <a:pPr marL="0" indent="0">
               <a:lnSpc>
                 <a:spcPts val="2783"/>
               </a:lnSpc>
               <a:buNone/>
             </a:pPr>
             <a:r>
-              <a:rPr lang="en-US" sz="1546" spc="-31" kern="0" dirty="0">
+              <a:rPr lang="en-US" sz="1546" kern="0" spc="-31" dirty="0">
                 <a:solidFill>
                   <a:srgbClr val="E5E0DF"/>
                 </a:solidFill>
@@ -4025,223 +5752,7 @@
       </p:sp>
       <p:pic>
         <p:nvPicPr>
-          <p:cNvPr id="6" name="Image 0" descr="preencoded.png">    </p:cNvPr>
-          <p:cNvPicPr>
-            <a:picLocks noChangeAspect="1"/>
-          </p:cNvPicPr>
-          <p:nvPr/>
-        </p:nvPicPr>
-        <p:blipFill>
-          <a:blip r:embed="rId1"/>
-          <a:stretch>
-            <a:fillRect/>
-          </a:stretch>
-        </p:blipFill>
-        <p:spPr>
-          <a:xfrm>
-            <a:off x="1475542" y="2988359"/>
-            <a:ext cx="2888575" cy="2867336"/>
-          </a:xfrm>
-          <a:prstGeom prst="rect">
-            <a:avLst/>
-          </a:prstGeom>
-        </p:spPr>
-      </p:pic>
-      <p:sp>
-        <p:nvSpPr>
-          <p:cNvPr id="7" name="Text 4"/>
-          <p:cNvSpPr/>
-          <p:nvPr/>
-        </p:nvSpPr>
-        <p:spPr>
-          <a:xfrm>
-            <a:off x="1882021" y="5544036"/>
-            <a:ext cx="1963698" cy="316741"/>
-          </a:xfrm>
-          <a:prstGeom prst="rect">
-            <a:avLst/>
-          </a:prstGeom>
-          <a:noFill/>
-          <a:ln/>
-        </p:spPr>
-        <p:txBody>
-          <a:bodyPr wrap="none" rtlCol="0" anchor="t"/>
-          <a:lstStyle/>
-          <a:p>
-            <a:pPr algn="ctr" indent="0" marL="0">
-              <a:lnSpc>
-                <a:spcPts val="2513"/>
-              </a:lnSpc>
-              <a:buNone/>
-            </a:pPr>
-            <a:r>
-              <a:rPr lang="en-US" sz="1933" b="1" spc="-58" kern="0" dirty="0">
-                <a:solidFill>
-                  <a:srgbClr val="FFFFFF"/>
-                </a:solidFill>
-                <a:latin typeface="Inter" pitchFamily="34" charset="0"/>
-                <a:ea typeface="Inter" pitchFamily="34" charset="-122"/>
-                <a:cs typeface="Inter" pitchFamily="34" charset="-120"/>
-              </a:rPr>
-              <a:t>Games</a:t>
-            </a:r>
-            <a:endParaRPr lang="en-US" sz="1933" dirty="0"/>
-          </a:p>
-        </p:txBody>
-      </p:sp>
-      <p:sp>
-        <p:nvSpPr>
-          <p:cNvPr id="8" name="Text 5"/>
-          <p:cNvSpPr/>
-          <p:nvPr/>
-        </p:nvSpPr>
-        <p:spPr>
-          <a:xfrm>
-            <a:off x="736402" y="6055668"/>
-            <a:ext cx="4254937" cy="1403117"/>
-          </a:xfrm>
-          <a:prstGeom prst="rect">
-            <a:avLst/>
-          </a:prstGeom>
-          <a:noFill/>
-          <a:ln/>
-        </p:spPr>
-        <p:txBody>
-          <a:bodyPr wrap="square" rtlCol="0" anchor="t"/>
-          <a:lstStyle/>
-          <a:p>
-            <a:pPr algn="ctr" indent="0" marL="0">
-              <a:lnSpc>
-                <a:spcPts val="2783"/>
-              </a:lnSpc>
-              <a:buNone/>
-            </a:pPr>
-            <a:r>
-              <a:rPr lang="en-US" sz="1546" spc="-31" kern="0" dirty="0">
-                <a:solidFill>
-                  <a:srgbClr val="E5E0DF"/>
-                </a:solidFill>
-                <a:latin typeface="Inter" pitchFamily="34" charset="0"/>
-                <a:ea typeface="Inter" pitchFamily="34" charset="-122"/>
-                <a:cs typeface="Inter" pitchFamily="34" charset="-120"/>
-              </a:rPr>
-              <a:t>Bresenham's algorithm is used extensively in game development, particularly for rendering visual elements like circular bullet trajectories and circular particles.</a:t>
-            </a:r>
-            <a:endParaRPr lang="en-US" sz="1546" dirty="0"/>
-          </a:p>
-        </p:txBody>
-      </p:sp>
-      <p:pic>
-        <p:nvPicPr>
-          <p:cNvPr id="9" name="Image 1" descr="preencoded.png">    </p:cNvPr>
-          <p:cNvPicPr>
-            <a:picLocks noChangeAspect="1"/>
-          </p:cNvPicPr>
-          <p:nvPr/>
-        </p:nvPicPr>
-        <p:blipFill>
-          <a:blip r:embed="rId2"/>
-          <a:stretch>
-            <a:fillRect/>
-          </a:stretch>
-        </p:blipFill>
-        <p:spPr>
-          <a:xfrm>
-            <a:off x="5870972" y="2988359"/>
-            <a:ext cx="2888575" cy="2867336"/>
-          </a:xfrm>
-          <a:prstGeom prst="rect">
-            <a:avLst/>
-          </a:prstGeom>
-        </p:spPr>
-      </p:pic>
-      <p:sp>
-        <p:nvSpPr>
-          <p:cNvPr id="10" name="Text 6"/>
-          <p:cNvSpPr/>
-          <p:nvPr/>
-        </p:nvSpPr>
-        <p:spPr>
-          <a:xfrm>
-            <a:off x="6249948" y="5544036"/>
-            <a:ext cx="2130385" cy="316741"/>
-          </a:xfrm>
-          <a:prstGeom prst="rect">
-            <a:avLst/>
-          </a:prstGeom>
-          <a:noFill/>
-          <a:ln/>
-        </p:spPr>
-        <p:txBody>
-          <a:bodyPr wrap="none" rtlCol="0" anchor="t"/>
-          <a:lstStyle/>
-          <a:p>
-            <a:pPr algn="ctr" indent="0" marL="0">
-              <a:lnSpc>
-                <a:spcPts val="2513"/>
-              </a:lnSpc>
-              <a:buNone/>
-            </a:pPr>
-            <a:r>
-              <a:rPr lang="en-US" sz="1933" b="1" spc="-58" kern="0" dirty="0">
-                <a:solidFill>
-                  <a:srgbClr val="FFFFFF"/>
-                </a:solidFill>
-                <a:latin typeface="Inter" pitchFamily="34" charset="0"/>
-                <a:ea typeface="Inter" pitchFamily="34" charset="-122"/>
-                <a:cs typeface="Inter" pitchFamily="34" charset="-120"/>
-              </a:rPr>
-              <a:t>Charts and Graphs</a:t>
-            </a:r>
-            <a:endParaRPr lang="en-US" sz="1933" dirty="0"/>
-          </a:p>
-        </p:txBody>
-      </p:sp>
-      <p:sp>
-        <p:nvSpPr>
-          <p:cNvPr id="11" name="Text 7"/>
-          <p:cNvSpPr/>
-          <p:nvPr/>
-        </p:nvSpPr>
-        <p:spPr>
-          <a:xfrm>
-            <a:off x="5187672" y="6055668"/>
-            <a:ext cx="4254937" cy="701558"/>
-          </a:xfrm>
-          <a:prstGeom prst="rect">
-            <a:avLst/>
-          </a:prstGeom>
-          <a:noFill/>
-          <a:ln/>
-        </p:spPr>
-        <p:txBody>
-          <a:bodyPr wrap="square" rtlCol="0" anchor="t"/>
-          <a:lstStyle/>
-          <a:p>
-            <a:pPr algn="ctr" indent="0" marL="0">
-              <a:lnSpc>
-                <a:spcPts val="2783"/>
-              </a:lnSpc>
-              <a:buNone/>
-            </a:pPr>
-            <a:r>
-              <a:rPr lang="en-US" sz="1546" spc="-31" kern="0" dirty="0">
-                <a:solidFill>
-                  <a:srgbClr val="E5E0DF"/>
-                </a:solidFill>
-                <a:latin typeface="Inter" pitchFamily="34" charset="0"/>
-                <a:ea typeface="Inter" pitchFamily="34" charset="-122"/>
-                <a:cs typeface="Inter" pitchFamily="34" charset="-120"/>
-              </a:rPr>
-              <a:t>Bresenham's algorithm can create fan-shaped wedges used in pie charts and graphs.</a:t>
-            </a:r>
-            <a:endParaRPr lang="en-US" sz="1546" dirty="0"/>
-          </a:p>
-        </p:txBody>
-      </p:sp>
-      <p:pic>
-        <p:nvPicPr>
-          <p:cNvPr id="12" name="Image 2" descr="preencoded.png">    </p:cNvPr>
+          <p:cNvPr id="6" name="Image 0" descr="preencoded.png"/>
           <p:cNvPicPr>
             <a:picLocks noChangeAspect="1"/>
           </p:cNvPicPr>
@@ -4255,7 +5766,7 @@
         </p:blipFill>
         <p:spPr>
           <a:xfrm>
-            <a:off x="10266402" y="2988359"/>
+            <a:off x="1475542" y="2988359"/>
             <a:ext cx="2888575" cy="2867336"/>
           </a:xfrm>
           <a:prstGeom prst="rect">
@@ -4265,14 +5776,14 @@
       </p:pic>
       <p:sp>
         <p:nvSpPr>
-          <p:cNvPr id="13" name="Text 8"/>
+          <p:cNvPr id="7" name="Text 4"/>
           <p:cNvSpPr/>
           <p:nvPr/>
         </p:nvSpPr>
         <p:spPr>
           <a:xfrm>
-            <a:off x="10758488" y="5544036"/>
-            <a:ext cx="2015847" cy="316741"/>
+            <a:off x="1827029" y="6033565"/>
+            <a:ext cx="1963698" cy="316741"/>
           </a:xfrm>
           <a:prstGeom prst="rect">
             <a:avLst/>
@@ -4284,14 +5795,14 @@
           <a:bodyPr wrap="none" rtlCol="0" anchor="t"/>
           <a:lstStyle/>
           <a:p>
-            <a:pPr algn="ctr" indent="0" marL="0">
+            <a:pPr marL="0" indent="0" algn="ctr">
               <a:lnSpc>
                 <a:spcPts val="2513"/>
               </a:lnSpc>
               <a:buNone/>
             </a:pPr>
             <a:r>
-              <a:rPr lang="en-US" sz="1933" b="1" spc="-58" kern="0" dirty="0">
+              <a:rPr lang="en-US" sz="1933" b="1" kern="0" spc="-58" dirty="0">
                 <a:solidFill>
                   <a:srgbClr val="FFFFFF"/>
                 </a:solidFill>
@@ -4299,7 +5810,7 @@
                 <a:ea typeface="Inter" pitchFamily="34" charset="-122"/>
                 <a:cs typeface="Inter" pitchFamily="34" charset="-120"/>
               </a:rPr>
-              <a:t>Machine Learning</a:t>
+              <a:t>Games</a:t>
             </a:r>
             <a:endParaRPr lang="en-US" sz="1933" dirty="0"/>
           </a:p>
@@ -4307,14 +5818,14 @@
       </p:sp>
       <p:sp>
         <p:nvSpPr>
-          <p:cNvPr id="14" name="Text 9"/>
+          <p:cNvPr id="8" name="Text 5"/>
           <p:cNvSpPr/>
           <p:nvPr/>
         </p:nvSpPr>
         <p:spPr>
           <a:xfrm>
-            <a:off x="9638943" y="6055668"/>
-            <a:ext cx="4254937" cy="1052337"/>
+            <a:off x="792360" y="6406447"/>
+            <a:ext cx="4254937" cy="1403117"/>
           </a:xfrm>
           <a:prstGeom prst="rect">
             <a:avLst/>
@@ -4326,14 +5837,14 @@
           <a:bodyPr wrap="square" rtlCol="0" anchor="t"/>
           <a:lstStyle/>
           <a:p>
-            <a:pPr algn="ctr" indent="0" marL="0">
+            <a:pPr marL="0" indent="0" algn="ctr">
               <a:lnSpc>
                 <a:spcPts val="2783"/>
               </a:lnSpc>
               <a:buNone/>
             </a:pPr>
             <a:r>
-              <a:rPr lang="en-US" sz="1546" spc="-31" kern="0" dirty="0">
+              <a:rPr lang="en-US" sz="1546" kern="0" spc="-31" dirty="0">
                 <a:solidFill>
                   <a:srgbClr val="E5E0DF"/>
                 </a:solidFill>
@@ -4341,12 +5852,234 @@
                 <a:ea typeface="Inter" pitchFamily="34" charset="-122"/>
                 <a:cs typeface="Inter" pitchFamily="34" charset="-120"/>
               </a:rPr>
+              <a:t>Bresenham's algorithm is used extensively in game development, particularly for rendering visual elements like circular bullet trajectories and circular particles.</a:t>
+            </a:r>
+            <a:endParaRPr lang="en-US" sz="1546" dirty="0"/>
+          </a:p>
+        </p:txBody>
+      </p:sp>
+      <p:sp>
+        <p:nvSpPr>
+          <p:cNvPr id="10" name="Text 6"/>
+          <p:cNvSpPr/>
+          <p:nvPr/>
+        </p:nvSpPr>
+        <p:spPr>
+          <a:xfrm>
+            <a:off x="6249947" y="6223847"/>
+            <a:ext cx="2130385" cy="316741"/>
+          </a:xfrm>
+          <a:prstGeom prst="rect">
+            <a:avLst/>
+          </a:prstGeom>
+          <a:noFill/>
+          <a:ln/>
+        </p:spPr>
+        <p:txBody>
+          <a:bodyPr wrap="none" rtlCol="0" anchor="t"/>
+          <a:lstStyle/>
+          <a:p>
+            <a:pPr marL="0" indent="0" algn="ctr">
+              <a:lnSpc>
+                <a:spcPts val="2513"/>
+              </a:lnSpc>
+              <a:buNone/>
+            </a:pPr>
+            <a:r>
+              <a:rPr lang="en-US" sz="1933" b="1" kern="0" spc="-58" dirty="0">
+                <a:solidFill>
+                  <a:srgbClr val="FFFFFF"/>
+                </a:solidFill>
+                <a:latin typeface="Inter" pitchFamily="34" charset="0"/>
+                <a:ea typeface="Inter" pitchFamily="34" charset="-122"/>
+                <a:cs typeface="Inter" pitchFamily="34" charset="-120"/>
+              </a:rPr>
+              <a:t>Charts and Graphs</a:t>
+            </a:r>
+            <a:endParaRPr lang="en-US" sz="1933" dirty="0"/>
+          </a:p>
+        </p:txBody>
+      </p:sp>
+      <p:sp>
+        <p:nvSpPr>
+          <p:cNvPr id="11" name="Text 7"/>
+          <p:cNvSpPr/>
+          <p:nvPr/>
+        </p:nvSpPr>
+        <p:spPr>
+          <a:xfrm>
+            <a:off x="5187672" y="6659071"/>
+            <a:ext cx="4254937" cy="701558"/>
+          </a:xfrm>
+          <a:prstGeom prst="rect">
+            <a:avLst/>
+          </a:prstGeom>
+          <a:noFill/>
+          <a:ln/>
+        </p:spPr>
+        <p:txBody>
+          <a:bodyPr wrap="square" rtlCol="0" anchor="t"/>
+          <a:lstStyle/>
+          <a:p>
+            <a:pPr marL="0" indent="0" algn="ctr">
+              <a:lnSpc>
+                <a:spcPts val="2783"/>
+              </a:lnSpc>
+              <a:buNone/>
+            </a:pPr>
+            <a:r>
+              <a:rPr lang="en-US" sz="1546" kern="0" spc="-31" dirty="0">
+                <a:solidFill>
+                  <a:srgbClr val="E5E0DF"/>
+                </a:solidFill>
+                <a:latin typeface="Inter" pitchFamily="34" charset="0"/>
+                <a:ea typeface="Inter" pitchFamily="34" charset="-122"/>
+                <a:cs typeface="Inter" pitchFamily="34" charset="-120"/>
+              </a:rPr>
+              <a:t>Bresenham's algorithm can create fan-shaped wedges used in pie charts and graphs.</a:t>
+            </a:r>
+            <a:endParaRPr lang="en-US" sz="1546" dirty="0"/>
+          </a:p>
+        </p:txBody>
+      </p:sp>
+      <p:pic>
+        <p:nvPicPr>
+          <p:cNvPr id="12" name="Image 2" descr="preencoded.png"/>
+          <p:cNvPicPr>
+            <a:picLocks noChangeAspect="1"/>
+          </p:cNvPicPr>
+          <p:nvPr/>
+        </p:nvPicPr>
+        <p:blipFill>
+          <a:blip r:embed="rId4"/>
+          <a:stretch>
+            <a:fillRect/>
+          </a:stretch>
+        </p:blipFill>
+        <p:spPr>
+          <a:xfrm>
+            <a:off x="10266402" y="2988359"/>
+            <a:ext cx="2888575" cy="2867336"/>
+          </a:xfrm>
+          <a:prstGeom prst="rect">
+            <a:avLst/>
+          </a:prstGeom>
+        </p:spPr>
+      </p:pic>
+      <p:sp>
+        <p:nvSpPr>
+          <p:cNvPr id="13" name="Text 8"/>
+          <p:cNvSpPr/>
+          <p:nvPr/>
+        </p:nvSpPr>
+        <p:spPr>
+          <a:xfrm>
+            <a:off x="10758487" y="6191935"/>
+            <a:ext cx="2015847" cy="316741"/>
+          </a:xfrm>
+          <a:prstGeom prst="rect">
+            <a:avLst/>
+          </a:prstGeom>
+          <a:noFill/>
+          <a:ln/>
+        </p:spPr>
+        <p:txBody>
+          <a:bodyPr wrap="none" rtlCol="0" anchor="t"/>
+          <a:lstStyle/>
+          <a:p>
+            <a:pPr marL="0" indent="0" algn="ctr">
+              <a:lnSpc>
+                <a:spcPts val="2513"/>
+              </a:lnSpc>
+              <a:buNone/>
+            </a:pPr>
+            <a:r>
+              <a:rPr lang="en-US" sz="1933" b="1" kern="0" spc="-58" dirty="0">
+                <a:solidFill>
+                  <a:srgbClr val="FFFFFF"/>
+                </a:solidFill>
+                <a:latin typeface="Inter" pitchFamily="34" charset="0"/>
+                <a:ea typeface="Inter" pitchFamily="34" charset="-122"/>
+                <a:cs typeface="Inter" pitchFamily="34" charset="-120"/>
+              </a:rPr>
+              <a:t>Machine Learning</a:t>
+            </a:r>
+            <a:endParaRPr lang="en-US" sz="1933" dirty="0"/>
+          </a:p>
+        </p:txBody>
+      </p:sp>
+      <p:sp>
+        <p:nvSpPr>
+          <p:cNvPr id="14" name="Text 9"/>
+          <p:cNvSpPr/>
+          <p:nvPr/>
+        </p:nvSpPr>
+        <p:spPr>
+          <a:xfrm>
+            <a:off x="9638943" y="6581836"/>
+            <a:ext cx="4254937" cy="1052337"/>
+          </a:xfrm>
+          <a:prstGeom prst="rect">
+            <a:avLst/>
+          </a:prstGeom>
+          <a:noFill/>
+          <a:ln/>
+        </p:spPr>
+        <p:txBody>
+          <a:bodyPr wrap="square" rtlCol="0" anchor="t"/>
+          <a:lstStyle/>
+          <a:p>
+            <a:pPr marL="0" indent="0" algn="ctr">
+              <a:lnSpc>
+                <a:spcPts val="2783"/>
+              </a:lnSpc>
+              <a:buNone/>
+            </a:pPr>
+            <a:r>
+              <a:rPr lang="en-US" sz="1546" kern="0" spc="-31" dirty="0">
+                <a:solidFill>
+                  <a:srgbClr val="E5E0DF"/>
+                </a:solidFill>
+                <a:latin typeface="Inter" pitchFamily="34" charset="0"/>
+                <a:ea typeface="Inter" pitchFamily="34" charset="-122"/>
+                <a:cs typeface="Inter" pitchFamily="34" charset="-120"/>
+              </a:rPr>
               <a:t>Bresenham's algorithm is used in image recognition and processing, and 3D graphics modeling.</a:t>
             </a:r>
             <a:endParaRPr lang="en-US" sz="1546" dirty="0"/>
           </a:p>
         </p:txBody>
       </p:sp>
+      <p:pic>
+        <p:nvPicPr>
+          <p:cNvPr id="20" name="Picture 19">
+            <a:extLst>
+              <a:ext uri="{FF2B5EF4-FFF2-40B4-BE49-F238E27FC236}">
+                <a16:creationId xmlns:a16="http://schemas.microsoft.com/office/drawing/2014/main" id="{B926B40F-4FEB-5123-0615-0FFC24204336}"/>
+              </a:ext>
+            </a:extLst>
+          </p:cNvPr>
+          <p:cNvPicPr>
+            <a:picLocks noChangeAspect="1"/>
+          </p:cNvPicPr>
+          <p:nvPr/>
+        </p:nvPicPr>
+        <p:blipFill>
+          <a:blip r:embed="rId5"/>
+          <a:stretch>
+            <a:fillRect/>
+          </a:stretch>
+        </p:blipFill>
+        <p:spPr>
+          <a:xfrm>
+            <a:off x="5418057" y="3036484"/>
+            <a:ext cx="3643389" cy="2645959"/>
+          </a:xfrm>
+          <a:prstGeom prst="rect">
+            <a:avLst/>
+          </a:prstGeom>
+        </p:spPr>
+      </p:pic>
     </p:spTree>
   </p:cSld>
   <p:clrMapOvr>
@@ -4356,6 +6089,3381 @@
 </file>
 
 <file path=ppt/slides/slide7.xml><?xml version="1.0" encoding="utf-8"?>
+<p:sld xmlns:a="http://schemas.openxmlformats.org/drawingml/2006/main" xmlns:r="http://schemas.openxmlformats.org/officeDocument/2006/relationships" xmlns:p="http://schemas.openxmlformats.org/presentationml/2006/main">
+  <p:cSld>
+    <p:spTree>
+      <p:nvGrpSpPr>
+        <p:cNvPr id="1" name=""/>
+        <p:cNvGrpSpPr/>
+        <p:nvPr/>
+      </p:nvGrpSpPr>
+      <p:grpSpPr>
+        <a:xfrm>
+          <a:off x="0" y="0"/>
+          <a:ext cx="0" cy="0"/>
+          <a:chOff x="0" y="0"/>
+          <a:chExt cx="0" cy="0"/>
+        </a:xfrm>
+      </p:grpSpPr>
+      <p:sp>
+        <p:nvSpPr>
+          <p:cNvPr id="2" name="Shape 0"/>
+          <p:cNvSpPr/>
+          <p:nvPr/>
+        </p:nvSpPr>
+        <p:spPr>
+          <a:xfrm>
+            <a:off x="0" y="0"/>
+            <a:ext cx="14630400" cy="8169088"/>
+          </a:xfrm>
+          <a:prstGeom prst="rect">
+            <a:avLst/>
+          </a:prstGeom>
+          <a:solidFill>
+            <a:srgbClr val="0C0C0C"/>
+          </a:solidFill>
+          <a:ln/>
+        </p:spPr>
+      </p:sp>
+      <p:sp>
+        <p:nvSpPr>
+          <p:cNvPr id="3" name="Shape 1"/>
+          <p:cNvSpPr/>
+          <p:nvPr/>
+        </p:nvSpPr>
+        <p:spPr>
+          <a:xfrm>
+            <a:off x="0" y="0"/>
+            <a:ext cx="14630400" cy="8229600"/>
+          </a:xfrm>
+          <a:prstGeom prst="rect">
+            <a:avLst/>
+          </a:prstGeom>
+          <a:solidFill>
+            <a:srgbClr val="272525"/>
+          </a:solidFill>
+          <a:ln w="7620">
+            <a:solidFill>
+              <a:srgbClr val="565151"/>
+            </a:solidFill>
+            <a:prstDash val="solid"/>
+          </a:ln>
+        </p:spPr>
+        <p:txBody>
+          <a:bodyPr/>
+          <a:lstStyle/>
+          <a:p>
+            <a:r>
+              <a:rPr lang="en-US" dirty="0"/>
+              <a:t>                            </a:t>
+            </a:r>
+          </a:p>
+        </p:txBody>
+      </p:sp>
+      <p:pic>
+        <p:nvPicPr>
+          <p:cNvPr id="7" name="Picture 6">
+            <a:extLst>
+              <a:ext uri="{FF2B5EF4-FFF2-40B4-BE49-F238E27FC236}">
+                <a16:creationId xmlns:a16="http://schemas.microsoft.com/office/drawing/2014/main" id="{F3FC5BAD-2B53-0AA0-D81F-DD734E1AC4DB}"/>
+              </a:ext>
+            </a:extLst>
+          </p:cNvPr>
+          <p:cNvPicPr>
+            <a:picLocks noChangeAspect="1"/>
+          </p:cNvPicPr>
+          <p:nvPr/>
+        </p:nvPicPr>
+        <p:blipFill rotWithShape="1">
+          <a:blip r:embed="rId3">
+            <a:extLst>
+              <a:ext uri="{28A0092B-C50C-407E-A947-70E740481C1C}">
+                <a14:useLocalDpi xmlns:a14="http://schemas.microsoft.com/office/drawing/2010/main" val="0"/>
+              </a:ext>
+            </a:extLst>
+          </a:blip>
+          <a:srcRect l="42788" t="36539" r="23718" b="23504"/>
+          <a:stretch/>
+        </p:blipFill>
+        <p:spPr bwMode="auto">
+          <a:xfrm>
+            <a:off x="10402738" y="810621"/>
+            <a:ext cx="3122500" cy="2793816"/>
+          </a:xfrm>
+          <a:prstGeom prst="rect">
+            <a:avLst/>
+          </a:prstGeom>
+          <a:ln>
+            <a:noFill/>
+          </a:ln>
+          <a:extLst>
+            <a:ext uri="{53640926-AAD7-44D8-BBD7-CCE9431645EC}">
+              <a14:shadowObscured xmlns:a14="http://schemas.microsoft.com/office/drawing/2010/main"/>
+            </a:ext>
+          </a:extLst>
+        </p:spPr>
+      </p:pic>
+      <p:sp>
+        <p:nvSpPr>
+          <p:cNvPr id="11" name="Rectangle 5">
+            <a:extLst>
+              <a:ext uri="{FF2B5EF4-FFF2-40B4-BE49-F238E27FC236}">
+                <a16:creationId xmlns:a16="http://schemas.microsoft.com/office/drawing/2014/main" id="{448227BF-6671-BA98-B791-8231F819CCAA}"/>
+              </a:ext>
+            </a:extLst>
+          </p:cNvPr>
+          <p:cNvSpPr>
+            <a:spLocks noChangeArrowheads="1"/>
+          </p:cNvSpPr>
+          <p:nvPr/>
+        </p:nvSpPr>
+        <p:spPr bwMode="auto">
+          <a:xfrm>
+            <a:off x="0" y="0"/>
+            <a:ext cx="14630400" cy="457200"/>
+          </a:xfrm>
+          <a:prstGeom prst="rect">
+            <a:avLst/>
+          </a:prstGeom>
+          <a:noFill/>
+          <a:ln>
+            <a:noFill/>
+          </a:ln>
+          <a:effectLst/>
+          <a:extLst>
+            <a:ext uri="{909E8E84-426E-40DD-AFC4-6F175D3DCCD1}">
+              <a14:hiddenFill xmlns:a14="http://schemas.microsoft.com/office/drawing/2010/main">
+                <a:solidFill>
+                  <a:schemeClr val="accent1"/>
+                </a:solidFill>
+              </a14:hiddenFill>
+            </a:ext>
+            <a:ext uri="{91240B29-F687-4F45-9708-019B960494DF}">
+              <a14:hiddenLine xmlns:a14="http://schemas.microsoft.com/office/drawing/2010/main" w="9525">
+                <a:solidFill>
+                  <a:schemeClr val="tx1"/>
+                </a:solidFill>
+                <a:miter lim="800000"/>
+                <a:headEnd/>
+                <a:tailEnd/>
+              </a14:hiddenLine>
+            </a:ext>
+            <a:ext uri="{AF507438-7753-43E0-B8FC-AC1667EBCBE1}">
+              <a14:hiddenEffects xmlns:a14="http://schemas.microsoft.com/office/drawing/2010/main">
+                <a:effectLst>
+                  <a:outerShdw dist="35921" dir="2700000" algn="ctr" rotWithShape="0">
+                    <a:schemeClr val="bg2"/>
+                  </a:outerShdw>
+                </a:effectLst>
+              </a14:hiddenEffects>
+            </a:ext>
+          </a:extLst>
+        </p:spPr>
+        <p:txBody>
+          <a:bodyPr vert="horz" wrap="none" lIns="91440" tIns="45720" rIns="91440" bIns="45720" numCol="1" anchor="ctr" anchorCtr="0" compatLnSpc="1">
+            <a:prstTxWarp prst="textNoShape">
+              <a:avLst/>
+            </a:prstTxWarp>
+            <a:spAutoFit/>
+          </a:bodyPr>
+          <a:lstStyle/>
+          <a:p>
+            <a:endParaRPr lang="en-US"/>
+          </a:p>
+        </p:txBody>
+      </p:sp>
+      <p:sp>
+        <p:nvSpPr>
+          <p:cNvPr id="12" name="Rectangle 6">
+            <a:extLst>
+              <a:ext uri="{FF2B5EF4-FFF2-40B4-BE49-F238E27FC236}">
+                <a16:creationId xmlns:a16="http://schemas.microsoft.com/office/drawing/2014/main" id="{9B6F4702-0EE7-9388-62AD-B9FF3A054324}"/>
+              </a:ext>
+            </a:extLst>
+          </p:cNvPr>
+          <p:cNvSpPr>
+            <a:spLocks noChangeArrowheads="1"/>
+          </p:cNvSpPr>
+          <p:nvPr/>
+        </p:nvSpPr>
+        <p:spPr bwMode="auto">
+          <a:xfrm>
+            <a:off x="1307805" y="1484253"/>
+            <a:ext cx="8055923" cy="1446550"/>
+          </a:xfrm>
+          <a:prstGeom prst="rect">
+            <a:avLst/>
+          </a:prstGeom>
+          <a:noFill/>
+          <a:ln>
+            <a:noFill/>
+          </a:ln>
+          <a:effectLst/>
+          <a:extLst>
+            <a:ext uri="{909E8E84-426E-40DD-AFC4-6F175D3DCCD1}">
+              <a14:hiddenFill xmlns:a14="http://schemas.microsoft.com/office/drawing/2010/main">
+                <a:solidFill>
+                  <a:schemeClr val="accent1"/>
+                </a:solidFill>
+              </a14:hiddenFill>
+            </a:ext>
+            <a:ext uri="{91240B29-F687-4F45-9708-019B960494DF}">
+              <a14:hiddenLine xmlns:a14="http://schemas.microsoft.com/office/drawing/2010/main" w="9525">
+                <a:solidFill>
+                  <a:schemeClr val="tx1"/>
+                </a:solidFill>
+                <a:miter lim="800000"/>
+                <a:headEnd/>
+                <a:tailEnd/>
+              </a14:hiddenLine>
+            </a:ext>
+            <a:ext uri="{AF507438-7753-43E0-B8FC-AC1667EBCBE1}">
+              <a14:hiddenEffects xmlns:a14="http://schemas.microsoft.com/office/drawing/2010/main">
+                <a:effectLst>
+                  <a:outerShdw dist="35921" dir="2700000" algn="ctr" rotWithShape="0">
+                    <a:schemeClr val="bg2"/>
+                  </a:outerShdw>
+                </a:effectLst>
+              </a14:hiddenEffects>
+            </a:ext>
+          </a:extLst>
+        </p:spPr>
+        <p:txBody>
+          <a:bodyPr vert="horz" wrap="none" lIns="91440" tIns="45720" rIns="91440" bIns="45720" numCol="1" anchor="ctr" anchorCtr="0" compatLnSpc="1">
+            <a:prstTxWarp prst="textNoShape">
+              <a:avLst/>
+            </a:prstTxWarp>
+            <a:spAutoFit/>
+          </a:bodyPr>
+          <a:lstStyle/>
+          <a:p>
+            <a:pPr marL="0" marR="0" lvl="0" indent="0" algn="l" defTabSz="914400" rtl="0" eaLnBrk="0" fontAlgn="base" latinLnBrk="0" hangingPunct="0">
+              <a:lnSpc>
+                <a:spcPct val="100000"/>
+              </a:lnSpc>
+              <a:spcBef>
+                <a:spcPct val="0"/>
+              </a:spcBef>
+              <a:spcAft>
+                <a:spcPct val="0"/>
+              </a:spcAft>
+              <a:buClrTx/>
+              <a:buSzTx/>
+              <a:buFontTx/>
+              <a:buNone/>
+              <a:tabLst/>
+            </a:pPr>
+            <a:r>
+              <a:rPr kumimoji="0" lang="en-US" altLang="en-US" sz="4000" b="1" i="0" u="none" strike="noStrike" cap="none" normalizeH="0" baseline="0" dirty="0" err="1">
+                <a:ln>
+                  <a:noFill/>
+                </a:ln>
+                <a:solidFill>
+                  <a:schemeClr val="bg1"/>
+                </a:solidFill>
+                <a:effectLst/>
+                <a:latin typeface="Inter"/>
+                <a:ea typeface="Calibri" panose="020F0502020204030204" pitchFamily="34" charset="0"/>
+                <a:cs typeface="Times New Roman" panose="02020603050405020304" pitchFamily="18" charset="0"/>
+              </a:rPr>
+              <a:t>Bresenham's</a:t>
+            </a:r>
+            <a:r>
+              <a:rPr kumimoji="0" lang="en-US" altLang="en-US" sz="4000" b="1" i="0" u="none" strike="noStrike" cap="none" normalizeH="0" baseline="0" dirty="0">
+                <a:ln>
+                  <a:noFill/>
+                </a:ln>
+                <a:solidFill>
+                  <a:schemeClr val="bg1"/>
+                </a:solidFill>
+                <a:effectLst/>
+                <a:latin typeface="Inter"/>
+                <a:ea typeface="Calibri" panose="020F0502020204030204" pitchFamily="34" charset="0"/>
+                <a:cs typeface="Times New Roman" panose="02020603050405020304" pitchFamily="18" charset="0"/>
+              </a:rPr>
+              <a:t> Circle algorithm:</a:t>
+            </a:r>
+            <a:endParaRPr kumimoji="0" lang="en-US" altLang="en-US" sz="4000" b="1" i="0" u="none" strike="noStrike" cap="none" normalizeH="0" baseline="0" dirty="0">
+              <a:ln>
+                <a:noFill/>
+              </a:ln>
+              <a:solidFill>
+                <a:schemeClr val="bg1"/>
+              </a:solidFill>
+              <a:effectLst/>
+              <a:latin typeface="Inter"/>
+            </a:endParaRPr>
+          </a:p>
+          <a:p>
+            <a:pPr marL="0" marR="0" lvl="0" indent="0" algn="l" defTabSz="914400" rtl="0" eaLnBrk="0" fontAlgn="base" latinLnBrk="0" hangingPunct="0">
+              <a:lnSpc>
+                <a:spcPct val="100000"/>
+              </a:lnSpc>
+              <a:spcBef>
+                <a:spcPct val="0"/>
+              </a:spcBef>
+              <a:spcAft>
+                <a:spcPct val="0"/>
+              </a:spcAft>
+              <a:buClrTx/>
+              <a:buSzTx/>
+              <a:buFontTx/>
+              <a:buNone/>
+              <a:tabLst/>
+            </a:pPr>
+            <a:r>
+              <a:rPr kumimoji="0" lang="en-US" altLang="en-US" sz="2400" b="1" i="0" u="none" strike="noStrike" cap="none" normalizeH="0" baseline="0" dirty="0">
+                <a:ln>
+                  <a:noFill/>
+                </a:ln>
+                <a:solidFill>
+                  <a:schemeClr val="bg1"/>
+                </a:solidFill>
+                <a:effectLst/>
+                <a:latin typeface="Inter"/>
+                <a:ea typeface="Calibri" panose="020F0502020204030204" pitchFamily="34" charset="0"/>
+                <a:cs typeface="Times New Roman" panose="02020603050405020304" pitchFamily="18" charset="0"/>
+              </a:rPr>
+              <a:t>A circle is a symmetrical figure </a:t>
+            </a:r>
+            <a:r>
+              <a:rPr lang="en-US" altLang="en-US" sz="2400" b="1" dirty="0">
+                <a:solidFill>
+                  <a:schemeClr val="bg1"/>
+                </a:solidFill>
+                <a:latin typeface="Inter"/>
+                <a:ea typeface="Calibri" panose="020F0502020204030204" pitchFamily="34" charset="0"/>
+                <a:cs typeface="Times New Roman" panose="02020603050405020304" pitchFamily="18" charset="0"/>
+              </a:rPr>
+              <a:t>w</a:t>
+            </a:r>
+            <a:r>
+              <a:rPr kumimoji="0" lang="en-US" altLang="en-US" sz="2400" b="1" i="0" u="none" strike="noStrike" cap="none" normalizeH="0" baseline="0" dirty="0">
+                <a:ln>
+                  <a:noFill/>
+                </a:ln>
+                <a:solidFill>
+                  <a:schemeClr val="bg1"/>
+                </a:solidFill>
+                <a:effectLst/>
+                <a:latin typeface="Inter"/>
+                <a:ea typeface="Calibri" panose="020F0502020204030204" pitchFamily="34" charset="0"/>
+                <a:cs typeface="Times New Roman" panose="02020603050405020304" pitchFamily="18" charset="0"/>
+              </a:rPr>
+              <a:t>hich follows 8-way symmetry</a:t>
+            </a:r>
+            <a:endParaRPr kumimoji="0" lang="en-US" altLang="en-US" sz="2400" b="1" i="0" u="none" strike="noStrike" cap="none" normalizeH="0" baseline="0" dirty="0">
+              <a:ln>
+                <a:noFill/>
+              </a:ln>
+              <a:solidFill>
+                <a:schemeClr val="bg1"/>
+              </a:solidFill>
+              <a:effectLst/>
+              <a:latin typeface="Inter"/>
+            </a:endParaRPr>
+          </a:p>
+          <a:p>
+            <a:pPr marL="0" marR="0" lvl="0" indent="0" algn="l" defTabSz="914400" rtl="0" eaLnBrk="0" fontAlgn="base" latinLnBrk="0" hangingPunct="0">
+              <a:lnSpc>
+                <a:spcPct val="100000"/>
+              </a:lnSpc>
+              <a:spcBef>
+                <a:spcPct val="0"/>
+              </a:spcBef>
+              <a:spcAft>
+                <a:spcPct val="0"/>
+              </a:spcAft>
+              <a:buClrTx/>
+              <a:buSzTx/>
+              <a:buFontTx/>
+              <a:buNone/>
+              <a:tabLst/>
+            </a:pPr>
+            <a:r>
+              <a:rPr kumimoji="0" lang="en-US" altLang="en-US" sz="2400" b="1" i="0" u="none" strike="noStrike" cap="none" normalizeH="0" baseline="0" dirty="0">
+                <a:ln>
+                  <a:noFill/>
+                </a:ln>
+                <a:solidFill>
+                  <a:schemeClr val="bg1"/>
+                </a:solidFill>
+                <a:effectLst/>
+                <a:latin typeface="Inter"/>
+                <a:ea typeface="Calibri" panose="020F0502020204030204" pitchFamily="34" charset="0"/>
+                <a:cs typeface="Times New Roman" panose="02020603050405020304" pitchFamily="18" charset="0"/>
+              </a:rPr>
+              <a:t>True circle </a:t>
+            </a:r>
+            <a:endParaRPr kumimoji="0" lang="en-US" altLang="en-US" sz="2400" b="1" i="0" u="none" strike="noStrike" cap="none" normalizeH="0" baseline="0" dirty="0">
+              <a:ln>
+                <a:noFill/>
+              </a:ln>
+              <a:solidFill>
+                <a:schemeClr val="bg1"/>
+              </a:solidFill>
+              <a:effectLst/>
+              <a:latin typeface="Inter"/>
+            </a:endParaRPr>
+          </a:p>
+        </p:txBody>
+      </p:sp>
+      <mc:AlternateContent xmlns:mc="http://schemas.openxmlformats.org/markup-compatibility/2006" xmlns:a14="http://schemas.microsoft.com/office/drawing/2010/main">
+        <mc:Choice Requires="a14">
+          <p:graphicFrame>
+            <p:nvGraphicFramePr>
+              <p:cNvPr id="13" name="Table 12">
+                <a:extLst>
+                  <a:ext uri="{FF2B5EF4-FFF2-40B4-BE49-F238E27FC236}">
+                    <a16:creationId xmlns:a16="http://schemas.microsoft.com/office/drawing/2014/main" id="{EAFE0B79-9EDF-A537-99F0-576693AC9BB3}"/>
+                  </a:ext>
+                </a:extLst>
+              </p:cNvPr>
+              <p:cNvGraphicFramePr>
+                <a:graphicFrameLocks noGrp="1"/>
+              </p:cNvGraphicFramePr>
+              <p:nvPr>
+                <p:extLst>
+                  <p:ext uri="{D42A27DB-BD31-4B8C-83A1-F6EECF244321}">
+                    <p14:modId xmlns:p14="http://schemas.microsoft.com/office/powerpoint/2010/main" val="760930837"/>
+                  </p:ext>
+                </p:extLst>
+              </p:nvPr>
+            </p:nvGraphicFramePr>
+            <p:xfrm>
+              <a:off x="1307805" y="4494714"/>
+              <a:ext cx="4759718" cy="1708697"/>
+            </p:xfrm>
+            <a:graphic>
+              <a:graphicData uri="http://schemas.openxmlformats.org/drawingml/2006/table">
+                <a:tbl>
+                  <a:tblPr firstRow="1" firstCol="1" bandRow="1">
+                    <a:tableStyleId>{5C22544A-7EE6-4342-B048-85BDC9FD1C3A}</a:tableStyleId>
+                  </a:tblPr>
+                  <a:tblGrid>
+                    <a:gridCol w="2210529">
+                      <a:extLst>
+                        <a:ext uri="{9D8B030D-6E8A-4147-A177-3AD203B41FA5}">
+                          <a16:colId xmlns:a16="http://schemas.microsoft.com/office/drawing/2014/main" val="123668961"/>
+                        </a:ext>
+                      </a:extLst>
+                    </a:gridCol>
+                    <a:gridCol w="2549189">
+                      <a:extLst>
+                        <a:ext uri="{9D8B030D-6E8A-4147-A177-3AD203B41FA5}">
+                          <a16:colId xmlns:a16="http://schemas.microsoft.com/office/drawing/2014/main" val="1925033483"/>
+                        </a:ext>
+                      </a:extLst>
+                    </a:gridCol>
+                  </a:tblGrid>
+                  <a:tr h="680401">
+                    <a:tc>
+                      <a:txBody>
+                        <a:bodyPr/>
+                        <a:lstStyle/>
+                        <a:p>
+                          <a:pPr marL="0" marR="0">
+                            <a:lnSpc>
+                              <a:spcPct val="107000"/>
+                            </a:lnSpc>
+                            <a:spcBef>
+                              <a:spcPts val="0"/>
+                            </a:spcBef>
+                            <a:spcAft>
+                              <a:spcPts val="0"/>
+                            </a:spcAft>
+                          </a:pPr>
+                          <a14:m>
+                            <m:oMath xmlns:m="http://schemas.openxmlformats.org/officeDocument/2006/math">
+                              <m:r>
+                                <a:rPr lang="en-US" sz="2100">
+                                  <a:effectLst/>
+                                  <a:latin typeface="Cambria Math" panose="02040503050406030204" pitchFamily="18" charset="0"/>
+                                </a:rPr>
+                                <m:t>𝒊𝒇</m:t>
+                              </m:r>
+                              <m:r>
+                                <a:rPr lang="en-US" sz="2100">
+                                  <a:effectLst/>
+                                  <a:latin typeface="Cambria Math" panose="02040503050406030204" pitchFamily="18" charset="0"/>
+                                </a:rPr>
+                                <m:t> </m:t>
+                              </m:r>
+                              <m:sSub>
+                                <m:sSubPr>
+                                  <m:ctrlPr>
+                                    <a:rPr lang="en-US" sz="2100" i="1">
+                                      <a:effectLst/>
+                                      <a:latin typeface="Cambria Math" panose="02040503050406030204" pitchFamily="18" charset="0"/>
+                                    </a:rPr>
+                                  </m:ctrlPr>
+                                </m:sSubPr>
+                                <m:e>
+                                  <m:r>
+                                    <a:rPr lang="en-US" sz="2100">
+                                      <a:effectLst/>
+                                      <a:latin typeface="Cambria Math" panose="02040503050406030204" pitchFamily="18" charset="0"/>
+                                    </a:rPr>
+                                    <m:t>𝒑</m:t>
+                                  </m:r>
+                                </m:e>
+                                <m:sub>
+                                  <m:r>
+                                    <a:rPr lang="en-US" sz="2100">
+                                      <a:effectLst/>
+                                      <a:latin typeface="Cambria Math" panose="02040503050406030204" pitchFamily="18" charset="0"/>
+                                    </a:rPr>
+                                    <m:t>𝒌</m:t>
+                                  </m:r>
+                                </m:sub>
+                              </m:sSub>
+                              <m:r>
+                                <a:rPr lang="en-US" sz="2100">
+                                  <a:effectLst/>
+                                  <a:latin typeface="Cambria Math" panose="02040503050406030204" pitchFamily="18" charset="0"/>
+                                </a:rPr>
+                                <m:t>≥</m:t>
+                              </m:r>
+                              <m:r>
+                                <a:rPr lang="en-US" sz="2100">
+                                  <a:effectLst/>
+                                  <a:latin typeface="Cambria Math" panose="02040503050406030204" pitchFamily="18" charset="0"/>
+                                </a:rPr>
+                                <m:t>𝟎</m:t>
+                              </m:r>
+                            </m:oMath>
+                          </a14:m>
+                          <a:r>
+                            <a:rPr lang="en-US" sz="2100" dirty="0">
+                              <a:effectLst/>
+                              <a:latin typeface="Calibri" panose="020F0502020204030204" pitchFamily="34" charset="0"/>
+                              <a:ea typeface="Calibri" panose="020F0502020204030204" pitchFamily="34" charset="0"/>
+                              <a:cs typeface="Mangal" panose="02040503050203030202" pitchFamily="18" charset="0"/>
+                            </a:rPr>
+                            <a:t> </a:t>
+                          </a:r>
+                        </a:p>
+                      </a:txBody>
+                      <a:tcPr marL="133002" marR="133002" marT="0" marB="0"/>
+                    </a:tc>
+                    <a:tc>
+                      <a:txBody>
+                        <a:bodyPr/>
+                        <a:lstStyle/>
+                        <a:p>
+                          <a:pPr marL="0" marR="0">
+                            <a:lnSpc>
+                              <a:spcPct val="107000"/>
+                            </a:lnSpc>
+                            <a:spcBef>
+                              <a:spcPts val="0"/>
+                            </a:spcBef>
+                            <a:spcAft>
+                              <a:spcPts val="0"/>
+                            </a:spcAft>
+                          </a:pPr>
+                          <a14:m>
+                            <m:oMathPara xmlns:m="http://schemas.openxmlformats.org/officeDocument/2006/math">
+                              <m:oMathParaPr>
+                                <m:jc m:val="centerGroup"/>
+                              </m:oMathParaPr>
+                              <m:oMath xmlns:m="http://schemas.openxmlformats.org/officeDocument/2006/math">
+                                <m:r>
+                                  <a:rPr lang="en-US" sz="2100">
+                                    <a:effectLst/>
+                                    <a:latin typeface="Cambria Math" panose="02040503050406030204" pitchFamily="18" charset="0"/>
+                                  </a:rPr>
+                                  <m:t>𝒊𝒇</m:t>
+                                </m:r>
+                                <m:r>
+                                  <a:rPr lang="en-US" sz="2100">
+                                    <a:effectLst/>
+                                    <a:latin typeface="Cambria Math" panose="02040503050406030204" pitchFamily="18" charset="0"/>
+                                  </a:rPr>
+                                  <m:t> </m:t>
+                                </m:r>
+                                <m:sSub>
+                                  <m:sSubPr>
+                                    <m:ctrlPr>
+                                      <a:rPr lang="en-US" sz="2100" i="1">
+                                        <a:effectLst/>
+                                        <a:latin typeface="Cambria Math" panose="02040503050406030204" pitchFamily="18" charset="0"/>
+                                      </a:rPr>
+                                    </m:ctrlPr>
+                                  </m:sSubPr>
+                                  <m:e>
+                                    <m:r>
+                                      <a:rPr lang="en-US" sz="2100">
+                                        <a:effectLst/>
+                                        <a:latin typeface="Cambria Math" panose="02040503050406030204" pitchFamily="18" charset="0"/>
+                                      </a:rPr>
+                                      <m:t>𝒑</m:t>
+                                    </m:r>
+                                  </m:e>
+                                  <m:sub>
+                                    <m:r>
+                                      <a:rPr lang="en-US" sz="2100">
+                                        <a:effectLst/>
+                                        <a:latin typeface="Cambria Math" panose="02040503050406030204" pitchFamily="18" charset="0"/>
+                                      </a:rPr>
+                                      <m:t>𝒌</m:t>
+                                    </m:r>
+                                  </m:sub>
+                                </m:sSub>
+                                <m:r>
+                                  <a:rPr lang="en-US" sz="2100">
+                                    <a:effectLst/>
+                                    <a:latin typeface="Cambria Math" panose="02040503050406030204" pitchFamily="18" charset="0"/>
+                                  </a:rPr>
+                                  <m:t>&lt;</m:t>
+                                </m:r>
+                                <m:r>
+                                  <a:rPr lang="en-US" sz="2100">
+                                    <a:effectLst/>
+                                    <a:latin typeface="Cambria Math" panose="02040503050406030204" pitchFamily="18" charset="0"/>
+                                  </a:rPr>
+                                  <m:t>𝟎</m:t>
+                                </m:r>
+                              </m:oMath>
+                            </m:oMathPara>
+                          </a14:m>
+                          <a:endParaRPr lang="en-US" sz="2100" dirty="0">
+                            <a:effectLst/>
+                          </a:endParaRPr>
+                        </a:p>
+                        <a:p>
+                          <a:pPr marL="0" marR="0">
+                            <a:lnSpc>
+                              <a:spcPct val="107000"/>
+                            </a:lnSpc>
+                            <a:spcBef>
+                              <a:spcPts val="0"/>
+                            </a:spcBef>
+                            <a:spcAft>
+                              <a:spcPts val="0"/>
+                            </a:spcAft>
+                          </a:pPr>
+                          <a:r>
+                            <a:rPr lang="en-US" sz="2100" dirty="0">
+                              <a:effectLst/>
+                            </a:rPr>
+                            <a:t> </a:t>
+                          </a:r>
+                          <a:endParaRPr lang="en-US" sz="2100" dirty="0">
+                            <a:effectLst/>
+                            <a:latin typeface="Calibri" panose="020F0502020204030204" pitchFamily="34" charset="0"/>
+                            <a:ea typeface="Calibri" panose="020F0502020204030204" pitchFamily="34" charset="0"/>
+                            <a:cs typeface="Mangal" panose="02040503050203030202" pitchFamily="18" charset="0"/>
+                          </a:endParaRPr>
+                        </a:p>
+                      </a:txBody>
+                      <a:tcPr marL="133002" marR="133002" marT="0" marB="0"/>
+                    </a:tc>
+                    <a:extLst>
+                      <a:ext uri="{0D108BD9-81ED-4DB2-BD59-A6C34878D82A}">
+                        <a16:rowId xmlns:a16="http://schemas.microsoft.com/office/drawing/2014/main" val="42659518"/>
+                      </a:ext>
+                    </a:extLst>
+                  </a:tr>
+                  <a:tr h="1028296">
+                    <a:tc>
+                      <a:txBody>
+                        <a:bodyPr/>
+                        <a:lstStyle/>
+                        <a:p>
+                          <a:pPr marL="0" marR="0">
+                            <a:lnSpc>
+                              <a:spcPct val="107000"/>
+                            </a:lnSpc>
+                            <a:spcBef>
+                              <a:spcPts val="0"/>
+                            </a:spcBef>
+                            <a:spcAft>
+                              <a:spcPts val="0"/>
+                            </a:spcAft>
+                          </a:pPr>
+                          <a14:m>
+                            <m:oMathPara xmlns:m="http://schemas.openxmlformats.org/officeDocument/2006/math">
+                              <m:oMathParaPr>
+                                <m:jc m:val="centerGroup"/>
+                              </m:oMathParaPr>
+                              <m:oMath xmlns:m="http://schemas.openxmlformats.org/officeDocument/2006/math">
+                                <m:sSub>
+                                  <m:sSubPr>
+                                    <m:ctrlPr>
+                                      <a:rPr lang="en-US" sz="2100" i="1">
+                                        <a:effectLst/>
+                                        <a:latin typeface="Cambria Math" panose="02040503050406030204" pitchFamily="18" charset="0"/>
+                                      </a:rPr>
+                                    </m:ctrlPr>
+                                  </m:sSubPr>
+                                  <m:e>
+                                    <m:r>
+                                      <a:rPr lang="en-US" sz="2100">
+                                        <a:effectLst/>
+                                        <a:latin typeface="Cambria Math" panose="02040503050406030204" pitchFamily="18" charset="0"/>
+                                      </a:rPr>
+                                      <m:t>𝒙</m:t>
+                                    </m:r>
+                                  </m:e>
+                                  <m:sub>
+                                    <m:r>
+                                      <a:rPr lang="en-US" sz="2100">
+                                        <a:effectLst/>
+                                        <a:latin typeface="Cambria Math" panose="02040503050406030204" pitchFamily="18" charset="0"/>
+                                      </a:rPr>
+                                      <m:t>𝒌</m:t>
+                                    </m:r>
+                                    <m:r>
+                                      <a:rPr lang="en-US" sz="2100">
+                                        <a:effectLst/>
+                                        <a:latin typeface="Cambria Math" panose="02040503050406030204" pitchFamily="18" charset="0"/>
+                                      </a:rPr>
+                                      <m:t>+</m:t>
+                                    </m:r>
+                                    <m:r>
+                                      <a:rPr lang="en-US" sz="2100">
+                                        <a:effectLst/>
+                                        <a:latin typeface="Cambria Math" panose="02040503050406030204" pitchFamily="18" charset="0"/>
+                                      </a:rPr>
+                                      <m:t>𝟏</m:t>
+                                    </m:r>
+                                  </m:sub>
+                                </m:sSub>
+                                <m:r>
+                                  <a:rPr lang="en-US" sz="2100">
+                                    <a:effectLst/>
+                                    <a:latin typeface="Cambria Math" panose="02040503050406030204" pitchFamily="18" charset="0"/>
+                                  </a:rPr>
+                                  <m:t>=</m:t>
+                                </m:r>
+                                <m:sSub>
+                                  <m:sSubPr>
+                                    <m:ctrlPr>
+                                      <a:rPr lang="en-US" sz="2100" i="1">
+                                        <a:effectLst/>
+                                        <a:latin typeface="Cambria Math" panose="02040503050406030204" pitchFamily="18" charset="0"/>
+                                      </a:rPr>
+                                    </m:ctrlPr>
+                                  </m:sSubPr>
+                                  <m:e>
+                                    <m:r>
+                                      <a:rPr lang="en-US" sz="2100">
+                                        <a:effectLst/>
+                                        <a:latin typeface="Cambria Math" panose="02040503050406030204" pitchFamily="18" charset="0"/>
+                                      </a:rPr>
+                                      <m:t>𝒙</m:t>
+                                    </m:r>
+                                  </m:e>
+                                  <m:sub>
+                                    <m:r>
+                                      <a:rPr lang="en-US" sz="2100">
+                                        <a:effectLst/>
+                                        <a:latin typeface="Cambria Math" panose="02040503050406030204" pitchFamily="18" charset="0"/>
+                                      </a:rPr>
+                                      <m:t>𝒌</m:t>
+                                    </m:r>
+                                  </m:sub>
+                                </m:sSub>
+                                <m:r>
+                                  <a:rPr lang="en-US" sz="2100">
+                                    <a:effectLst/>
+                                    <a:latin typeface="Cambria Math" panose="02040503050406030204" pitchFamily="18" charset="0"/>
+                                  </a:rPr>
+                                  <m:t>+</m:t>
+                                </m:r>
+                                <m:r>
+                                  <a:rPr lang="en-US" sz="2100">
+                                    <a:effectLst/>
+                                    <a:latin typeface="Cambria Math" panose="02040503050406030204" pitchFamily="18" charset="0"/>
+                                  </a:rPr>
+                                  <m:t>𝟏</m:t>
+                                </m:r>
+                              </m:oMath>
+                            </m:oMathPara>
+                          </a14:m>
+                          <a:endParaRPr lang="en-US" sz="2100">
+                            <a:effectLst/>
+                          </a:endParaRPr>
+                        </a:p>
+                        <a:p>
+                          <a:pPr marL="0" marR="0">
+                            <a:lnSpc>
+                              <a:spcPct val="107000"/>
+                            </a:lnSpc>
+                            <a:spcBef>
+                              <a:spcPts val="0"/>
+                            </a:spcBef>
+                            <a:spcAft>
+                              <a:spcPts val="0"/>
+                            </a:spcAft>
+                          </a:pPr>
+                          <a14:m>
+                            <m:oMathPara xmlns:m="http://schemas.openxmlformats.org/officeDocument/2006/math">
+                              <m:oMathParaPr>
+                                <m:jc m:val="centerGroup"/>
+                              </m:oMathParaPr>
+                              <m:oMath xmlns:m="http://schemas.openxmlformats.org/officeDocument/2006/math">
+                                <m:sSub>
+                                  <m:sSubPr>
+                                    <m:ctrlPr>
+                                      <a:rPr lang="en-US" sz="2100" i="1">
+                                        <a:effectLst/>
+                                        <a:latin typeface="Cambria Math" panose="02040503050406030204" pitchFamily="18" charset="0"/>
+                                      </a:rPr>
+                                    </m:ctrlPr>
+                                  </m:sSubPr>
+                                  <m:e>
+                                    <m:r>
+                                      <a:rPr lang="en-US" sz="2100">
+                                        <a:effectLst/>
+                                        <a:latin typeface="Cambria Math" panose="02040503050406030204" pitchFamily="18" charset="0"/>
+                                      </a:rPr>
+                                      <m:t>𝒚</m:t>
+                                    </m:r>
+                                  </m:e>
+                                  <m:sub>
+                                    <m:r>
+                                      <a:rPr lang="en-US" sz="2100">
+                                        <a:effectLst/>
+                                        <a:latin typeface="Cambria Math" panose="02040503050406030204" pitchFamily="18" charset="0"/>
+                                      </a:rPr>
+                                      <m:t>𝒌</m:t>
+                                    </m:r>
+                                    <m:r>
+                                      <a:rPr lang="en-US" sz="2100">
+                                        <a:effectLst/>
+                                        <a:latin typeface="Cambria Math" panose="02040503050406030204" pitchFamily="18" charset="0"/>
+                                      </a:rPr>
+                                      <m:t>−</m:t>
+                                    </m:r>
+                                    <m:r>
+                                      <a:rPr lang="en-US" sz="2100">
+                                        <a:effectLst/>
+                                        <a:latin typeface="Cambria Math" panose="02040503050406030204" pitchFamily="18" charset="0"/>
+                                      </a:rPr>
+                                      <m:t>𝟏</m:t>
+                                    </m:r>
+                                  </m:sub>
+                                </m:sSub>
+                                <m:r>
+                                  <a:rPr lang="en-US" sz="2100">
+                                    <a:effectLst/>
+                                    <a:latin typeface="Cambria Math" panose="02040503050406030204" pitchFamily="18" charset="0"/>
+                                  </a:rPr>
+                                  <m:t>=</m:t>
+                                </m:r>
+                                <m:sSub>
+                                  <m:sSubPr>
+                                    <m:ctrlPr>
+                                      <a:rPr lang="en-US" sz="2100" i="1">
+                                        <a:effectLst/>
+                                        <a:latin typeface="Cambria Math" panose="02040503050406030204" pitchFamily="18" charset="0"/>
+                                      </a:rPr>
+                                    </m:ctrlPr>
+                                  </m:sSubPr>
+                                  <m:e>
+                                    <m:r>
+                                      <a:rPr lang="en-US" sz="2100">
+                                        <a:effectLst/>
+                                        <a:latin typeface="Cambria Math" panose="02040503050406030204" pitchFamily="18" charset="0"/>
+                                      </a:rPr>
+                                      <m:t>𝒚</m:t>
+                                    </m:r>
+                                  </m:e>
+                                  <m:sub>
+                                    <m:r>
+                                      <a:rPr lang="en-US" sz="2100">
+                                        <a:effectLst/>
+                                        <a:latin typeface="Cambria Math" panose="02040503050406030204" pitchFamily="18" charset="0"/>
+                                      </a:rPr>
+                                      <m:t>𝒌</m:t>
+                                    </m:r>
+                                  </m:sub>
+                                </m:sSub>
+                                <m:r>
+                                  <a:rPr lang="en-US" sz="2100">
+                                    <a:effectLst/>
+                                    <a:latin typeface="Cambria Math" panose="02040503050406030204" pitchFamily="18" charset="0"/>
+                                  </a:rPr>
+                                  <m:t>−</m:t>
+                                </m:r>
+                                <m:r>
+                                  <a:rPr lang="en-US" sz="2100">
+                                    <a:effectLst/>
+                                    <a:latin typeface="Cambria Math" panose="02040503050406030204" pitchFamily="18" charset="0"/>
+                                  </a:rPr>
+                                  <m:t>𝟏</m:t>
+                                </m:r>
+                              </m:oMath>
+                            </m:oMathPara>
+                          </a14:m>
+                          <a:endParaRPr lang="en-US" sz="2100">
+                            <a:effectLst/>
+                          </a:endParaRPr>
+                        </a:p>
+                        <a:p>
+                          <a:pPr marL="0" marR="0">
+                            <a:lnSpc>
+                              <a:spcPct val="107000"/>
+                            </a:lnSpc>
+                            <a:spcBef>
+                              <a:spcPts val="0"/>
+                            </a:spcBef>
+                            <a:spcAft>
+                              <a:spcPts val="0"/>
+                            </a:spcAft>
+                          </a:pPr>
+                          <a:r>
+                            <a:rPr lang="en-US" sz="2100">
+                              <a:effectLst/>
+                            </a:rPr>
+                            <a:t> </a:t>
+                          </a:r>
+                          <a:endParaRPr lang="en-US" sz="2100">
+                            <a:effectLst/>
+                            <a:latin typeface="Calibri" panose="020F0502020204030204" pitchFamily="34" charset="0"/>
+                            <a:ea typeface="Calibri" panose="020F0502020204030204" pitchFamily="34" charset="0"/>
+                            <a:cs typeface="Mangal" panose="02040503050203030202" pitchFamily="18" charset="0"/>
+                          </a:endParaRPr>
+                        </a:p>
+                      </a:txBody>
+                      <a:tcPr marL="133002" marR="133002" marT="0" marB="0"/>
+                    </a:tc>
+                    <a:tc>
+                      <a:txBody>
+                        <a:bodyPr/>
+                        <a:lstStyle/>
+                        <a:p>
+                          <a:pPr marL="0" marR="0">
+                            <a:lnSpc>
+                              <a:spcPct val="107000"/>
+                            </a:lnSpc>
+                            <a:spcBef>
+                              <a:spcPts val="0"/>
+                            </a:spcBef>
+                            <a:spcAft>
+                              <a:spcPts val="0"/>
+                            </a:spcAft>
+                          </a:pPr>
+                          <a14:m>
+                            <m:oMathPara xmlns:m="http://schemas.openxmlformats.org/officeDocument/2006/math">
+                              <m:oMathParaPr>
+                                <m:jc m:val="centerGroup"/>
+                              </m:oMathParaPr>
+                              <m:oMath xmlns:m="http://schemas.openxmlformats.org/officeDocument/2006/math">
+                                <m:sSub>
+                                  <m:sSubPr>
+                                    <m:ctrlPr>
+                                      <a:rPr lang="en-US" sz="2100" i="1">
+                                        <a:effectLst/>
+                                        <a:latin typeface="Cambria Math" panose="02040503050406030204" pitchFamily="18" charset="0"/>
+                                      </a:rPr>
+                                    </m:ctrlPr>
+                                  </m:sSubPr>
+                                  <m:e>
+                                    <m:r>
+                                      <a:rPr lang="en-US" sz="2100">
+                                        <a:effectLst/>
+                                        <a:latin typeface="Cambria Math" panose="02040503050406030204" pitchFamily="18" charset="0"/>
+                                      </a:rPr>
+                                      <m:t>𝒙</m:t>
+                                    </m:r>
+                                  </m:e>
+                                  <m:sub>
+                                    <m:r>
+                                      <a:rPr lang="en-US" sz="2100">
+                                        <a:effectLst/>
+                                        <a:latin typeface="Cambria Math" panose="02040503050406030204" pitchFamily="18" charset="0"/>
+                                      </a:rPr>
+                                      <m:t>𝒌</m:t>
+                                    </m:r>
+                                    <m:r>
+                                      <a:rPr lang="en-US" sz="2100">
+                                        <a:effectLst/>
+                                        <a:latin typeface="Cambria Math" panose="02040503050406030204" pitchFamily="18" charset="0"/>
+                                      </a:rPr>
+                                      <m:t>+</m:t>
+                                    </m:r>
+                                    <m:r>
+                                      <a:rPr lang="en-US" sz="2100">
+                                        <a:effectLst/>
+                                        <a:latin typeface="Cambria Math" panose="02040503050406030204" pitchFamily="18" charset="0"/>
+                                      </a:rPr>
+                                      <m:t>𝟏</m:t>
+                                    </m:r>
+                                  </m:sub>
+                                </m:sSub>
+                                <m:r>
+                                  <a:rPr lang="en-US" sz="2100">
+                                    <a:effectLst/>
+                                    <a:latin typeface="Cambria Math" panose="02040503050406030204" pitchFamily="18" charset="0"/>
+                                  </a:rPr>
+                                  <m:t>=</m:t>
+                                </m:r>
+                                <m:sSub>
+                                  <m:sSubPr>
+                                    <m:ctrlPr>
+                                      <a:rPr lang="en-US" sz="2100" i="1">
+                                        <a:effectLst/>
+                                        <a:latin typeface="Cambria Math" panose="02040503050406030204" pitchFamily="18" charset="0"/>
+                                      </a:rPr>
+                                    </m:ctrlPr>
+                                  </m:sSubPr>
+                                  <m:e>
+                                    <m:r>
+                                      <a:rPr lang="en-US" sz="2100">
+                                        <a:effectLst/>
+                                        <a:latin typeface="Cambria Math" panose="02040503050406030204" pitchFamily="18" charset="0"/>
+                                      </a:rPr>
+                                      <m:t>𝒙</m:t>
+                                    </m:r>
+                                  </m:e>
+                                  <m:sub>
+                                    <m:r>
+                                      <a:rPr lang="en-US" sz="2100">
+                                        <a:effectLst/>
+                                        <a:latin typeface="Cambria Math" panose="02040503050406030204" pitchFamily="18" charset="0"/>
+                                      </a:rPr>
+                                      <m:t>𝒌</m:t>
+                                    </m:r>
+                                  </m:sub>
+                                </m:sSub>
+                                <m:r>
+                                  <a:rPr lang="en-US" sz="2100">
+                                    <a:effectLst/>
+                                    <a:latin typeface="Cambria Math" panose="02040503050406030204" pitchFamily="18" charset="0"/>
+                                  </a:rPr>
+                                  <m:t>+</m:t>
+                                </m:r>
+                                <m:r>
+                                  <a:rPr lang="en-US" sz="2100">
+                                    <a:effectLst/>
+                                    <a:latin typeface="Cambria Math" panose="02040503050406030204" pitchFamily="18" charset="0"/>
+                                  </a:rPr>
+                                  <m:t>𝟏</m:t>
+                                </m:r>
+                              </m:oMath>
+                            </m:oMathPara>
+                          </a14:m>
+                          <a:endParaRPr lang="en-US" sz="2100" dirty="0">
+                            <a:effectLst/>
+                          </a:endParaRPr>
+                        </a:p>
+                        <a:p>
+                          <a:pPr marL="0" marR="0">
+                            <a:lnSpc>
+                              <a:spcPct val="107000"/>
+                            </a:lnSpc>
+                            <a:spcBef>
+                              <a:spcPts val="0"/>
+                            </a:spcBef>
+                            <a:spcAft>
+                              <a:spcPts val="0"/>
+                            </a:spcAft>
+                          </a:pPr>
+                          <a14:m>
+                            <m:oMathPara xmlns:m="http://schemas.openxmlformats.org/officeDocument/2006/math">
+                              <m:oMathParaPr>
+                                <m:jc m:val="centerGroup"/>
+                              </m:oMathParaPr>
+                              <m:oMath xmlns:m="http://schemas.openxmlformats.org/officeDocument/2006/math">
+                                <m:sSub>
+                                  <m:sSubPr>
+                                    <m:ctrlPr>
+                                      <a:rPr lang="en-US" sz="2100" i="1">
+                                        <a:effectLst/>
+                                        <a:latin typeface="Cambria Math" panose="02040503050406030204" pitchFamily="18" charset="0"/>
+                                      </a:rPr>
+                                    </m:ctrlPr>
+                                  </m:sSubPr>
+                                  <m:e>
+                                    <m:r>
+                                      <a:rPr lang="en-US" sz="2100">
+                                        <a:effectLst/>
+                                        <a:latin typeface="Cambria Math" panose="02040503050406030204" pitchFamily="18" charset="0"/>
+                                      </a:rPr>
+                                      <m:t>𝒚</m:t>
+                                    </m:r>
+                                  </m:e>
+                                  <m:sub>
+                                    <m:r>
+                                      <a:rPr lang="en-US" sz="2100">
+                                        <a:effectLst/>
+                                        <a:latin typeface="Cambria Math" panose="02040503050406030204" pitchFamily="18" charset="0"/>
+                                      </a:rPr>
+                                      <m:t>𝒌</m:t>
+                                    </m:r>
+                                    <m:r>
+                                      <a:rPr lang="en-US" sz="2100">
+                                        <a:effectLst/>
+                                        <a:latin typeface="Cambria Math" panose="02040503050406030204" pitchFamily="18" charset="0"/>
+                                      </a:rPr>
+                                      <m:t>−</m:t>
+                                    </m:r>
+                                    <m:r>
+                                      <a:rPr lang="en-US" sz="2100">
+                                        <a:effectLst/>
+                                        <a:latin typeface="Cambria Math" panose="02040503050406030204" pitchFamily="18" charset="0"/>
+                                      </a:rPr>
+                                      <m:t>𝟏</m:t>
+                                    </m:r>
+                                  </m:sub>
+                                </m:sSub>
+                                <m:r>
+                                  <a:rPr lang="en-US" sz="2100">
+                                    <a:effectLst/>
+                                    <a:latin typeface="Cambria Math" panose="02040503050406030204" pitchFamily="18" charset="0"/>
+                                  </a:rPr>
+                                  <m:t>=</m:t>
+                                </m:r>
+                                <m:sSub>
+                                  <m:sSubPr>
+                                    <m:ctrlPr>
+                                      <a:rPr lang="en-US" sz="2100" i="1">
+                                        <a:effectLst/>
+                                        <a:latin typeface="Cambria Math" panose="02040503050406030204" pitchFamily="18" charset="0"/>
+                                      </a:rPr>
+                                    </m:ctrlPr>
+                                  </m:sSubPr>
+                                  <m:e>
+                                    <m:r>
+                                      <a:rPr lang="en-US" sz="2100">
+                                        <a:effectLst/>
+                                        <a:latin typeface="Cambria Math" panose="02040503050406030204" pitchFamily="18" charset="0"/>
+                                      </a:rPr>
+                                      <m:t>𝒚</m:t>
+                                    </m:r>
+                                  </m:e>
+                                  <m:sub>
+                                    <m:r>
+                                      <a:rPr lang="en-US" sz="2100">
+                                        <a:effectLst/>
+                                        <a:latin typeface="Cambria Math" panose="02040503050406030204" pitchFamily="18" charset="0"/>
+                                      </a:rPr>
+                                      <m:t>𝒌</m:t>
+                                    </m:r>
+                                  </m:sub>
+                                </m:sSub>
+                              </m:oMath>
+                            </m:oMathPara>
+                          </a14:m>
+                          <a:endParaRPr lang="en-US" sz="2100" dirty="0">
+                            <a:effectLst/>
+                          </a:endParaRPr>
+                        </a:p>
+                        <a:p>
+                          <a:pPr marL="0" marR="0">
+                            <a:lnSpc>
+                              <a:spcPct val="107000"/>
+                            </a:lnSpc>
+                            <a:spcBef>
+                              <a:spcPts val="0"/>
+                            </a:spcBef>
+                            <a:spcAft>
+                              <a:spcPts val="0"/>
+                            </a:spcAft>
+                          </a:pPr>
+                          <a:r>
+                            <a:rPr lang="en-US" sz="2100" dirty="0">
+                              <a:effectLst/>
+                            </a:rPr>
+                            <a:t> </a:t>
+                          </a:r>
+                          <a:endParaRPr lang="en-US" sz="2100" dirty="0">
+                            <a:effectLst/>
+                            <a:latin typeface="Calibri" panose="020F0502020204030204" pitchFamily="34" charset="0"/>
+                            <a:ea typeface="Calibri" panose="020F0502020204030204" pitchFamily="34" charset="0"/>
+                            <a:cs typeface="Mangal" panose="02040503050203030202" pitchFamily="18" charset="0"/>
+                          </a:endParaRPr>
+                        </a:p>
+                      </a:txBody>
+                      <a:tcPr marL="133002" marR="133002" marT="0" marB="0"/>
+                    </a:tc>
+                    <a:extLst>
+                      <a:ext uri="{0D108BD9-81ED-4DB2-BD59-A6C34878D82A}">
+                        <a16:rowId xmlns:a16="http://schemas.microsoft.com/office/drawing/2014/main" val="757052276"/>
+                      </a:ext>
+                    </a:extLst>
+                  </a:tr>
+                </a:tbl>
+              </a:graphicData>
+            </a:graphic>
+          </p:graphicFrame>
+        </mc:Choice>
+        <mc:Fallback xmlns="">
+          <p:graphicFrame>
+            <p:nvGraphicFramePr>
+              <p:cNvPr id="13" name="Table 12">
+                <a:extLst>
+                  <a:ext uri="{FF2B5EF4-FFF2-40B4-BE49-F238E27FC236}">
+                    <a16:creationId xmlns:a16="http://schemas.microsoft.com/office/drawing/2014/main" id="{EAFE0B79-9EDF-A537-99F0-576693AC9BB3}"/>
+                  </a:ext>
+                </a:extLst>
+              </p:cNvPr>
+              <p:cNvGraphicFramePr>
+                <a:graphicFrameLocks noGrp="1"/>
+              </p:cNvGraphicFramePr>
+              <p:nvPr>
+                <p:extLst>
+                  <p:ext uri="{D42A27DB-BD31-4B8C-83A1-F6EECF244321}">
+                    <p14:modId xmlns:p14="http://schemas.microsoft.com/office/powerpoint/2010/main" val="760930837"/>
+                  </p:ext>
+                </p:extLst>
+              </p:nvPr>
+            </p:nvGraphicFramePr>
+            <p:xfrm>
+              <a:off x="1307805" y="4494714"/>
+              <a:ext cx="4759718" cy="1708697"/>
+            </p:xfrm>
+            <a:graphic>
+              <a:graphicData uri="http://schemas.openxmlformats.org/drawingml/2006/table">
+                <a:tbl>
+                  <a:tblPr firstRow="1" firstCol="1" bandRow="1">
+                    <a:tableStyleId>{5C22544A-7EE6-4342-B048-85BDC9FD1C3A}</a:tableStyleId>
+                  </a:tblPr>
+                  <a:tblGrid>
+                    <a:gridCol w="2210529">
+                      <a:extLst>
+                        <a:ext uri="{9D8B030D-6E8A-4147-A177-3AD203B41FA5}">
+                          <a16:colId xmlns:a16="http://schemas.microsoft.com/office/drawing/2014/main" val="123668961"/>
+                        </a:ext>
+                      </a:extLst>
+                    </a:gridCol>
+                    <a:gridCol w="2549189">
+                      <a:extLst>
+                        <a:ext uri="{9D8B030D-6E8A-4147-A177-3AD203B41FA5}">
+                          <a16:colId xmlns:a16="http://schemas.microsoft.com/office/drawing/2014/main" val="1925033483"/>
+                        </a:ext>
+                      </a:extLst>
+                    </a:gridCol>
+                  </a:tblGrid>
+                  <a:tr h="680401">
+                    <a:tc>
+                      <a:txBody>
+                        <a:bodyPr/>
+                        <a:lstStyle/>
+                        <a:p>
+                          <a:endParaRPr lang="en-US"/>
+                        </a:p>
+                      </a:txBody>
+                      <a:tcPr marL="133002" marR="133002" marT="0" marB="0">
+                        <a:blipFill>
+                          <a:blip r:embed="rId4"/>
+                          <a:stretch>
+                            <a:fillRect l="-275" t="-893" r="-116529" b="-152679"/>
+                          </a:stretch>
+                        </a:blipFill>
+                      </a:tcPr>
+                    </a:tc>
+                    <a:tc>
+                      <a:txBody>
+                        <a:bodyPr/>
+                        <a:lstStyle/>
+                        <a:p>
+                          <a:endParaRPr lang="en-US"/>
+                        </a:p>
+                      </a:txBody>
+                      <a:tcPr marL="133002" marR="133002" marT="0" marB="0">
+                        <a:blipFill>
+                          <a:blip r:embed="rId4"/>
+                          <a:stretch>
+                            <a:fillRect l="-86874" t="-893" r="-955" b="-152679"/>
+                          </a:stretch>
+                        </a:blipFill>
+                      </a:tcPr>
+                    </a:tc>
+                    <a:extLst>
+                      <a:ext uri="{0D108BD9-81ED-4DB2-BD59-A6C34878D82A}">
+                        <a16:rowId xmlns:a16="http://schemas.microsoft.com/office/drawing/2014/main" val="42659518"/>
+                      </a:ext>
+                    </a:extLst>
+                  </a:tr>
+                  <a:tr h="1028296">
+                    <a:tc>
+                      <a:txBody>
+                        <a:bodyPr/>
+                        <a:lstStyle/>
+                        <a:p>
+                          <a:endParaRPr lang="en-US"/>
+                        </a:p>
+                      </a:txBody>
+                      <a:tcPr marL="133002" marR="133002" marT="0" marB="0">
+                        <a:blipFill>
+                          <a:blip r:embed="rId4"/>
+                          <a:stretch>
+                            <a:fillRect l="-275" t="-66864" r="-116529" b="-1183"/>
+                          </a:stretch>
+                        </a:blipFill>
+                      </a:tcPr>
+                    </a:tc>
+                    <a:tc>
+                      <a:txBody>
+                        <a:bodyPr/>
+                        <a:lstStyle/>
+                        <a:p>
+                          <a:endParaRPr lang="en-US"/>
+                        </a:p>
+                      </a:txBody>
+                      <a:tcPr marL="133002" marR="133002" marT="0" marB="0">
+                        <a:blipFill>
+                          <a:blip r:embed="rId4"/>
+                          <a:stretch>
+                            <a:fillRect l="-86874" t="-66864" r="-955" b="-1183"/>
+                          </a:stretch>
+                        </a:blipFill>
+                      </a:tcPr>
+                    </a:tc>
+                    <a:extLst>
+                      <a:ext uri="{0D108BD9-81ED-4DB2-BD59-A6C34878D82A}">
+                        <a16:rowId xmlns:a16="http://schemas.microsoft.com/office/drawing/2014/main" val="757052276"/>
+                      </a:ext>
+                    </a:extLst>
+                  </a:tr>
+                </a:tbl>
+              </a:graphicData>
+            </a:graphic>
+          </p:graphicFrame>
+        </mc:Fallback>
+      </mc:AlternateContent>
+      <mc:AlternateContent xmlns:mc="http://schemas.openxmlformats.org/markup-compatibility/2006" xmlns:a14="http://schemas.microsoft.com/office/drawing/2010/main">
+        <mc:Choice Requires="a14">
+          <p:sp>
+            <p:nvSpPr>
+              <p:cNvPr id="16" name="Text Box 5">
+                <a:extLst>
+                  <a:ext uri="{FF2B5EF4-FFF2-40B4-BE49-F238E27FC236}">
+                    <a16:creationId xmlns:a16="http://schemas.microsoft.com/office/drawing/2014/main" id="{629E726B-A0F2-026B-3DB2-6408A2A4AD37}"/>
+                  </a:ext>
+                </a:extLst>
+              </p:cNvPr>
+              <p:cNvSpPr txBox="1"/>
+              <p:nvPr/>
+            </p:nvSpPr>
+            <p:spPr>
+              <a:xfrm>
+                <a:off x="6607629" y="5784293"/>
+                <a:ext cx="3934506" cy="467004"/>
+              </a:xfrm>
+              <a:prstGeom prst="rect">
+                <a:avLst/>
+              </a:prstGeom>
+              <a:solidFill>
+                <a:schemeClr val="lt1"/>
+              </a:solidFill>
+              <a:ln w="6350">
+                <a:solidFill>
+                  <a:prstClr val="black"/>
+                </a:solidFill>
+              </a:ln>
+              <a:effectLst/>
+            </p:spPr>
+            <p:style>
+              <a:lnRef idx="0">
+                <a:schemeClr val="accent1"/>
+              </a:lnRef>
+              <a:fillRef idx="0">
+                <a:schemeClr val="accent1"/>
+              </a:fillRef>
+              <a:effectRef idx="0">
+                <a:schemeClr val="accent1"/>
+              </a:effectRef>
+              <a:fontRef idx="minor">
+                <a:schemeClr val="dk1"/>
+              </a:fontRef>
+            </p:style>
+            <p:txBody>
+              <a:bodyPr rot="0" spcFirstLastPara="0" vert="horz" wrap="square" lIns="91440" tIns="45720" rIns="91440" bIns="45720" numCol="1" spcCol="0" rtlCol="0" fromWordArt="0" anchor="t" anchorCtr="0" forceAA="0" compatLnSpc="1">
+                <a:prstTxWarp prst="textNoShape">
+                  <a:avLst/>
+                </a:prstTxWarp>
+                <a:noAutofit/>
+              </a:bodyPr>
+              <a:lstStyle/>
+              <a:p>
+                <a:pPr marL="0" marR="0">
+                  <a:lnSpc>
+                    <a:spcPct val="107000"/>
+                  </a:lnSpc>
+                  <a:spcBef>
+                    <a:spcPts val="0"/>
+                  </a:spcBef>
+                  <a:spcAft>
+                    <a:spcPts val="800"/>
+                  </a:spcAft>
+                </a:pPr>
+                <a14:m>
+                  <m:oMath xmlns:m="http://schemas.openxmlformats.org/officeDocument/2006/math">
+                    <m:sSub>
+                      <m:sSubPr>
+                        <m:ctrlPr>
+                          <a:rPr lang="en-US" sz="1600" b="1" i="1">
+                            <a:effectLst/>
+                            <a:latin typeface="Cambria Math" panose="02040503050406030204" pitchFamily="18" charset="0"/>
+                            <a:ea typeface="Times New Roman" panose="02020603050405020304" pitchFamily="18" charset="0"/>
+                            <a:cs typeface="Mangal" panose="02040503050203030202" pitchFamily="18" charset="0"/>
+                          </a:rPr>
+                        </m:ctrlPr>
+                      </m:sSubPr>
+                      <m:e>
+                        <m:r>
+                          <a:rPr lang="en-US" sz="1600" b="1" i="1">
+                            <a:effectLst/>
+                            <a:latin typeface="Cambria Math" panose="02040503050406030204" pitchFamily="18" charset="0"/>
+                            <a:ea typeface="Times New Roman" panose="02020603050405020304" pitchFamily="18" charset="0"/>
+                            <a:cs typeface="Mangal" panose="02040503050203030202" pitchFamily="18" charset="0"/>
+                          </a:rPr>
+                          <m:t> </m:t>
+                        </m:r>
+                        <m:r>
+                          <a:rPr lang="en-US" sz="1600" b="1" i="1">
+                            <a:effectLst/>
+                            <a:latin typeface="Cambria Math" panose="02040503050406030204" pitchFamily="18" charset="0"/>
+                            <a:ea typeface="Times New Roman" panose="02020603050405020304" pitchFamily="18" charset="0"/>
+                            <a:cs typeface="Mangal" panose="02040503050203030202" pitchFamily="18" charset="0"/>
+                          </a:rPr>
+                          <m:t>𝒑</m:t>
+                        </m:r>
+                      </m:e>
+                      <m:sub>
+                        <m:r>
+                          <a:rPr lang="en-US" sz="1600" b="1" i="1">
+                            <a:effectLst/>
+                            <a:latin typeface="Cambria Math" panose="02040503050406030204" pitchFamily="18" charset="0"/>
+                            <a:ea typeface="Times New Roman" panose="02020603050405020304" pitchFamily="18" charset="0"/>
+                            <a:cs typeface="Mangal" panose="02040503050203030202" pitchFamily="18" charset="0"/>
+                          </a:rPr>
+                          <m:t>𝒌</m:t>
+                        </m:r>
+                        <m:r>
+                          <a:rPr lang="en-US" sz="1600" b="1" i="1">
+                            <a:effectLst/>
+                            <a:latin typeface="Cambria Math" panose="02040503050406030204" pitchFamily="18" charset="0"/>
+                            <a:ea typeface="Times New Roman" panose="02020603050405020304" pitchFamily="18" charset="0"/>
+                            <a:cs typeface="Mangal" panose="02040503050203030202" pitchFamily="18" charset="0"/>
+                          </a:rPr>
+                          <m:t>+</m:t>
+                        </m:r>
+                        <m:r>
+                          <a:rPr lang="en-US" sz="1600" b="1" i="1">
+                            <a:effectLst/>
+                            <a:latin typeface="Cambria Math" panose="02040503050406030204" pitchFamily="18" charset="0"/>
+                            <a:ea typeface="Times New Roman" panose="02020603050405020304" pitchFamily="18" charset="0"/>
+                            <a:cs typeface="Mangal" panose="02040503050203030202" pitchFamily="18" charset="0"/>
+                          </a:rPr>
+                          <m:t>𝟏</m:t>
+                        </m:r>
+                      </m:sub>
+                    </m:sSub>
+                    <m:r>
+                      <a:rPr lang="en-US" sz="1600" b="1" i="1">
+                        <a:effectLst/>
+                        <a:latin typeface="Cambria Math" panose="02040503050406030204" pitchFamily="18" charset="0"/>
+                        <a:ea typeface="Times New Roman" panose="02020603050405020304" pitchFamily="18" charset="0"/>
+                        <a:cs typeface="Mangal" panose="02040503050203030202" pitchFamily="18" charset="0"/>
+                      </a:rPr>
+                      <m:t>=</m:t>
+                    </m:r>
+                    <m:sSub>
+                      <m:sSubPr>
+                        <m:ctrlPr>
+                          <a:rPr lang="en-US" sz="1600" b="1" i="1">
+                            <a:effectLst/>
+                            <a:latin typeface="Cambria Math" panose="02040503050406030204" pitchFamily="18" charset="0"/>
+                            <a:ea typeface="Times New Roman" panose="02020603050405020304" pitchFamily="18" charset="0"/>
+                            <a:cs typeface="Mangal" panose="02040503050203030202" pitchFamily="18" charset="0"/>
+                          </a:rPr>
+                        </m:ctrlPr>
+                      </m:sSubPr>
+                      <m:e>
+                        <m:r>
+                          <a:rPr lang="en-US" sz="1600" b="1" i="1">
+                            <a:effectLst/>
+                            <a:latin typeface="Cambria Math" panose="02040503050406030204" pitchFamily="18" charset="0"/>
+                            <a:ea typeface="Times New Roman" panose="02020603050405020304" pitchFamily="18" charset="0"/>
+                            <a:cs typeface="Mangal" panose="02040503050203030202" pitchFamily="18" charset="0"/>
+                          </a:rPr>
+                          <m:t> </m:t>
+                        </m:r>
+                        <m:r>
+                          <a:rPr lang="en-US" sz="1600" b="1" i="1">
+                            <a:effectLst/>
+                            <a:latin typeface="Cambria Math" panose="02040503050406030204" pitchFamily="18" charset="0"/>
+                            <a:ea typeface="Times New Roman" panose="02020603050405020304" pitchFamily="18" charset="0"/>
+                            <a:cs typeface="Mangal" panose="02040503050203030202" pitchFamily="18" charset="0"/>
+                          </a:rPr>
+                          <m:t>𝒑</m:t>
+                        </m:r>
+                      </m:e>
+                      <m:sub>
+                        <m:r>
+                          <a:rPr lang="en-US" sz="1600" b="1" i="1">
+                            <a:effectLst/>
+                            <a:latin typeface="Cambria Math" panose="02040503050406030204" pitchFamily="18" charset="0"/>
+                            <a:ea typeface="Times New Roman" panose="02020603050405020304" pitchFamily="18" charset="0"/>
+                            <a:cs typeface="Mangal" panose="02040503050203030202" pitchFamily="18" charset="0"/>
+                          </a:rPr>
+                          <m:t>𝒌</m:t>
+                        </m:r>
+                      </m:sub>
+                    </m:sSub>
+                    <m:r>
+                      <a:rPr lang="en-US" sz="1600" b="1" i="1">
+                        <a:effectLst/>
+                        <a:latin typeface="Cambria Math" panose="02040503050406030204" pitchFamily="18" charset="0"/>
+                        <a:ea typeface="Times New Roman" panose="02020603050405020304" pitchFamily="18" charset="0"/>
+                        <a:cs typeface="Mangal" panose="02040503050203030202" pitchFamily="18" charset="0"/>
+                      </a:rPr>
+                      <m:t>+</m:t>
+                    </m:r>
+                    <m:r>
+                      <a:rPr lang="en-US" sz="1600" b="1" i="1">
+                        <a:effectLst/>
+                        <a:latin typeface="Cambria Math" panose="02040503050406030204" pitchFamily="18" charset="0"/>
+                        <a:ea typeface="Times New Roman" panose="02020603050405020304" pitchFamily="18" charset="0"/>
+                        <a:cs typeface="Mangal" panose="02040503050203030202" pitchFamily="18" charset="0"/>
+                      </a:rPr>
+                      <m:t>𝟒</m:t>
+                    </m:r>
+                    <m:sSub>
+                      <m:sSubPr>
+                        <m:ctrlPr>
+                          <a:rPr lang="en-US" sz="1600" b="1" i="1">
+                            <a:effectLst/>
+                            <a:latin typeface="Cambria Math" panose="02040503050406030204" pitchFamily="18" charset="0"/>
+                            <a:ea typeface="Calibri" panose="020F0502020204030204" pitchFamily="34" charset="0"/>
+                            <a:cs typeface="Mangal" panose="02040503050203030202" pitchFamily="18" charset="0"/>
+                          </a:rPr>
+                        </m:ctrlPr>
+                      </m:sSubPr>
+                      <m:e>
+                        <m:r>
+                          <a:rPr lang="en-US" sz="1600" b="1" i="1">
+                            <a:effectLst/>
+                            <a:latin typeface="Cambria Math" panose="02040503050406030204" pitchFamily="18" charset="0"/>
+                            <a:ea typeface="Calibri" panose="020F0502020204030204" pitchFamily="34" charset="0"/>
+                            <a:cs typeface="Mangal" panose="02040503050203030202" pitchFamily="18" charset="0"/>
+                          </a:rPr>
+                          <m:t>(</m:t>
+                        </m:r>
+                        <m:r>
+                          <a:rPr lang="en-US" sz="1600" b="1" i="1">
+                            <a:effectLst/>
+                            <a:latin typeface="Cambria Math" panose="02040503050406030204" pitchFamily="18" charset="0"/>
+                            <a:ea typeface="Calibri" panose="020F0502020204030204" pitchFamily="34" charset="0"/>
+                            <a:cs typeface="Mangal" panose="02040503050203030202" pitchFamily="18" charset="0"/>
+                          </a:rPr>
+                          <m:t>𝒙</m:t>
+                        </m:r>
+                      </m:e>
+                      <m:sub>
+                        <m:r>
+                          <a:rPr lang="en-US" sz="1600" b="1" i="1">
+                            <a:effectLst/>
+                            <a:latin typeface="Cambria Math" panose="02040503050406030204" pitchFamily="18" charset="0"/>
+                            <a:ea typeface="Calibri" panose="020F0502020204030204" pitchFamily="34" charset="0"/>
+                            <a:cs typeface="Mangal" panose="02040503050203030202" pitchFamily="18" charset="0"/>
+                          </a:rPr>
+                          <m:t>𝒌</m:t>
+                        </m:r>
+                      </m:sub>
+                    </m:sSub>
+                    <m:r>
+                      <a:rPr lang="en-US" sz="1600" b="1" i="1">
+                        <a:effectLst/>
+                        <a:latin typeface="Cambria Math" panose="02040503050406030204" pitchFamily="18" charset="0"/>
+                        <a:ea typeface="Calibri" panose="020F0502020204030204" pitchFamily="34" charset="0"/>
+                        <a:cs typeface="Mangal" panose="02040503050203030202" pitchFamily="18" charset="0"/>
+                      </a:rPr>
+                      <m:t>−</m:t>
+                    </m:r>
+                    <m:sSub>
+                      <m:sSubPr>
+                        <m:ctrlPr>
+                          <a:rPr lang="en-US" sz="1600" b="1" i="1">
+                            <a:effectLst/>
+                            <a:latin typeface="Cambria Math" panose="02040503050406030204" pitchFamily="18" charset="0"/>
+                            <a:ea typeface="Calibri" panose="020F0502020204030204" pitchFamily="34" charset="0"/>
+                            <a:cs typeface="Mangal" panose="02040503050203030202" pitchFamily="18" charset="0"/>
+                          </a:rPr>
+                        </m:ctrlPr>
+                      </m:sSubPr>
+                      <m:e>
+                        <m:r>
+                          <a:rPr lang="en-US" sz="1600" b="1" i="1">
+                            <a:effectLst/>
+                            <a:latin typeface="Cambria Math" panose="02040503050406030204" pitchFamily="18" charset="0"/>
+                            <a:ea typeface="Calibri" panose="020F0502020204030204" pitchFamily="34" charset="0"/>
+                            <a:cs typeface="Mangal" panose="02040503050203030202" pitchFamily="18" charset="0"/>
+                          </a:rPr>
+                          <m:t>𝒚</m:t>
+                        </m:r>
+                      </m:e>
+                      <m:sub>
+                        <m:r>
+                          <a:rPr lang="en-US" sz="1600" b="1" i="1">
+                            <a:effectLst/>
+                            <a:latin typeface="Cambria Math" panose="02040503050406030204" pitchFamily="18" charset="0"/>
+                            <a:ea typeface="Calibri" panose="020F0502020204030204" pitchFamily="34" charset="0"/>
+                            <a:cs typeface="Mangal" panose="02040503050203030202" pitchFamily="18" charset="0"/>
+                          </a:rPr>
+                          <m:t>𝒌</m:t>
+                        </m:r>
+                      </m:sub>
+                    </m:sSub>
+                    <m:r>
+                      <a:rPr lang="en-US" sz="1600" b="1" i="1">
+                        <a:effectLst/>
+                        <a:latin typeface="Cambria Math" panose="02040503050406030204" pitchFamily="18" charset="0"/>
+                        <a:ea typeface="Calibri" panose="020F0502020204030204" pitchFamily="34" charset="0"/>
+                        <a:cs typeface="Mangal" panose="02040503050203030202" pitchFamily="18" charset="0"/>
+                      </a:rPr>
+                      <m:t>)</m:t>
+                    </m:r>
+                    <m:r>
+                      <a:rPr lang="en-US" sz="1600" b="1" i="1">
+                        <a:effectLst/>
+                        <a:latin typeface="Cambria Math" panose="02040503050406030204" pitchFamily="18" charset="0"/>
+                        <a:ea typeface="Times New Roman" panose="02020603050405020304" pitchFamily="18" charset="0"/>
+                        <a:cs typeface="Mangal" panose="02040503050203030202" pitchFamily="18" charset="0"/>
+                      </a:rPr>
+                      <m:t>+</m:t>
+                    </m:r>
+                    <m:r>
+                      <a:rPr lang="en-US" sz="1600" b="1" i="1">
+                        <a:effectLst/>
+                        <a:latin typeface="Cambria Math" panose="02040503050406030204" pitchFamily="18" charset="0"/>
+                        <a:ea typeface="Times New Roman" panose="02020603050405020304" pitchFamily="18" charset="0"/>
+                        <a:cs typeface="Mangal" panose="02040503050203030202" pitchFamily="18" charset="0"/>
+                      </a:rPr>
+                      <m:t>𝟏𝟎</m:t>
+                    </m:r>
+                    <m:r>
+                      <a:rPr lang="en-US" sz="1600" b="1" i="1">
+                        <a:effectLst/>
+                        <a:latin typeface="Cambria Math" panose="02040503050406030204" pitchFamily="18" charset="0"/>
+                        <a:ea typeface="Times New Roman" panose="02020603050405020304" pitchFamily="18" charset="0"/>
+                        <a:cs typeface="Mangal" panose="02040503050203030202" pitchFamily="18" charset="0"/>
+                      </a:rPr>
+                      <m:t> </m:t>
+                    </m:r>
+                    <m:r>
+                      <a:rPr lang="en-US" sz="1600" b="1" i="1">
+                        <a:effectLst/>
+                        <a:latin typeface="Cambria Math" panose="02040503050406030204" pitchFamily="18" charset="0"/>
+                        <a:ea typeface="Times New Roman" panose="02020603050405020304" pitchFamily="18" charset="0"/>
+                        <a:cs typeface="Mangal" panose="02040503050203030202" pitchFamily="18" charset="0"/>
+                      </a:rPr>
+                      <m:t>𝒘𝒉𝒆𝒏</m:t>
+                    </m:r>
+                    <m:r>
+                      <a:rPr lang="en-US" sz="1600" b="1" i="1">
+                        <a:effectLst/>
+                        <a:latin typeface="Cambria Math" panose="02040503050406030204" pitchFamily="18" charset="0"/>
+                        <a:ea typeface="Times New Roman" panose="02020603050405020304" pitchFamily="18" charset="0"/>
+                        <a:cs typeface="Mangal" panose="02040503050203030202" pitchFamily="18" charset="0"/>
+                      </a:rPr>
+                      <m:t> </m:t>
+                    </m:r>
+                    <m:sSub>
+                      <m:sSubPr>
+                        <m:ctrlPr>
+                          <a:rPr lang="en-US" sz="1600" b="1" i="1">
+                            <a:solidFill>
+                              <a:srgbClr val="222222"/>
+                            </a:solidFill>
+                            <a:effectLst/>
+                            <a:latin typeface="Cambria Math" panose="02040503050406030204" pitchFamily="18" charset="0"/>
+                            <a:ea typeface="Times New Roman" panose="02020603050405020304" pitchFamily="18" charset="0"/>
+                            <a:cs typeface="Helvetica" panose="020B0604020202020204" pitchFamily="34" charset="0"/>
+                          </a:rPr>
+                        </m:ctrlPr>
+                      </m:sSubPr>
+                      <m:e>
+                        <m:r>
+                          <a:rPr lang="en-US" sz="1600" b="1" i="1">
+                            <a:solidFill>
+                              <a:srgbClr val="222222"/>
+                            </a:solidFill>
+                            <a:effectLst/>
+                            <a:latin typeface="Cambria Math" panose="02040503050406030204" pitchFamily="18" charset="0"/>
+                            <a:ea typeface="Times New Roman" panose="02020603050405020304" pitchFamily="18" charset="0"/>
+                            <a:cs typeface="Helvetica" panose="020B0604020202020204" pitchFamily="34" charset="0"/>
+                          </a:rPr>
+                          <m:t>𝒑</m:t>
+                        </m:r>
+                      </m:e>
+                      <m:sub>
+                        <m:r>
+                          <a:rPr lang="en-US" sz="1600" b="1" i="1">
+                            <a:solidFill>
+                              <a:srgbClr val="222222"/>
+                            </a:solidFill>
+                            <a:effectLst/>
+                            <a:latin typeface="Cambria Math" panose="02040503050406030204" pitchFamily="18" charset="0"/>
+                            <a:ea typeface="Times New Roman" panose="02020603050405020304" pitchFamily="18" charset="0"/>
+                            <a:cs typeface="Helvetica" panose="020B0604020202020204" pitchFamily="34" charset="0"/>
+                          </a:rPr>
+                          <m:t>𝒌</m:t>
+                        </m:r>
+                      </m:sub>
+                    </m:sSub>
+                    <m:r>
+                      <a:rPr lang="en-US" sz="1600" b="1" i="1">
+                        <a:solidFill>
+                          <a:srgbClr val="222222"/>
+                        </a:solidFill>
+                        <a:effectLst/>
+                        <a:latin typeface="Cambria Math" panose="02040503050406030204" pitchFamily="18" charset="0"/>
+                        <a:ea typeface="Times New Roman" panose="02020603050405020304" pitchFamily="18" charset="0"/>
+                        <a:cs typeface="Helvetica" panose="020B0604020202020204" pitchFamily="34" charset="0"/>
+                      </a:rPr>
+                      <m:t>≥</m:t>
+                    </m:r>
+                    <m:r>
+                      <a:rPr lang="en-US" sz="1600" b="1" i="1">
+                        <a:solidFill>
+                          <a:srgbClr val="222222"/>
+                        </a:solidFill>
+                        <a:effectLst/>
+                        <a:latin typeface="Cambria Math" panose="02040503050406030204" pitchFamily="18" charset="0"/>
+                        <a:ea typeface="Times New Roman" panose="02020603050405020304" pitchFamily="18" charset="0"/>
+                        <a:cs typeface="Helvetica" panose="020B0604020202020204" pitchFamily="34" charset="0"/>
+                      </a:rPr>
+                      <m:t>𝟎</m:t>
+                    </m:r>
+                  </m:oMath>
+                </a14:m>
+                <a:r>
+                  <a:rPr lang="en-US" sz="1600" b="1" dirty="0">
+                    <a:effectLst/>
+                    <a:latin typeface="Helvetica" panose="020B0604020202020204" pitchFamily="34" charset="0"/>
+                    <a:ea typeface="Times New Roman" panose="02020603050405020304" pitchFamily="18" charset="0"/>
+                    <a:cs typeface="Mangal" panose="02040503050203030202" pitchFamily="18" charset="0"/>
+                  </a:rPr>
+                  <a:t> </a:t>
+                </a:r>
+                <a:endParaRPr lang="en-US" sz="1600" b="1" dirty="0">
+                  <a:effectLst/>
+                  <a:ea typeface="Calibri" panose="020F0502020204030204" pitchFamily="34" charset="0"/>
+                  <a:cs typeface="Mangal" panose="02040503050203030202" pitchFamily="18" charset="0"/>
+                </a:endParaRPr>
+              </a:p>
+              <a:p>
+                <a:pPr marL="0" marR="0">
+                  <a:lnSpc>
+                    <a:spcPct val="107000"/>
+                  </a:lnSpc>
+                  <a:spcBef>
+                    <a:spcPts val="0"/>
+                  </a:spcBef>
+                  <a:spcAft>
+                    <a:spcPts val="800"/>
+                  </a:spcAft>
+                </a:pPr>
+                <a:r>
+                  <a:rPr lang="en-US" sz="1600" b="1" dirty="0">
+                    <a:effectLst/>
+                    <a:ea typeface="Calibri" panose="020F0502020204030204" pitchFamily="34" charset="0"/>
+                    <a:cs typeface="Mangal" panose="02040503050203030202" pitchFamily="18" charset="0"/>
+                  </a:rPr>
+                  <a:t> </a:t>
+                </a:r>
+              </a:p>
+            </p:txBody>
+          </p:sp>
+        </mc:Choice>
+        <mc:Fallback xmlns="">
+          <p:sp>
+            <p:nvSpPr>
+              <p:cNvPr id="16" name="Text Box 5">
+                <a:extLst>
+                  <a:ext uri="{FF2B5EF4-FFF2-40B4-BE49-F238E27FC236}">
+                    <a16:creationId xmlns:a16="http://schemas.microsoft.com/office/drawing/2014/main" id="{629E726B-A0F2-026B-3DB2-6408A2A4AD37}"/>
+                  </a:ext>
+                </a:extLst>
+              </p:cNvPr>
+              <p:cNvSpPr txBox="1">
+                <a:spLocks noRot="1" noChangeAspect="1" noMove="1" noResize="1" noEditPoints="1" noAdjustHandles="1" noChangeArrowheads="1" noChangeShapeType="1" noTextEdit="1"/>
+              </p:cNvSpPr>
+              <p:nvPr/>
+            </p:nvSpPr>
+            <p:spPr>
+              <a:xfrm>
+                <a:off x="6607629" y="5784293"/>
+                <a:ext cx="3934506" cy="467004"/>
+              </a:xfrm>
+              <a:prstGeom prst="rect">
+                <a:avLst/>
+              </a:prstGeom>
+              <a:blipFill>
+                <a:blip r:embed="rId5"/>
+                <a:stretch>
+                  <a:fillRect/>
+                </a:stretch>
+              </a:blipFill>
+              <a:ln w="6350">
+                <a:solidFill>
+                  <a:prstClr val="black"/>
+                </a:solidFill>
+              </a:ln>
+              <a:effectLst/>
+            </p:spPr>
+            <p:txBody>
+              <a:bodyPr/>
+              <a:lstStyle/>
+              <a:p>
+                <a:r>
+                  <a:rPr lang="en-US">
+                    <a:noFill/>
+                  </a:rPr>
+                  <a:t> </a:t>
+                </a:r>
+              </a:p>
+            </p:txBody>
+          </p:sp>
+        </mc:Fallback>
+      </mc:AlternateContent>
+      <mc:AlternateContent xmlns:mc="http://schemas.openxmlformats.org/markup-compatibility/2006" xmlns:a14="http://schemas.microsoft.com/office/drawing/2010/main">
+        <mc:Choice Requires="a14">
+          <p:sp>
+            <p:nvSpPr>
+              <p:cNvPr id="17" name="Text Box 6">
+                <a:extLst>
+                  <a:ext uri="{FF2B5EF4-FFF2-40B4-BE49-F238E27FC236}">
+                    <a16:creationId xmlns:a16="http://schemas.microsoft.com/office/drawing/2014/main" id="{F11EC838-839D-F7D0-BA39-BC20B812DC85}"/>
+                  </a:ext>
+                </a:extLst>
+              </p:cNvPr>
+              <p:cNvSpPr txBox="1"/>
+              <p:nvPr/>
+            </p:nvSpPr>
+            <p:spPr>
+              <a:xfrm>
+                <a:off x="6648931" y="5120464"/>
+                <a:ext cx="3851902" cy="457199"/>
+              </a:xfrm>
+              <a:prstGeom prst="rect">
+                <a:avLst/>
+              </a:prstGeom>
+              <a:solidFill>
+                <a:schemeClr val="lt1"/>
+              </a:solidFill>
+              <a:ln w="6350">
+                <a:solidFill>
+                  <a:prstClr val="black"/>
+                </a:solidFill>
+              </a:ln>
+              <a:effectLst/>
+            </p:spPr>
+            <p:style>
+              <a:lnRef idx="0">
+                <a:schemeClr val="accent1"/>
+              </a:lnRef>
+              <a:fillRef idx="0">
+                <a:schemeClr val="accent1"/>
+              </a:fillRef>
+              <a:effectRef idx="0">
+                <a:schemeClr val="accent1"/>
+              </a:effectRef>
+              <a:fontRef idx="minor">
+                <a:schemeClr val="dk1"/>
+              </a:fontRef>
+            </p:style>
+            <p:txBody>
+              <a:bodyPr rot="0" spcFirstLastPara="0" vert="horz" wrap="square" lIns="91440" tIns="45720" rIns="91440" bIns="45720" numCol="1" spcCol="0" rtlCol="0" fromWordArt="0" anchor="t" anchorCtr="0" forceAA="0" compatLnSpc="1">
+                <a:prstTxWarp prst="textNoShape">
+                  <a:avLst/>
+                </a:prstTxWarp>
+                <a:noAutofit/>
+              </a:bodyPr>
+              <a:lstStyle/>
+              <a:p>
+                <a:pPr marL="0" marR="0">
+                  <a:lnSpc>
+                    <a:spcPct val="107000"/>
+                  </a:lnSpc>
+                  <a:spcBef>
+                    <a:spcPts val="0"/>
+                  </a:spcBef>
+                  <a:spcAft>
+                    <a:spcPts val="800"/>
+                  </a:spcAft>
+                </a:pPr>
+                <a14:m>
+                  <m:oMathPara xmlns:m="http://schemas.openxmlformats.org/officeDocument/2006/math">
+                    <m:oMathParaPr>
+                      <m:jc m:val="centerGroup"/>
+                    </m:oMathParaPr>
+                    <m:oMath xmlns:m="http://schemas.openxmlformats.org/officeDocument/2006/math">
+                      <m:sSub>
+                        <m:sSubPr>
+                          <m:ctrlPr>
+                            <a:rPr lang="en-US" b="1" i="1">
+                              <a:effectLst/>
+                              <a:latin typeface="Cambria Math" panose="02040503050406030204" pitchFamily="18" charset="0"/>
+                              <a:ea typeface="Times New Roman" panose="02020603050405020304" pitchFamily="18" charset="0"/>
+                              <a:cs typeface="Mangal" panose="02040503050203030202" pitchFamily="18" charset="0"/>
+                            </a:rPr>
+                          </m:ctrlPr>
+                        </m:sSubPr>
+                        <m:e>
+                          <m:r>
+                            <a:rPr lang="en-US" b="1" i="1">
+                              <a:effectLst/>
+                              <a:latin typeface="Cambria Math" panose="02040503050406030204" pitchFamily="18" charset="0"/>
+                              <a:ea typeface="Times New Roman" panose="02020603050405020304" pitchFamily="18" charset="0"/>
+                              <a:cs typeface="Mangal" panose="02040503050203030202" pitchFamily="18" charset="0"/>
+                            </a:rPr>
+                            <m:t> </m:t>
+                          </m:r>
+                          <m:r>
+                            <a:rPr lang="en-US" b="1" i="1">
+                              <a:effectLst/>
+                              <a:latin typeface="Cambria Math" panose="02040503050406030204" pitchFamily="18" charset="0"/>
+                              <a:ea typeface="Times New Roman" panose="02020603050405020304" pitchFamily="18" charset="0"/>
+                              <a:cs typeface="Mangal" panose="02040503050203030202" pitchFamily="18" charset="0"/>
+                            </a:rPr>
+                            <m:t>𝒑</m:t>
+                          </m:r>
+                        </m:e>
+                        <m:sub>
+                          <m:r>
+                            <a:rPr lang="en-US" b="1" i="1">
+                              <a:effectLst/>
+                              <a:latin typeface="Cambria Math" panose="02040503050406030204" pitchFamily="18" charset="0"/>
+                              <a:ea typeface="Times New Roman" panose="02020603050405020304" pitchFamily="18" charset="0"/>
+                              <a:cs typeface="Mangal" panose="02040503050203030202" pitchFamily="18" charset="0"/>
+                            </a:rPr>
+                            <m:t>𝒌</m:t>
+                          </m:r>
+                          <m:r>
+                            <a:rPr lang="en-US" b="1" i="1">
+                              <a:effectLst/>
+                              <a:latin typeface="Cambria Math" panose="02040503050406030204" pitchFamily="18" charset="0"/>
+                              <a:ea typeface="Times New Roman" panose="02020603050405020304" pitchFamily="18" charset="0"/>
+                              <a:cs typeface="Mangal" panose="02040503050203030202" pitchFamily="18" charset="0"/>
+                            </a:rPr>
+                            <m:t>+</m:t>
+                          </m:r>
+                          <m:r>
+                            <a:rPr lang="en-US" b="1" i="1">
+                              <a:effectLst/>
+                              <a:latin typeface="Cambria Math" panose="02040503050406030204" pitchFamily="18" charset="0"/>
+                              <a:ea typeface="Times New Roman" panose="02020603050405020304" pitchFamily="18" charset="0"/>
+                              <a:cs typeface="Mangal" panose="02040503050203030202" pitchFamily="18" charset="0"/>
+                            </a:rPr>
+                            <m:t>𝟏</m:t>
+                          </m:r>
+                        </m:sub>
+                      </m:sSub>
+                      <m:r>
+                        <a:rPr lang="en-US" b="1" i="1">
+                          <a:effectLst/>
+                          <a:latin typeface="Cambria Math" panose="02040503050406030204" pitchFamily="18" charset="0"/>
+                          <a:ea typeface="Times New Roman" panose="02020603050405020304" pitchFamily="18" charset="0"/>
+                          <a:cs typeface="Mangal" panose="02040503050203030202" pitchFamily="18" charset="0"/>
+                        </a:rPr>
+                        <m:t>=</m:t>
+                      </m:r>
+                      <m:sSub>
+                        <m:sSubPr>
+                          <m:ctrlPr>
+                            <a:rPr lang="en-US" b="1" i="1">
+                              <a:effectLst/>
+                              <a:latin typeface="Cambria Math" panose="02040503050406030204" pitchFamily="18" charset="0"/>
+                              <a:ea typeface="Times New Roman" panose="02020603050405020304" pitchFamily="18" charset="0"/>
+                              <a:cs typeface="Mangal" panose="02040503050203030202" pitchFamily="18" charset="0"/>
+                            </a:rPr>
+                          </m:ctrlPr>
+                        </m:sSubPr>
+                        <m:e>
+                          <m:r>
+                            <a:rPr lang="en-US" b="1" i="1">
+                              <a:effectLst/>
+                              <a:latin typeface="Cambria Math" panose="02040503050406030204" pitchFamily="18" charset="0"/>
+                              <a:ea typeface="Times New Roman" panose="02020603050405020304" pitchFamily="18" charset="0"/>
+                              <a:cs typeface="Mangal" panose="02040503050203030202" pitchFamily="18" charset="0"/>
+                            </a:rPr>
+                            <m:t> </m:t>
+                          </m:r>
+                          <m:r>
+                            <a:rPr lang="en-US" b="1" i="1">
+                              <a:effectLst/>
+                              <a:latin typeface="Cambria Math" panose="02040503050406030204" pitchFamily="18" charset="0"/>
+                              <a:ea typeface="Times New Roman" panose="02020603050405020304" pitchFamily="18" charset="0"/>
+                              <a:cs typeface="Mangal" panose="02040503050203030202" pitchFamily="18" charset="0"/>
+                            </a:rPr>
+                            <m:t>𝒑</m:t>
+                          </m:r>
+                        </m:e>
+                        <m:sub>
+                          <m:r>
+                            <a:rPr lang="en-US" b="1" i="1">
+                              <a:effectLst/>
+                              <a:latin typeface="Cambria Math" panose="02040503050406030204" pitchFamily="18" charset="0"/>
+                              <a:ea typeface="Times New Roman" panose="02020603050405020304" pitchFamily="18" charset="0"/>
+                              <a:cs typeface="Mangal" panose="02040503050203030202" pitchFamily="18" charset="0"/>
+                            </a:rPr>
+                            <m:t>𝒌</m:t>
+                          </m:r>
+                        </m:sub>
+                      </m:sSub>
+                      <m:r>
+                        <a:rPr lang="en-US" b="1" i="1">
+                          <a:effectLst/>
+                          <a:latin typeface="Cambria Math" panose="02040503050406030204" pitchFamily="18" charset="0"/>
+                          <a:ea typeface="Times New Roman" panose="02020603050405020304" pitchFamily="18" charset="0"/>
+                          <a:cs typeface="Mangal" panose="02040503050203030202" pitchFamily="18" charset="0"/>
+                        </a:rPr>
+                        <m:t>+</m:t>
+                      </m:r>
+                      <m:r>
+                        <a:rPr lang="en-US" b="1" i="1">
+                          <a:effectLst/>
+                          <a:latin typeface="Cambria Math" panose="02040503050406030204" pitchFamily="18" charset="0"/>
+                          <a:ea typeface="Times New Roman" panose="02020603050405020304" pitchFamily="18" charset="0"/>
+                          <a:cs typeface="Mangal" panose="02040503050203030202" pitchFamily="18" charset="0"/>
+                        </a:rPr>
+                        <m:t>𝟒</m:t>
+                      </m:r>
+                      <m:sSub>
+                        <m:sSubPr>
+                          <m:ctrlPr>
+                            <a:rPr lang="en-US" b="1" i="1">
+                              <a:effectLst/>
+                              <a:latin typeface="Cambria Math" panose="02040503050406030204" pitchFamily="18" charset="0"/>
+                              <a:ea typeface="Calibri" panose="020F0502020204030204" pitchFamily="34" charset="0"/>
+                              <a:cs typeface="Mangal" panose="02040503050203030202" pitchFamily="18" charset="0"/>
+                            </a:rPr>
+                          </m:ctrlPr>
+                        </m:sSubPr>
+                        <m:e>
+                          <m:r>
+                            <a:rPr lang="en-US" b="1" i="1">
+                              <a:effectLst/>
+                              <a:latin typeface="Cambria Math" panose="02040503050406030204" pitchFamily="18" charset="0"/>
+                              <a:ea typeface="Calibri" panose="020F0502020204030204" pitchFamily="34" charset="0"/>
+                              <a:cs typeface="Mangal" panose="02040503050203030202" pitchFamily="18" charset="0"/>
+                            </a:rPr>
+                            <m:t>𝒙</m:t>
+                          </m:r>
+                        </m:e>
+                        <m:sub>
+                          <m:r>
+                            <a:rPr lang="en-US" b="1" i="1">
+                              <a:effectLst/>
+                              <a:latin typeface="Cambria Math" panose="02040503050406030204" pitchFamily="18" charset="0"/>
+                              <a:ea typeface="Calibri" panose="020F0502020204030204" pitchFamily="34" charset="0"/>
+                              <a:cs typeface="Mangal" panose="02040503050203030202" pitchFamily="18" charset="0"/>
+                            </a:rPr>
+                            <m:t>𝒌</m:t>
+                          </m:r>
+                        </m:sub>
+                      </m:sSub>
+                      <m:r>
+                        <a:rPr lang="en-US" b="1" i="1">
+                          <a:effectLst/>
+                          <a:latin typeface="Cambria Math" panose="02040503050406030204" pitchFamily="18" charset="0"/>
+                          <a:ea typeface="Times New Roman" panose="02020603050405020304" pitchFamily="18" charset="0"/>
+                          <a:cs typeface="Mangal" panose="02040503050203030202" pitchFamily="18" charset="0"/>
+                        </a:rPr>
+                        <m:t>+</m:t>
+                      </m:r>
+                      <m:r>
+                        <a:rPr lang="en-US" b="1" i="1">
+                          <a:effectLst/>
+                          <a:latin typeface="Cambria Math" panose="02040503050406030204" pitchFamily="18" charset="0"/>
+                          <a:ea typeface="Times New Roman" panose="02020603050405020304" pitchFamily="18" charset="0"/>
+                          <a:cs typeface="Mangal" panose="02040503050203030202" pitchFamily="18" charset="0"/>
+                        </a:rPr>
+                        <m:t>𝟔</m:t>
+                      </m:r>
+                      <m:r>
+                        <a:rPr lang="en-US" b="1" i="1">
+                          <a:effectLst/>
+                          <a:latin typeface="Cambria Math" panose="02040503050406030204" pitchFamily="18" charset="0"/>
+                          <a:ea typeface="Times New Roman" panose="02020603050405020304" pitchFamily="18" charset="0"/>
+                          <a:cs typeface="Mangal" panose="02040503050203030202" pitchFamily="18" charset="0"/>
+                        </a:rPr>
+                        <m:t> </m:t>
+                      </m:r>
+                      <m:r>
+                        <a:rPr lang="en-US" b="1" i="1">
+                          <a:effectLst/>
+                          <a:latin typeface="Cambria Math" panose="02040503050406030204" pitchFamily="18" charset="0"/>
+                          <a:ea typeface="Times New Roman" panose="02020603050405020304" pitchFamily="18" charset="0"/>
+                          <a:cs typeface="Mangal" panose="02040503050203030202" pitchFamily="18" charset="0"/>
+                        </a:rPr>
+                        <m:t>𝒘𝒉𝒆𝒏</m:t>
+                      </m:r>
+                      <m:r>
+                        <a:rPr lang="en-US" b="1" i="1">
+                          <a:effectLst/>
+                          <a:latin typeface="Cambria Math" panose="02040503050406030204" pitchFamily="18" charset="0"/>
+                          <a:ea typeface="Times New Roman" panose="02020603050405020304" pitchFamily="18" charset="0"/>
+                          <a:cs typeface="Mangal" panose="02040503050203030202" pitchFamily="18" charset="0"/>
+                        </a:rPr>
+                        <m:t> </m:t>
+                      </m:r>
+                      <m:sSub>
+                        <m:sSubPr>
+                          <m:ctrlPr>
+                            <a:rPr lang="en-US" b="1" i="1">
+                              <a:solidFill>
+                                <a:srgbClr val="222222"/>
+                              </a:solidFill>
+                              <a:effectLst/>
+                              <a:latin typeface="Cambria Math" panose="02040503050406030204" pitchFamily="18" charset="0"/>
+                              <a:ea typeface="Times New Roman" panose="02020603050405020304" pitchFamily="18" charset="0"/>
+                              <a:cs typeface="Helvetica" panose="020B0604020202020204" pitchFamily="34" charset="0"/>
+                            </a:rPr>
+                          </m:ctrlPr>
+                        </m:sSubPr>
+                        <m:e>
+                          <m:r>
+                            <a:rPr lang="en-US" b="1" i="1">
+                              <a:solidFill>
+                                <a:srgbClr val="222222"/>
+                              </a:solidFill>
+                              <a:effectLst/>
+                              <a:latin typeface="Cambria Math" panose="02040503050406030204" pitchFamily="18" charset="0"/>
+                              <a:ea typeface="Times New Roman" panose="02020603050405020304" pitchFamily="18" charset="0"/>
+                              <a:cs typeface="Helvetica" panose="020B0604020202020204" pitchFamily="34" charset="0"/>
+                            </a:rPr>
+                            <m:t>𝒑</m:t>
+                          </m:r>
+                        </m:e>
+                        <m:sub>
+                          <m:r>
+                            <a:rPr lang="en-US" b="1" i="1">
+                              <a:solidFill>
+                                <a:srgbClr val="222222"/>
+                              </a:solidFill>
+                              <a:effectLst/>
+                              <a:latin typeface="Cambria Math" panose="02040503050406030204" pitchFamily="18" charset="0"/>
+                              <a:ea typeface="Times New Roman" panose="02020603050405020304" pitchFamily="18" charset="0"/>
+                              <a:cs typeface="Helvetica" panose="020B0604020202020204" pitchFamily="34" charset="0"/>
+                            </a:rPr>
+                            <m:t>𝒌</m:t>
+                          </m:r>
+                        </m:sub>
+                      </m:sSub>
+                      <m:r>
+                        <a:rPr lang="en-US" b="1" i="1">
+                          <a:solidFill>
+                            <a:srgbClr val="222222"/>
+                          </a:solidFill>
+                          <a:effectLst/>
+                          <a:latin typeface="Cambria Math" panose="02040503050406030204" pitchFamily="18" charset="0"/>
+                          <a:ea typeface="Times New Roman" panose="02020603050405020304" pitchFamily="18" charset="0"/>
+                          <a:cs typeface="Helvetica" panose="020B0604020202020204" pitchFamily="34" charset="0"/>
+                        </a:rPr>
+                        <m:t>&lt;</m:t>
+                      </m:r>
+                      <m:r>
+                        <a:rPr lang="en-US" b="1" i="1">
+                          <a:solidFill>
+                            <a:srgbClr val="222222"/>
+                          </a:solidFill>
+                          <a:effectLst/>
+                          <a:latin typeface="Cambria Math" panose="02040503050406030204" pitchFamily="18" charset="0"/>
+                          <a:ea typeface="Times New Roman" panose="02020603050405020304" pitchFamily="18" charset="0"/>
+                          <a:cs typeface="Helvetica" panose="020B0604020202020204" pitchFamily="34" charset="0"/>
+                        </a:rPr>
+                        <m:t>𝟎</m:t>
+                      </m:r>
+                    </m:oMath>
+                  </m:oMathPara>
+                </a14:m>
+                <a:endParaRPr lang="en-US" b="1" dirty="0">
+                  <a:effectLst/>
+                  <a:ea typeface="Calibri" panose="020F0502020204030204" pitchFamily="34" charset="0"/>
+                  <a:cs typeface="Mangal" panose="02040503050203030202" pitchFamily="18" charset="0"/>
+                </a:endParaRPr>
+              </a:p>
+              <a:p>
+                <a:pPr marL="0" marR="0">
+                  <a:lnSpc>
+                    <a:spcPct val="107000"/>
+                  </a:lnSpc>
+                  <a:spcBef>
+                    <a:spcPts val="0"/>
+                  </a:spcBef>
+                  <a:spcAft>
+                    <a:spcPts val="800"/>
+                  </a:spcAft>
+                </a:pPr>
+                <a:r>
+                  <a:rPr lang="en-US" b="1" dirty="0">
+                    <a:effectLst/>
+                    <a:ea typeface="Calibri" panose="020F0502020204030204" pitchFamily="34" charset="0"/>
+                    <a:cs typeface="Mangal" panose="02040503050203030202" pitchFamily="18" charset="0"/>
+                  </a:rPr>
+                  <a:t> </a:t>
+                </a:r>
+              </a:p>
+            </p:txBody>
+          </p:sp>
+        </mc:Choice>
+        <mc:Fallback xmlns="">
+          <p:sp>
+            <p:nvSpPr>
+              <p:cNvPr id="17" name="Text Box 6">
+                <a:extLst>
+                  <a:ext uri="{FF2B5EF4-FFF2-40B4-BE49-F238E27FC236}">
+                    <a16:creationId xmlns:a16="http://schemas.microsoft.com/office/drawing/2014/main" id="{F11EC838-839D-F7D0-BA39-BC20B812DC85}"/>
+                  </a:ext>
+                </a:extLst>
+              </p:cNvPr>
+              <p:cNvSpPr txBox="1">
+                <a:spLocks noRot="1" noChangeAspect="1" noMove="1" noResize="1" noEditPoints="1" noAdjustHandles="1" noChangeArrowheads="1" noChangeShapeType="1" noTextEdit="1"/>
+              </p:cNvSpPr>
+              <p:nvPr/>
+            </p:nvSpPr>
+            <p:spPr>
+              <a:xfrm>
+                <a:off x="6648931" y="5120464"/>
+                <a:ext cx="3851902" cy="457199"/>
+              </a:xfrm>
+              <a:prstGeom prst="rect">
+                <a:avLst/>
+              </a:prstGeom>
+              <a:blipFill>
+                <a:blip r:embed="rId6"/>
+                <a:stretch>
+                  <a:fillRect/>
+                </a:stretch>
+              </a:blipFill>
+              <a:ln w="6350">
+                <a:solidFill>
+                  <a:prstClr val="black"/>
+                </a:solidFill>
+              </a:ln>
+              <a:effectLst/>
+            </p:spPr>
+            <p:txBody>
+              <a:bodyPr/>
+              <a:lstStyle/>
+              <a:p>
+                <a:r>
+                  <a:rPr lang="en-US">
+                    <a:noFill/>
+                  </a:rPr>
+                  <a:t> </a:t>
+                </a:r>
+              </a:p>
+            </p:txBody>
+          </p:sp>
+        </mc:Fallback>
+      </mc:AlternateContent>
+      <mc:AlternateContent xmlns:mc="http://schemas.openxmlformats.org/markup-compatibility/2006" xmlns:a14="http://schemas.microsoft.com/office/drawing/2010/main">
+        <mc:Choice Requires="a14">
+          <p:sp>
+            <p:nvSpPr>
+              <p:cNvPr id="18" name="Text Box 3">
+                <a:extLst>
+                  <a:ext uri="{FF2B5EF4-FFF2-40B4-BE49-F238E27FC236}">
+                    <a16:creationId xmlns:a16="http://schemas.microsoft.com/office/drawing/2014/main" id="{646A2B71-CE4F-5EA2-D612-A0966472A6D3}"/>
+                  </a:ext>
+                </a:extLst>
+              </p:cNvPr>
+              <p:cNvSpPr txBox="1"/>
+              <p:nvPr/>
+            </p:nvSpPr>
+            <p:spPr>
+              <a:xfrm>
+                <a:off x="6627699" y="4447109"/>
+                <a:ext cx="1947183" cy="466725"/>
+              </a:xfrm>
+              <a:prstGeom prst="rect">
+                <a:avLst/>
+              </a:prstGeom>
+              <a:solidFill>
+                <a:schemeClr val="lt1"/>
+              </a:solidFill>
+              <a:ln w="6350">
+                <a:solidFill>
+                  <a:prstClr val="black"/>
+                </a:solidFill>
+              </a:ln>
+              <a:effectLst/>
+            </p:spPr>
+            <p:style>
+              <a:lnRef idx="0">
+                <a:schemeClr val="accent1"/>
+              </a:lnRef>
+              <a:fillRef idx="0">
+                <a:schemeClr val="accent1"/>
+              </a:fillRef>
+              <a:effectRef idx="0">
+                <a:schemeClr val="accent1"/>
+              </a:effectRef>
+              <a:fontRef idx="minor">
+                <a:schemeClr val="dk1"/>
+              </a:fontRef>
+            </p:style>
+            <p:txBody>
+              <a:bodyPr rot="0" spcFirstLastPara="0" vert="horz" wrap="square" lIns="91440" tIns="45720" rIns="91440" bIns="45720" numCol="1" spcCol="0" rtlCol="0" fromWordArt="0" anchor="t" anchorCtr="0" forceAA="0" compatLnSpc="1">
+                <a:prstTxWarp prst="textNoShape">
+                  <a:avLst/>
+                </a:prstTxWarp>
+                <a:noAutofit/>
+              </a:bodyPr>
+              <a:lstStyle/>
+              <a:p>
+                <a:pPr marL="0" marR="0">
+                  <a:lnSpc>
+                    <a:spcPct val="107000"/>
+                  </a:lnSpc>
+                  <a:spcBef>
+                    <a:spcPts val="0"/>
+                  </a:spcBef>
+                  <a:spcAft>
+                    <a:spcPts val="800"/>
+                  </a:spcAft>
+                </a:pPr>
+                <a14:m>
+                  <m:oMathPara xmlns:m="http://schemas.openxmlformats.org/officeDocument/2006/math">
+                    <m:oMathParaPr>
+                      <m:jc m:val="centerGroup"/>
+                    </m:oMathParaPr>
+                    <m:oMath xmlns:m="http://schemas.openxmlformats.org/officeDocument/2006/math">
+                      <m:sSub>
+                        <m:sSubPr>
+                          <m:ctrlPr>
+                            <a:rPr lang="en-US" sz="2000" b="1" i="1" smtClean="0">
+                              <a:effectLst/>
+                              <a:latin typeface="Cambria Math" panose="02040503050406030204" pitchFamily="18" charset="0"/>
+                              <a:ea typeface="Times New Roman" panose="02020603050405020304" pitchFamily="18" charset="0"/>
+                              <a:cs typeface="Mangal" panose="02040503050203030202" pitchFamily="18" charset="0"/>
+                            </a:rPr>
+                          </m:ctrlPr>
+                        </m:sSubPr>
+                        <m:e>
+                          <m:r>
+                            <a:rPr lang="en-US" sz="2000" b="1" i="1">
+                              <a:effectLst/>
+                              <a:latin typeface="Cambria Math" panose="02040503050406030204" pitchFamily="18" charset="0"/>
+                              <a:ea typeface="Times New Roman" panose="02020603050405020304" pitchFamily="18" charset="0"/>
+                              <a:cs typeface="Mangal" panose="02040503050203030202" pitchFamily="18" charset="0"/>
+                            </a:rPr>
+                            <m:t>𝒑</m:t>
+                          </m:r>
+                        </m:e>
+                        <m:sub>
+                          <m:r>
+                            <a:rPr lang="en-US" sz="2000" b="1" i="1">
+                              <a:effectLst/>
+                              <a:latin typeface="Cambria Math" panose="02040503050406030204" pitchFamily="18" charset="0"/>
+                              <a:ea typeface="Times New Roman" panose="02020603050405020304" pitchFamily="18" charset="0"/>
+                              <a:cs typeface="Mangal" panose="02040503050203030202" pitchFamily="18" charset="0"/>
+                            </a:rPr>
+                            <m:t>𝒌</m:t>
+                          </m:r>
+                        </m:sub>
+                      </m:sSub>
+                      <m:r>
+                        <a:rPr lang="en-US" sz="2000" b="1" i="1">
+                          <a:effectLst/>
+                          <a:latin typeface="Cambria Math" panose="02040503050406030204" pitchFamily="18" charset="0"/>
+                          <a:ea typeface="Calibri" panose="020F0502020204030204" pitchFamily="34" charset="0"/>
+                          <a:cs typeface="Mangal" panose="02040503050203030202" pitchFamily="18" charset="0"/>
+                        </a:rPr>
+                        <m:t> =</m:t>
+                      </m:r>
+                      <m:r>
+                        <a:rPr lang="en-US" sz="2000" b="1" i="1">
+                          <a:effectLst/>
+                          <a:latin typeface="Cambria Math" panose="02040503050406030204" pitchFamily="18" charset="0"/>
+                          <a:ea typeface="Calibri" panose="020F0502020204030204" pitchFamily="34" charset="0"/>
+                          <a:cs typeface="Mangal" panose="02040503050203030202" pitchFamily="18" charset="0"/>
+                        </a:rPr>
+                        <m:t>𝟑</m:t>
+                      </m:r>
+                      <m:r>
+                        <a:rPr lang="en-US" sz="2000" b="1" i="1">
+                          <a:effectLst/>
+                          <a:latin typeface="Cambria Math" panose="02040503050406030204" pitchFamily="18" charset="0"/>
+                          <a:ea typeface="Calibri" panose="020F0502020204030204" pitchFamily="34" charset="0"/>
+                          <a:cs typeface="Mangal" panose="02040503050203030202" pitchFamily="18" charset="0"/>
+                        </a:rPr>
+                        <m:t>−</m:t>
+                      </m:r>
+                      <m:r>
+                        <a:rPr lang="en-US" sz="2000" b="1" i="1">
+                          <a:effectLst/>
+                          <a:latin typeface="Cambria Math" panose="02040503050406030204" pitchFamily="18" charset="0"/>
+                          <a:ea typeface="Calibri" panose="020F0502020204030204" pitchFamily="34" charset="0"/>
+                          <a:cs typeface="Mangal" panose="02040503050203030202" pitchFamily="18" charset="0"/>
+                        </a:rPr>
+                        <m:t>𝟐</m:t>
+                      </m:r>
+                      <m:r>
+                        <a:rPr lang="en-US" sz="2000" b="1" i="1">
+                          <a:effectLst/>
+                          <a:latin typeface="Cambria Math" panose="02040503050406030204" pitchFamily="18" charset="0"/>
+                          <a:ea typeface="Calibri" panose="020F0502020204030204" pitchFamily="34" charset="0"/>
+                          <a:cs typeface="Mangal" panose="02040503050203030202" pitchFamily="18" charset="0"/>
+                        </a:rPr>
+                        <m:t>𝒓</m:t>
+                      </m:r>
+                    </m:oMath>
+                  </m:oMathPara>
+                </a14:m>
+                <a:endParaRPr lang="en-US" sz="2000" dirty="0">
+                  <a:effectLst/>
+                  <a:ea typeface="Calibri" panose="020F0502020204030204" pitchFamily="34" charset="0"/>
+                  <a:cs typeface="Mangal" panose="02040503050203030202" pitchFamily="18" charset="0"/>
+                </a:endParaRPr>
+              </a:p>
+              <a:p>
+                <a:pPr marL="0" marR="0">
+                  <a:lnSpc>
+                    <a:spcPct val="107000"/>
+                  </a:lnSpc>
+                  <a:spcBef>
+                    <a:spcPts val="0"/>
+                  </a:spcBef>
+                  <a:spcAft>
+                    <a:spcPts val="800"/>
+                  </a:spcAft>
+                </a:pPr>
+                <a:r>
+                  <a:rPr lang="en-US" sz="1100" dirty="0">
+                    <a:effectLst/>
+                    <a:ea typeface="Calibri" panose="020F0502020204030204" pitchFamily="34" charset="0"/>
+                    <a:cs typeface="Mangal" panose="02040503050203030202" pitchFamily="18" charset="0"/>
+                  </a:rPr>
+                  <a:t> </a:t>
+                </a:r>
+              </a:p>
+            </p:txBody>
+          </p:sp>
+        </mc:Choice>
+        <mc:Fallback xmlns="">
+          <p:sp>
+            <p:nvSpPr>
+              <p:cNvPr id="18" name="Text Box 3">
+                <a:extLst>
+                  <a:ext uri="{FF2B5EF4-FFF2-40B4-BE49-F238E27FC236}">
+                    <a16:creationId xmlns:a16="http://schemas.microsoft.com/office/drawing/2014/main" id="{646A2B71-CE4F-5EA2-D612-A0966472A6D3}"/>
+                  </a:ext>
+                </a:extLst>
+              </p:cNvPr>
+              <p:cNvSpPr txBox="1">
+                <a:spLocks noRot="1" noChangeAspect="1" noMove="1" noResize="1" noEditPoints="1" noAdjustHandles="1" noChangeArrowheads="1" noChangeShapeType="1" noTextEdit="1"/>
+              </p:cNvSpPr>
+              <p:nvPr/>
+            </p:nvSpPr>
+            <p:spPr>
+              <a:xfrm>
+                <a:off x="6627699" y="4447109"/>
+                <a:ext cx="1947183" cy="466725"/>
+              </a:xfrm>
+              <a:prstGeom prst="rect">
+                <a:avLst/>
+              </a:prstGeom>
+              <a:blipFill>
+                <a:blip r:embed="rId7"/>
+                <a:stretch>
+                  <a:fillRect/>
+                </a:stretch>
+              </a:blipFill>
+              <a:ln w="6350">
+                <a:solidFill>
+                  <a:prstClr val="black"/>
+                </a:solidFill>
+              </a:ln>
+              <a:effectLst/>
+            </p:spPr>
+            <p:txBody>
+              <a:bodyPr/>
+              <a:lstStyle/>
+              <a:p>
+                <a:r>
+                  <a:rPr lang="en-US">
+                    <a:noFill/>
+                  </a:rPr>
+                  <a:t> </a:t>
+                </a:r>
+              </a:p>
+            </p:txBody>
+          </p:sp>
+        </mc:Fallback>
+      </mc:AlternateContent>
+      <mc:AlternateContent xmlns:mc="http://schemas.openxmlformats.org/markup-compatibility/2006" xmlns:a14="http://schemas.microsoft.com/office/drawing/2010/main">
+        <mc:Choice Requires="a14">
+          <p:sp>
+            <p:nvSpPr>
+              <p:cNvPr id="20" name="TextBox 19">
+                <a:extLst>
+                  <a:ext uri="{FF2B5EF4-FFF2-40B4-BE49-F238E27FC236}">
+                    <a16:creationId xmlns:a16="http://schemas.microsoft.com/office/drawing/2014/main" id="{A6E1E240-2F59-E496-7D85-5CAF134F1FA0}"/>
+                  </a:ext>
+                </a:extLst>
+              </p:cNvPr>
+              <p:cNvSpPr txBox="1"/>
+              <p:nvPr/>
+            </p:nvSpPr>
+            <p:spPr>
+              <a:xfrm>
+                <a:off x="6354536" y="3855000"/>
+                <a:ext cx="4759718" cy="369332"/>
+              </a:xfrm>
+              <a:prstGeom prst="rect">
+                <a:avLst/>
+              </a:prstGeom>
+              <a:noFill/>
+            </p:spPr>
+            <p:txBody>
+              <a:bodyPr wrap="square">
+                <a:spAutoFit/>
+              </a:bodyPr>
+              <a:lstStyle/>
+              <a:p>
+                <a:pPr/>
+                <a14:m>
+                  <m:oMathPara xmlns:m="http://schemas.openxmlformats.org/officeDocument/2006/math">
+                    <m:oMathParaPr>
+                      <m:jc m:val="centerGroup"/>
+                    </m:oMathParaPr>
+                    <m:oMath xmlns:m="http://schemas.openxmlformats.org/officeDocument/2006/math">
+                      <m:r>
+                        <a:rPr lang="en-US" b="1" i="1" smtClean="0">
+                          <a:solidFill>
+                            <a:schemeClr val="bg1"/>
+                          </a:solidFill>
+                          <a:latin typeface="Cambria Math" panose="02040503050406030204" pitchFamily="18" charset="0"/>
+                        </a:rPr>
+                        <m:t>𝒇𝒐𝒓</m:t>
+                      </m:r>
+                      <m:r>
+                        <a:rPr lang="en-US" b="1" i="0">
+                          <a:solidFill>
+                            <a:schemeClr val="bg1"/>
+                          </a:solidFill>
+                          <a:latin typeface="Cambria Math" panose="02040503050406030204" pitchFamily="18" charset="0"/>
+                        </a:rPr>
+                        <m:t> </m:t>
+                      </m:r>
+                      <m:r>
+                        <a:rPr lang="en-US" b="1" i="1">
+                          <a:solidFill>
+                            <a:schemeClr val="bg1"/>
+                          </a:solidFill>
+                          <a:latin typeface="Cambria Math" panose="02040503050406030204" pitchFamily="18" charset="0"/>
+                        </a:rPr>
+                        <m:t>𝒊𝒏𝒊𝒕𝒊𝒂𝒍</m:t>
+                      </m:r>
+                      <m:r>
+                        <a:rPr lang="en-US" b="1" i="0">
+                          <a:solidFill>
+                            <a:schemeClr val="bg1"/>
+                          </a:solidFill>
+                          <a:latin typeface="Cambria Math" panose="02040503050406030204" pitchFamily="18" charset="0"/>
+                        </a:rPr>
+                        <m:t> </m:t>
+                      </m:r>
+                      <m:r>
+                        <a:rPr lang="en-US" b="1" i="1">
+                          <a:solidFill>
+                            <a:schemeClr val="bg1"/>
+                          </a:solidFill>
+                          <a:latin typeface="Cambria Math" panose="02040503050406030204" pitchFamily="18" charset="0"/>
+                        </a:rPr>
+                        <m:t>𝒅𝒆𝒄𝒊𝒔𝒊𝒐𝒏</m:t>
+                      </m:r>
+                      <m:r>
+                        <a:rPr lang="en-US" b="1" i="0">
+                          <a:solidFill>
+                            <a:schemeClr val="bg1"/>
+                          </a:solidFill>
+                          <a:latin typeface="Cambria Math" panose="02040503050406030204" pitchFamily="18" charset="0"/>
+                        </a:rPr>
+                        <m:t> </m:t>
+                      </m:r>
+                      <m:r>
+                        <a:rPr lang="en-US" b="1" i="1">
+                          <a:solidFill>
+                            <a:schemeClr val="bg1"/>
+                          </a:solidFill>
+                          <a:latin typeface="Cambria Math" panose="02040503050406030204" pitchFamily="18" charset="0"/>
+                        </a:rPr>
+                        <m:t>𝒑𝒂𝒓𝒂𝒎𝒆𝒕𝒐𝒓</m:t>
+                      </m:r>
+                      <m:r>
+                        <a:rPr lang="en-US" b="1" i="0">
+                          <a:solidFill>
+                            <a:schemeClr val="bg1"/>
+                          </a:solidFill>
+                          <a:latin typeface="Cambria Math" panose="02040503050406030204" pitchFamily="18" charset="0"/>
+                        </a:rPr>
+                        <m:t> </m:t>
+                      </m:r>
+                      <m:r>
+                        <a:rPr lang="en-US" b="1" i="1">
+                          <a:solidFill>
+                            <a:schemeClr val="bg1"/>
+                          </a:solidFill>
+                          <a:latin typeface="Cambria Math" panose="02040503050406030204" pitchFamily="18" charset="0"/>
+                        </a:rPr>
+                        <m:t>𝒂𝒕</m:t>
+                      </m:r>
+                      <m:r>
+                        <a:rPr lang="en-US" b="1" i="0">
+                          <a:solidFill>
+                            <a:schemeClr val="bg1"/>
+                          </a:solidFill>
+                          <a:latin typeface="Cambria Math" panose="02040503050406030204" pitchFamily="18" charset="0"/>
+                        </a:rPr>
+                        <m:t> </m:t>
+                      </m:r>
+                      <m:d>
+                        <m:dPr>
+                          <m:ctrlPr>
+                            <a:rPr lang="en-US" b="1" i="1">
+                              <a:solidFill>
+                                <a:schemeClr val="bg1"/>
+                              </a:solidFill>
+                              <a:latin typeface="Cambria Math" panose="02040503050406030204" pitchFamily="18" charset="0"/>
+                            </a:rPr>
+                          </m:ctrlPr>
+                        </m:dPr>
+                        <m:e>
+                          <m:r>
+                            <a:rPr lang="en-US" b="1" i="0">
+                              <a:solidFill>
+                                <a:schemeClr val="bg1"/>
+                              </a:solidFill>
+                              <a:latin typeface="Cambria Math" panose="02040503050406030204" pitchFamily="18" charset="0"/>
+                            </a:rPr>
+                            <m:t>𝟎</m:t>
+                          </m:r>
+                          <m:r>
+                            <a:rPr lang="en-US" b="1" i="0">
+                              <a:solidFill>
+                                <a:schemeClr val="bg1"/>
+                              </a:solidFill>
+                              <a:latin typeface="Cambria Math" panose="02040503050406030204" pitchFamily="18" charset="0"/>
+                            </a:rPr>
+                            <m:t>,</m:t>
+                          </m:r>
+                          <m:r>
+                            <a:rPr lang="en-US" b="1" i="1">
+                              <a:solidFill>
+                                <a:schemeClr val="bg1"/>
+                              </a:solidFill>
+                              <a:latin typeface="Cambria Math" panose="02040503050406030204" pitchFamily="18" charset="0"/>
+                            </a:rPr>
+                            <m:t>𝒓</m:t>
+                          </m:r>
+                        </m:e>
+                      </m:d>
+                      <m:r>
+                        <a:rPr lang="en-US" b="1" i="0">
+                          <a:solidFill>
+                            <a:schemeClr val="bg1"/>
+                          </a:solidFill>
+                          <a:latin typeface="Cambria Math" panose="02040503050406030204" pitchFamily="18" charset="0"/>
+                        </a:rPr>
+                        <m:t>=</m:t>
+                      </m:r>
+                    </m:oMath>
+                  </m:oMathPara>
+                </a14:m>
+                <a:endParaRPr lang="en-US" b="1" dirty="0">
+                  <a:solidFill>
+                    <a:schemeClr val="bg1"/>
+                  </a:solidFill>
+                </a:endParaRPr>
+              </a:p>
+            </p:txBody>
+          </p:sp>
+        </mc:Choice>
+        <mc:Fallback xmlns="">
+          <p:sp>
+            <p:nvSpPr>
+              <p:cNvPr id="20" name="TextBox 19">
+                <a:extLst>
+                  <a:ext uri="{FF2B5EF4-FFF2-40B4-BE49-F238E27FC236}">
+                    <a16:creationId xmlns:a16="http://schemas.microsoft.com/office/drawing/2014/main" id="{A6E1E240-2F59-E496-7D85-5CAF134F1FA0}"/>
+                  </a:ext>
+                </a:extLst>
+              </p:cNvPr>
+              <p:cNvSpPr txBox="1">
+                <a:spLocks noRot="1" noChangeAspect="1" noMove="1" noResize="1" noEditPoints="1" noAdjustHandles="1" noChangeArrowheads="1" noChangeShapeType="1" noTextEdit="1"/>
+              </p:cNvSpPr>
+              <p:nvPr/>
+            </p:nvSpPr>
+            <p:spPr>
+              <a:xfrm>
+                <a:off x="6354536" y="3855000"/>
+                <a:ext cx="4759718" cy="369332"/>
+              </a:xfrm>
+              <a:prstGeom prst="rect">
+                <a:avLst/>
+              </a:prstGeom>
+              <a:blipFill>
+                <a:blip r:embed="rId8"/>
+                <a:stretch>
+                  <a:fillRect l="-128" b="-13115"/>
+                </a:stretch>
+              </a:blipFill>
+            </p:spPr>
+            <p:txBody>
+              <a:bodyPr/>
+              <a:lstStyle/>
+              <a:p>
+                <a:r>
+                  <a:rPr lang="en-US">
+                    <a:noFill/>
+                  </a:rPr>
+                  <a:t> </a:t>
+                </a:r>
+              </a:p>
+            </p:txBody>
+          </p:sp>
+        </mc:Fallback>
+      </mc:AlternateContent>
+    </p:spTree>
+    <p:extLst>
+      <p:ext uri="{BB962C8B-B14F-4D97-AF65-F5344CB8AC3E}">
+        <p14:creationId xmlns:p14="http://schemas.microsoft.com/office/powerpoint/2010/main" val="3530109542"/>
+      </p:ext>
+    </p:extLst>
+  </p:cSld>
+  <p:clrMapOvr>
+    <a:masterClrMapping/>
+  </p:clrMapOvr>
+</p:sld>
+</file>
+
+<file path=ppt/slides/slide8.xml><?xml version="1.0" encoding="utf-8"?>
+<p:sld xmlns:a="http://schemas.openxmlformats.org/drawingml/2006/main" xmlns:r="http://schemas.openxmlformats.org/officeDocument/2006/relationships" xmlns:p="http://schemas.openxmlformats.org/presentationml/2006/main">
+  <p:cSld>
+    <p:spTree>
+      <p:nvGrpSpPr>
+        <p:cNvPr id="1" name=""/>
+        <p:cNvGrpSpPr/>
+        <p:nvPr/>
+      </p:nvGrpSpPr>
+      <p:grpSpPr>
+        <a:xfrm>
+          <a:off x="0" y="0"/>
+          <a:ext cx="0" cy="0"/>
+          <a:chOff x="0" y="0"/>
+          <a:chExt cx="0" cy="0"/>
+        </a:xfrm>
+      </p:grpSpPr>
+      <p:sp>
+        <p:nvSpPr>
+          <p:cNvPr id="2" name="Shape 0"/>
+          <p:cNvSpPr/>
+          <p:nvPr/>
+        </p:nvSpPr>
+        <p:spPr>
+          <a:xfrm>
+            <a:off x="0" y="0"/>
+            <a:ext cx="14630400" cy="8169088"/>
+          </a:xfrm>
+          <a:prstGeom prst="rect">
+            <a:avLst/>
+          </a:prstGeom>
+          <a:solidFill>
+            <a:srgbClr val="0C0C0C"/>
+          </a:solidFill>
+          <a:ln/>
+        </p:spPr>
+      </p:sp>
+      <p:sp>
+        <p:nvSpPr>
+          <p:cNvPr id="7" name="TextBox 6">
+            <a:extLst>
+              <a:ext uri="{FF2B5EF4-FFF2-40B4-BE49-F238E27FC236}">
+                <a16:creationId xmlns:a16="http://schemas.microsoft.com/office/drawing/2014/main" id="{31E4C2ED-D1CF-C870-01EB-CECE6F433823}"/>
+              </a:ext>
+            </a:extLst>
+          </p:cNvPr>
+          <p:cNvSpPr txBox="1"/>
+          <p:nvPr/>
+        </p:nvSpPr>
+        <p:spPr>
+          <a:xfrm>
+            <a:off x="1010093" y="765544"/>
+            <a:ext cx="12269972" cy="1815882"/>
+          </a:xfrm>
+          <a:prstGeom prst="rect">
+            <a:avLst/>
+          </a:prstGeom>
+          <a:noFill/>
+        </p:spPr>
+        <p:txBody>
+          <a:bodyPr wrap="square" rtlCol="0">
+            <a:spAutoFit/>
+          </a:bodyPr>
+          <a:lstStyle/>
+          <a:p>
+            <a:r>
+              <a:rPr lang="en-US" sz="2800" dirty="0">
+                <a:solidFill>
+                  <a:schemeClr val="bg1"/>
+                </a:solidFill>
+              </a:rPr>
+              <a:t>Q.N : 1</a:t>
+            </a:r>
+          </a:p>
+          <a:p>
+            <a:r>
+              <a:rPr lang="en-US" sz="2800" dirty="0">
+                <a:solidFill>
+                  <a:schemeClr val="bg1"/>
+                </a:solidFill>
+              </a:rPr>
+              <a:t>Find circle Co-ordinates using </a:t>
+            </a:r>
+            <a:r>
+              <a:rPr lang="en-US" sz="2800" dirty="0" err="1">
+                <a:solidFill>
+                  <a:schemeClr val="bg1"/>
+                </a:solidFill>
+              </a:rPr>
+              <a:t>Bresemhan’s</a:t>
+            </a:r>
+            <a:r>
+              <a:rPr lang="en-US" sz="2800" dirty="0">
+                <a:solidFill>
+                  <a:schemeClr val="bg1"/>
+                </a:solidFill>
+              </a:rPr>
+              <a:t> Circle Algorithm Where r = 5 and Plot into Graph.</a:t>
+            </a:r>
+          </a:p>
+          <a:p>
+            <a:endParaRPr lang="en-US" sz="2800" dirty="0"/>
+          </a:p>
+        </p:txBody>
+      </p:sp>
+      <p:sp>
+        <p:nvSpPr>
+          <p:cNvPr id="8" name="TextBox 7">
+            <a:extLst>
+              <a:ext uri="{FF2B5EF4-FFF2-40B4-BE49-F238E27FC236}">
+                <a16:creationId xmlns:a16="http://schemas.microsoft.com/office/drawing/2014/main" id="{5747F4E6-17B3-481D-AB5A-D3E531A4B40B}"/>
+              </a:ext>
+            </a:extLst>
+          </p:cNvPr>
+          <p:cNvSpPr txBox="1"/>
+          <p:nvPr/>
+        </p:nvSpPr>
+        <p:spPr>
+          <a:xfrm>
+            <a:off x="995918" y="2284454"/>
+            <a:ext cx="5819552" cy="5734903"/>
+          </a:xfrm>
+          <a:prstGeom prst="rect">
+            <a:avLst/>
+          </a:prstGeom>
+          <a:noFill/>
+        </p:spPr>
+        <p:txBody>
+          <a:bodyPr wrap="square" rtlCol="0">
+            <a:spAutoFit/>
+          </a:bodyPr>
+          <a:lstStyle/>
+          <a:p>
+            <a:r>
+              <a:rPr lang="en-US" sz="2000" dirty="0">
+                <a:solidFill>
+                  <a:schemeClr val="bg1"/>
+                </a:solidFill>
+              </a:rPr>
+              <a:t>Solution :</a:t>
+            </a:r>
+          </a:p>
+          <a:p>
+            <a:r>
+              <a:rPr lang="en-US" sz="2000" dirty="0">
+                <a:solidFill>
+                  <a:schemeClr val="bg1"/>
+                </a:solidFill>
+              </a:rPr>
+              <a:t>Given radius of Circle is r=5,</a:t>
+            </a:r>
+          </a:p>
+          <a:p>
+            <a:r>
+              <a:rPr lang="en-US" sz="2000" dirty="0">
+                <a:solidFill>
+                  <a:schemeClr val="bg1"/>
+                </a:solidFill>
+              </a:rPr>
+              <a:t>Let us Suppose Circle from origin (0,0) and y-axis(0, r)</a:t>
+            </a:r>
+          </a:p>
+          <a:p>
+            <a:r>
+              <a:rPr lang="en-US" sz="2000" dirty="0">
+                <a:solidFill>
+                  <a:schemeClr val="bg1"/>
+                </a:solidFill>
+              </a:rPr>
+              <a:t>Now,</a:t>
+            </a:r>
+          </a:p>
+          <a:p>
+            <a:r>
+              <a:rPr lang="en-US" sz="2000" dirty="0">
+                <a:solidFill>
+                  <a:schemeClr val="bg1"/>
+                </a:solidFill>
+              </a:rPr>
+              <a:t>We calculate Next Point decision Parameter P</a:t>
+            </a:r>
+            <a:r>
+              <a:rPr lang="en-US" sz="2000" baseline="-25000" dirty="0">
+                <a:solidFill>
+                  <a:schemeClr val="bg1"/>
+                </a:solidFill>
+              </a:rPr>
+              <a:t>K</a:t>
+            </a:r>
+          </a:p>
+          <a:p>
+            <a:r>
+              <a:rPr lang="en-US" sz="2000" dirty="0">
+                <a:solidFill>
+                  <a:schemeClr val="bg1"/>
+                </a:solidFill>
+              </a:rPr>
+              <a:t>P</a:t>
+            </a:r>
+            <a:r>
+              <a:rPr lang="en-US" sz="2000" baseline="-25000" dirty="0">
+                <a:solidFill>
+                  <a:schemeClr val="bg1"/>
+                </a:solidFill>
+              </a:rPr>
+              <a:t>K  </a:t>
+            </a:r>
+            <a:r>
+              <a:rPr lang="en-US" sz="2000" dirty="0">
+                <a:solidFill>
+                  <a:schemeClr val="bg1"/>
+                </a:solidFill>
+              </a:rPr>
+              <a:t>= 3-2r = 3-2*5= -7</a:t>
+            </a:r>
+          </a:p>
+          <a:p>
+            <a:r>
+              <a:rPr lang="en-US" sz="2000" dirty="0">
+                <a:solidFill>
+                  <a:schemeClr val="bg1"/>
+                </a:solidFill>
+              </a:rPr>
+              <a:t>P1=P</a:t>
+            </a:r>
+            <a:r>
+              <a:rPr lang="en-US" sz="2000" baseline="-25000" dirty="0">
+                <a:solidFill>
+                  <a:schemeClr val="bg1"/>
+                </a:solidFill>
+              </a:rPr>
+              <a:t>K+1  </a:t>
+            </a:r>
+            <a:r>
+              <a:rPr lang="en-US" sz="2000" dirty="0">
+                <a:solidFill>
+                  <a:schemeClr val="bg1"/>
+                </a:solidFill>
+              </a:rPr>
+              <a:t>= P</a:t>
+            </a:r>
+            <a:r>
+              <a:rPr lang="en-US" sz="2000" baseline="-25000" dirty="0">
+                <a:solidFill>
+                  <a:schemeClr val="bg1"/>
+                </a:solidFill>
+              </a:rPr>
+              <a:t>K</a:t>
+            </a:r>
+            <a:r>
+              <a:rPr lang="en-US" sz="2000" dirty="0">
+                <a:solidFill>
+                  <a:schemeClr val="bg1"/>
+                </a:solidFill>
+              </a:rPr>
+              <a:t> +4*x+6= -7+4*1+6= 3</a:t>
+            </a:r>
+          </a:p>
+          <a:p>
+            <a:r>
+              <a:rPr lang="en-US" sz="2000" dirty="0">
+                <a:solidFill>
+                  <a:schemeClr val="bg1"/>
+                </a:solidFill>
+              </a:rPr>
+              <a:t>P3=P</a:t>
+            </a:r>
+            <a:r>
+              <a:rPr lang="en-US" sz="2000" baseline="-25000" dirty="0">
+                <a:solidFill>
+                  <a:schemeClr val="bg1"/>
+                </a:solidFill>
+              </a:rPr>
+              <a:t>K+1  </a:t>
+            </a:r>
+            <a:r>
+              <a:rPr lang="en-US" sz="2000" dirty="0">
+                <a:solidFill>
+                  <a:schemeClr val="bg1"/>
+                </a:solidFill>
+              </a:rPr>
+              <a:t>= P</a:t>
+            </a:r>
+            <a:r>
+              <a:rPr lang="en-US" sz="2000" baseline="-25000" dirty="0">
+                <a:solidFill>
+                  <a:schemeClr val="bg1"/>
+                </a:solidFill>
+              </a:rPr>
+              <a:t>K</a:t>
+            </a:r>
+            <a:r>
+              <a:rPr lang="en-US" sz="2000" dirty="0">
+                <a:solidFill>
+                  <a:schemeClr val="bg1"/>
+                </a:solidFill>
+              </a:rPr>
+              <a:t> +4*( </a:t>
+            </a:r>
+            <a:r>
+              <a:rPr lang="en-US" sz="2000" dirty="0" err="1">
+                <a:solidFill>
+                  <a:schemeClr val="bg1"/>
+                </a:solidFill>
+              </a:rPr>
+              <a:t>x</a:t>
+            </a:r>
+            <a:r>
+              <a:rPr lang="en-US" sz="2000" baseline="-25000" dirty="0" err="1">
+                <a:solidFill>
+                  <a:schemeClr val="bg1"/>
+                </a:solidFill>
+              </a:rPr>
+              <a:t>k</a:t>
+            </a:r>
+            <a:r>
+              <a:rPr lang="en-US" sz="2000" baseline="-25000" dirty="0">
+                <a:solidFill>
+                  <a:schemeClr val="bg1"/>
+                </a:solidFill>
+              </a:rPr>
+              <a:t> </a:t>
+            </a:r>
+            <a:r>
+              <a:rPr lang="en-US" sz="2000" dirty="0">
+                <a:solidFill>
+                  <a:schemeClr val="bg1"/>
+                </a:solidFill>
+              </a:rPr>
+              <a:t>– </a:t>
+            </a:r>
+            <a:r>
+              <a:rPr lang="en-US" sz="2000" dirty="0" err="1">
+                <a:solidFill>
+                  <a:schemeClr val="bg1"/>
+                </a:solidFill>
+              </a:rPr>
+              <a:t>y</a:t>
+            </a:r>
+            <a:r>
+              <a:rPr lang="en-US" sz="2000" baseline="-25000" dirty="0" err="1">
+                <a:solidFill>
+                  <a:schemeClr val="bg1"/>
+                </a:solidFill>
+              </a:rPr>
+              <a:t>k</a:t>
+            </a:r>
+            <a:r>
+              <a:rPr lang="en-US" sz="2000" baseline="-25000" dirty="0">
+                <a:solidFill>
+                  <a:schemeClr val="bg1"/>
+                </a:solidFill>
+              </a:rPr>
+              <a:t> </a:t>
+            </a:r>
+            <a:r>
+              <a:rPr lang="en-US" sz="2000" dirty="0">
+                <a:solidFill>
+                  <a:schemeClr val="bg1"/>
+                </a:solidFill>
+              </a:rPr>
+              <a:t>)+10= 3+4*(2-4)+10= 5</a:t>
+            </a:r>
+          </a:p>
+          <a:p>
+            <a:endParaRPr lang="en-US" sz="2000" dirty="0">
+              <a:solidFill>
+                <a:schemeClr val="bg1"/>
+              </a:solidFill>
+            </a:endParaRPr>
+          </a:p>
+          <a:p>
+            <a:endParaRPr lang="en-US" sz="2000" dirty="0">
+              <a:solidFill>
+                <a:schemeClr val="bg1"/>
+              </a:solidFill>
+            </a:endParaRPr>
+          </a:p>
+          <a:p>
+            <a:r>
+              <a:rPr lang="en-US" sz="2000" dirty="0">
+                <a:solidFill>
+                  <a:schemeClr val="bg1"/>
+                </a:solidFill>
+              </a:rPr>
+              <a:t>Now, We Compute decision Table</a:t>
+            </a:r>
+          </a:p>
+          <a:p>
+            <a:r>
+              <a:rPr lang="en-US" sz="2000" dirty="0">
+                <a:solidFill>
+                  <a:schemeClr val="bg1"/>
+                </a:solidFill>
+              </a:rPr>
+              <a:t>X  	Y 	P</a:t>
+            </a:r>
+            <a:r>
+              <a:rPr lang="en-US" sz="2000" baseline="-25000" dirty="0">
+                <a:solidFill>
+                  <a:schemeClr val="bg1"/>
+                </a:solidFill>
+              </a:rPr>
+              <a:t>k</a:t>
+            </a:r>
+          </a:p>
+          <a:p>
+            <a:r>
+              <a:rPr lang="en-US" sz="2000" dirty="0">
+                <a:solidFill>
+                  <a:schemeClr val="bg1"/>
+                </a:solidFill>
+              </a:rPr>
+              <a:t>0	5	-7&lt;0</a:t>
+            </a:r>
+          </a:p>
+          <a:p>
+            <a:r>
+              <a:rPr lang="en-US" sz="2000" dirty="0">
+                <a:solidFill>
+                  <a:schemeClr val="bg1"/>
+                </a:solidFill>
+              </a:rPr>
+              <a:t>1	5	3&gt;0</a:t>
+            </a:r>
+          </a:p>
+          <a:p>
+            <a:r>
+              <a:rPr lang="en-US" sz="2000" dirty="0">
+                <a:solidFill>
+                  <a:schemeClr val="bg1"/>
+                </a:solidFill>
+              </a:rPr>
+              <a:t>2	4	5&gt;0</a:t>
+            </a:r>
+          </a:p>
+          <a:p>
+            <a:r>
+              <a:rPr lang="en-US" sz="2000" dirty="0">
+                <a:solidFill>
+                  <a:schemeClr val="bg1"/>
+                </a:solidFill>
+              </a:rPr>
+              <a:t>3	3</a:t>
+            </a:r>
+          </a:p>
+          <a:p>
+            <a:endParaRPr lang="en-US" sz="2000" dirty="0">
+              <a:solidFill>
+                <a:schemeClr val="bg1"/>
+              </a:solidFill>
+            </a:endParaRPr>
+          </a:p>
+          <a:p>
+            <a:endParaRPr lang="en-US" sz="2000" baseline="-25000" dirty="0">
+              <a:solidFill>
+                <a:schemeClr val="bg1"/>
+              </a:solidFill>
+            </a:endParaRPr>
+          </a:p>
+          <a:p>
+            <a:endParaRPr lang="en-US" sz="2000" baseline="-25000" dirty="0">
+              <a:solidFill>
+                <a:schemeClr val="bg1"/>
+              </a:solidFill>
+            </a:endParaRPr>
+          </a:p>
+        </p:txBody>
+      </p:sp>
+      <p:sp>
+        <p:nvSpPr>
+          <p:cNvPr id="13" name="TextBox 12">
+            <a:extLst>
+              <a:ext uri="{FF2B5EF4-FFF2-40B4-BE49-F238E27FC236}">
+                <a16:creationId xmlns:a16="http://schemas.microsoft.com/office/drawing/2014/main" id="{4C3E7F62-6CAC-4ED7-7336-A90FCADA9024}"/>
+              </a:ext>
+            </a:extLst>
+          </p:cNvPr>
+          <p:cNvSpPr txBox="1"/>
+          <p:nvPr/>
+        </p:nvSpPr>
+        <p:spPr>
+          <a:xfrm>
+            <a:off x="7145079" y="2117877"/>
+            <a:ext cx="5819552" cy="4196020"/>
+          </a:xfrm>
+          <a:prstGeom prst="rect">
+            <a:avLst/>
+          </a:prstGeom>
+          <a:noFill/>
+        </p:spPr>
+        <p:txBody>
+          <a:bodyPr wrap="square" rtlCol="0">
+            <a:spAutoFit/>
+          </a:bodyPr>
+          <a:lstStyle/>
+          <a:p>
+            <a:r>
+              <a:rPr lang="en-US" sz="2000" dirty="0">
+                <a:solidFill>
+                  <a:schemeClr val="bg1"/>
+                </a:solidFill>
+              </a:rPr>
+              <a:t>Finally &lt;Co-ordinates of Circle are</a:t>
+            </a:r>
+          </a:p>
+          <a:p>
+            <a:r>
+              <a:rPr lang="en-US" sz="2000" dirty="0">
+                <a:solidFill>
+                  <a:schemeClr val="bg1"/>
+                </a:solidFill>
+              </a:rPr>
+              <a:t>(0, 5) (1, 5) (2, 4) (3, 3)</a:t>
+            </a:r>
+          </a:p>
+          <a:p>
+            <a:r>
+              <a:rPr lang="en-US" sz="2000" dirty="0">
+                <a:solidFill>
+                  <a:schemeClr val="bg1"/>
+                </a:solidFill>
+              </a:rPr>
+              <a:t>(0, -5) (1, -5) (2, -4) (3, -3)</a:t>
+            </a:r>
+          </a:p>
+          <a:p>
+            <a:r>
+              <a:rPr lang="en-US" sz="2000" dirty="0">
+                <a:solidFill>
+                  <a:schemeClr val="bg1"/>
+                </a:solidFill>
+              </a:rPr>
+              <a:t>(-0, -5) (-1, -5) (-2, -4) (-3, -3)</a:t>
+            </a:r>
+          </a:p>
+          <a:p>
+            <a:r>
+              <a:rPr lang="en-US" sz="2000" dirty="0">
+                <a:solidFill>
+                  <a:schemeClr val="bg1"/>
+                </a:solidFill>
+              </a:rPr>
+              <a:t>(-0, 5) (-1, 5) (-2, 4) (-3, 3)</a:t>
+            </a:r>
+          </a:p>
+          <a:p>
+            <a:endParaRPr lang="en-US" sz="2000" dirty="0">
+              <a:solidFill>
+                <a:schemeClr val="bg1"/>
+              </a:solidFill>
+            </a:endParaRPr>
+          </a:p>
+          <a:p>
+            <a:endParaRPr lang="en-US" sz="2000" dirty="0">
+              <a:solidFill>
+                <a:schemeClr val="bg1"/>
+              </a:solidFill>
+            </a:endParaRPr>
+          </a:p>
+          <a:p>
+            <a:endParaRPr lang="en-US" sz="2000" dirty="0">
+              <a:solidFill>
+                <a:schemeClr val="bg1"/>
+              </a:solidFill>
+            </a:endParaRPr>
+          </a:p>
+          <a:p>
+            <a:endParaRPr lang="en-US" sz="2000" dirty="0">
+              <a:solidFill>
+                <a:schemeClr val="bg1"/>
+              </a:solidFill>
+            </a:endParaRPr>
+          </a:p>
+          <a:p>
+            <a:endParaRPr lang="en-US" sz="2000" dirty="0">
+              <a:solidFill>
+                <a:schemeClr val="bg1"/>
+              </a:solidFill>
+            </a:endParaRPr>
+          </a:p>
+          <a:p>
+            <a:endParaRPr lang="en-US" sz="2000" dirty="0">
+              <a:solidFill>
+                <a:schemeClr val="bg1"/>
+              </a:solidFill>
+            </a:endParaRPr>
+          </a:p>
+          <a:p>
+            <a:endParaRPr lang="en-US" sz="2000" dirty="0">
+              <a:solidFill>
+                <a:schemeClr val="bg1"/>
+              </a:solidFill>
+            </a:endParaRPr>
+          </a:p>
+          <a:p>
+            <a:endParaRPr lang="en-US" sz="2000" baseline="-25000" dirty="0">
+              <a:solidFill>
+                <a:schemeClr val="bg1"/>
+              </a:solidFill>
+            </a:endParaRPr>
+          </a:p>
+          <a:p>
+            <a:endParaRPr lang="en-US" sz="2000" baseline="-25000" dirty="0">
+              <a:solidFill>
+                <a:schemeClr val="bg1"/>
+              </a:solidFill>
+            </a:endParaRPr>
+          </a:p>
+        </p:txBody>
+      </p:sp>
+    </p:spTree>
+    <p:extLst>
+      <p:ext uri="{BB962C8B-B14F-4D97-AF65-F5344CB8AC3E}">
+        <p14:creationId xmlns:p14="http://schemas.microsoft.com/office/powerpoint/2010/main" val="651761249"/>
+      </p:ext>
+    </p:extLst>
+  </p:cSld>
+  <p:clrMapOvr>
+    <a:masterClrMapping/>
+  </p:clrMapOvr>
+</p:sld>
+</file>
+
+<file path=ppt/slides/slide9.xml><?xml version="1.0" encoding="utf-8"?>
 <p:sld xmlns:a="http://schemas.openxmlformats.org/drawingml/2006/main" xmlns:r="http://schemas.openxmlformats.org/officeDocument/2006/relationships" xmlns:p="http://schemas.openxmlformats.org/presentationml/2006/main">
   <p:cSld name="Slide 7">
     <p:spTree>
@@ -4438,14 +9546,14 @@
           <a:bodyPr wrap="none" rtlCol="0" anchor="t"/>
           <a:lstStyle/>
           <a:p>
-            <a:pPr indent="0" marL="0">
+            <a:pPr marL="0" indent="0">
               <a:lnSpc>
                 <a:spcPts val="5686"/>
               </a:lnSpc>
               <a:buNone/>
             </a:pPr>
             <a:r>
-              <a:rPr lang="en-US" sz="4374" b="1" spc="-131" kern="0" dirty="0">
+              <a:rPr lang="en-US" sz="4374" b="1" kern="0" spc="-131" dirty="0">
                 <a:solidFill>
                   <a:srgbClr val="FFFFFF"/>
                 </a:solidFill>
@@ -4480,14 +9588,14 @@
           <a:bodyPr wrap="square" rtlCol="0" anchor="t"/>
           <a:lstStyle/>
           <a:p>
-            <a:pPr indent="0" marL="0">
+            <a:pPr marL="0" indent="0">
               <a:lnSpc>
                 <a:spcPts val="3149"/>
               </a:lnSpc>
               <a:buNone/>
             </a:pPr>
             <a:r>
-              <a:rPr lang="en-US" sz="1750" spc="-35" kern="0" dirty="0">
+              <a:rPr lang="en-US" sz="1750" kern="0" spc="-35" dirty="0">
                 <a:solidFill>
                   <a:srgbClr val="E5E0DF"/>
                 </a:solidFill>
@@ -4503,14 +9611,14 @@
       </p:sp>
       <p:pic>
         <p:nvPicPr>
-          <p:cNvPr id="6" name="Image 0" descr="preencoded.png">    </p:cNvPr>
+          <p:cNvPr id="6" name="Image 0" descr="preencoded.png"/>
           <p:cNvPicPr>
             <a:picLocks noChangeAspect="1"/>
           </p:cNvPicPr>
           <p:nvPr/>
         </p:nvPicPr>
         <p:blipFill>
-          <a:blip r:embed="rId1"/>
+          <a:blip r:embed="rId3"/>
           <a:stretch>
             <a:fillRect/>
           </a:stretch>
@@ -4826,4 +9934,299 @@
     </a:ext>
   </a:extLst>
 </a:theme>
+</file>
+
+<file path=ppt/theme/theme2.xml><?xml version="1.0" encoding="utf-8"?>
+<a:theme xmlns:a="http://schemas.openxmlformats.org/drawingml/2006/main" name="Office Theme">
+  <a:themeElements>
+    <a:clrScheme name="Office">
+      <a:dk1>
+        <a:sysClr val="windowText" lastClr="000000"/>
+      </a:dk1>
+      <a:lt1>
+        <a:sysClr val="window" lastClr="FFFFFF"/>
+      </a:lt1>
+      <a:dk2>
+        <a:srgbClr val="44546A"/>
+      </a:dk2>
+      <a:lt2>
+        <a:srgbClr val="E7E6E6"/>
+      </a:lt2>
+      <a:accent1>
+        <a:srgbClr val="4472C4"/>
+      </a:accent1>
+      <a:accent2>
+        <a:srgbClr val="ED7D31"/>
+      </a:accent2>
+      <a:accent3>
+        <a:srgbClr val="A5A5A5"/>
+      </a:accent3>
+      <a:accent4>
+        <a:srgbClr val="FFC000"/>
+      </a:accent4>
+      <a:accent5>
+        <a:srgbClr val="5B9BD5"/>
+      </a:accent5>
+      <a:accent6>
+        <a:srgbClr val="70AD47"/>
+      </a:accent6>
+      <a:hlink>
+        <a:srgbClr val="0563C1"/>
+      </a:hlink>
+      <a:folHlink>
+        <a:srgbClr val="954F72"/>
+      </a:folHlink>
+    </a:clrScheme>
+    <a:fontScheme name="Office">
+      <a:majorFont>
+        <a:latin typeface="Calibri Light" panose="020F0302020204030204"/>
+        <a:ea typeface=""/>
+        <a:cs typeface=""/>
+        <a:font script="Jpan" typeface="游ゴシック Light"/>
+        <a:font script="Hang" typeface="맑은 고딕"/>
+        <a:font script="Hans" typeface="等线 Light"/>
+        <a:font script="Hant" typeface="新細明體"/>
+        <a:font script="Arab" typeface="Times New Roman"/>
+        <a:font script="Hebr" typeface="Times New Roman"/>
+        <a:font script="Thai" typeface="Angsana New"/>
+        <a:font script="Ethi" typeface="Nyala"/>
+        <a:font script="Beng" typeface="Vrinda"/>
+        <a:font script="Gujr" typeface="Shruti"/>
+        <a:font script="Khmr" typeface="MoolBoran"/>
+        <a:font script="Knda" typeface="Tunga"/>
+        <a:font script="Guru" typeface="Raavi"/>
+        <a:font script="Cans" typeface="Euphemia"/>
+        <a:font script="Cher" typeface="Plantagenet Cherokee"/>
+        <a:font script="Yiii" typeface="Microsoft Yi Baiti"/>
+        <a:font script="Tibt" typeface="Microsoft Himalaya"/>
+        <a:font script="Thaa" typeface="MV Boli"/>
+        <a:font script="Deva" typeface="Mangal"/>
+        <a:font script="Telu" typeface="Gautami"/>
+        <a:font script="Taml" typeface="Latha"/>
+        <a:font script="Syrc" typeface="Estrangelo Edessa"/>
+        <a:font script="Orya" typeface="Kalinga"/>
+        <a:font script="Mlym" typeface="Kartika"/>
+        <a:font script="Laoo" typeface="DokChampa"/>
+        <a:font script="Sinh" typeface="Iskoola Pota"/>
+        <a:font script="Mong" typeface="Mongolian Baiti"/>
+        <a:font script="Viet" typeface="Times New Roman"/>
+        <a:font script="Uigh" typeface="Microsoft Uighur"/>
+        <a:font script="Geor" typeface="Sylfaen"/>
+        <a:font script="Armn" typeface="Arial"/>
+        <a:font script="Bugi" typeface="Leelawadee UI"/>
+        <a:font script="Bopo" typeface="Microsoft JhengHei"/>
+        <a:font script="Java" typeface="Javanese Text"/>
+        <a:font script="Lisu" typeface="Segoe UI"/>
+        <a:font script="Mymr" typeface="Myanmar Text"/>
+        <a:font script="Nkoo" typeface="Ebrima"/>
+        <a:font script="Olck" typeface="Nirmala UI"/>
+        <a:font script="Osma" typeface="Ebrima"/>
+        <a:font script="Phag" typeface="Phagspa"/>
+        <a:font script="Syrn" typeface="Estrangelo Edessa"/>
+        <a:font script="Syrj" typeface="Estrangelo Edessa"/>
+        <a:font script="Syre" typeface="Estrangelo Edessa"/>
+        <a:font script="Sora" typeface="Nirmala UI"/>
+        <a:font script="Tale" typeface="Microsoft Tai Le"/>
+        <a:font script="Talu" typeface="Microsoft New Tai Lue"/>
+        <a:font script="Tfng" typeface="Ebrima"/>
+      </a:majorFont>
+      <a:minorFont>
+        <a:latin typeface="Calibri" panose="020F0502020204030204"/>
+        <a:ea typeface=""/>
+        <a:cs typeface=""/>
+        <a:font script="Jpan" typeface="游ゴシック"/>
+        <a:font script="Hang" typeface="맑은 고딕"/>
+        <a:font script="Hans" typeface="等线"/>
+        <a:font script="Hant" typeface="新細明體"/>
+        <a:font script="Arab" typeface="Arial"/>
+        <a:font script="Hebr" typeface="Arial"/>
+        <a:font script="Thai" typeface="Cordia New"/>
+        <a:font script="Ethi" typeface="Nyala"/>
+        <a:font script="Beng" typeface="Vrinda"/>
+        <a:font script="Gujr" typeface="Shruti"/>
+        <a:font script="Khmr" typeface="DaunPenh"/>
+        <a:font script="Knda" typeface="Tunga"/>
+        <a:font script="Guru" typeface="Raavi"/>
+        <a:font script="Cans" typeface="Euphemia"/>
+        <a:font script="Cher" typeface="Plantagenet Cherokee"/>
+        <a:font script="Yiii" typeface="Microsoft Yi Baiti"/>
+        <a:font script="Tibt" typeface="Microsoft Himalaya"/>
+        <a:font script="Thaa" typeface="MV Boli"/>
+        <a:font script="Deva" typeface="Mangal"/>
+        <a:font script="Telu" typeface="Gautami"/>
+        <a:font script="Taml" typeface="Latha"/>
+        <a:font script="Syrc" typeface="Estrangelo Edessa"/>
+        <a:font script="Orya" typeface="Kalinga"/>
+        <a:font script="Mlym" typeface="Kartika"/>
+        <a:font script="Laoo" typeface="DokChampa"/>
+        <a:font script="Sinh" typeface="Iskoola Pota"/>
+        <a:font script="Mong" typeface="Mongolian Baiti"/>
+        <a:font script="Viet" typeface="Arial"/>
+        <a:font script="Uigh" typeface="Microsoft Uighur"/>
+        <a:font script="Geor" typeface="Sylfaen"/>
+        <a:font script="Armn" typeface="Arial"/>
+        <a:font script="Bugi" typeface="Leelawadee UI"/>
+        <a:font script="Bopo" typeface="Microsoft JhengHei"/>
+        <a:font script="Java" typeface="Javanese Text"/>
+        <a:font script="Lisu" typeface="Segoe UI"/>
+        <a:font script="Mymr" typeface="Myanmar Text"/>
+        <a:font script="Nkoo" typeface="Ebrima"/>
+        <a:font script="Olck" typeface="Nirmala UI"/>
+        <a:font script="Osma" typeface="Ebrima"/>
+        <a:font script="Phag" typeface="Phagspa"/>
+        <a:font script="Syrn" typeface="Estrangelo Edessa"/>
+        <a:font script="Syrj" typeface="Estrangelo Edessa"/>
+        <a:font script="Syre" typeface="Estrangelo Edessa"/>
+        <a:font script="Sora" typeface="Nirmala UI"/>
+        <a:font script="Tale" typeface="Microsoft Tai Le"/>
+        <a:font script="Talu" typeface="Microsoft New Tai Lue"/>
+        <a:font script="Tfng" typeface="Ebrima"/>
+      </a:minorFont>
+    </a:fontScheme>
+    <a:fmtScheme name="Office">
+      <a:fillStyleLst>
+        <a:solidFill>
+          <a:schemeClr val="phClr"/>
+        </a:solidFill>
+        <a:gradFill rotWithShape="1">
+          <a:gsLst>
+            <a:gs pos="0">
+              <a:schemeClr val="phClr">
+                <a:lumMod val="110000"/>
+                <a:satMod val="105000"/>
+                <a:tint val="67000"/>
+              </a:schemeClr>
+            </a:gs>
+            <a:gs pos="50000">
+              <a:schemeClr val="phClr">
+                <a:lumMod val="105000"/>
+                <a:satMod val="103000"/>
+                <a:tint val="73000"/>
+              </a:schemeClr>
+            </a:gs>
+            <a:gs pos="100000">
+              <a:schemeClr val="phClr">
+                <a:lumMod val="105000"/>
+                <a:satMod val="109000"/>
+                <a:tint val="81000"/>
+              </a:schemeClr>
+            </a:gs>
+          </a:gsLst>
+          <a:lin ang="5400000" scaled="0"/>
+        </a:gradFill>
+        <a:gradFill rotWithShape="1">
+          <a:gsLst>
+            <a:gs pos="0">
+              <a:schemeClr val="phClr">
+                <a:satMod val="103000"/>
+                <a:lumMod val="102000"/>
+                <a:tint val="94000"/>
+              </a:schemeClr>
+            </a:gs>
+            <a:gs pos="50000">
+              <a:schemeClr val="phClr">
+                <a:satMod val="110000"/>
+                <a:lumMod val="100000"/>
+                <a:shade val="100000"/>
+              </a:schemeClr>
+            </a:gs>
+            <a:gs pos="100000">
+              <a:schemeClr val="phClr">
+                <a:lumMod val="99000"/>
+                <a:satMod val="120000"/>
+                <a:shade val="78000"/>
+              </a:schemeClr>
+            </a:gs>
+          </a:gsLst>
+          <a:lin ang="5400000" scaled="0"/>
+        </a:gradFill>
+      </a:fillStyleLst>
+      <a:lnStyleLst>
+        <a:ln w="6350" cap="flat" cmpd="sng" algn="ctr">
+          <a:solidFill>
+            <a:schemeClr val="phClr"/>
+          </a:solidFill>
+          <a:prstDash val="solid"/>
+          <a:miter lim="800000"/>
+        </a:ln>
+        <a:ln w="12700" cap="flat" cmpd="sng" algn="ctr">
+          <a:solidFill>
+            <a:schemeClr val="phClr"/>
+          </a:solidFill>
+          <a:prstDash val="solid"/>
+          <a:miter lim="800000"/>
+        </a:ln>
+        <a:ln w="19050" cap="flat" cmpd="sng" algn="ctr">
+          <a:solidFill>
+            <a:schemeClr val="phClr"/>
+          </a:solidFill>
+          <a:prstDash val="solid"/>
+          <a:miter lim="800000"/>
+        </a:ln>
+      </a:lnStyleLst>
+      <a:effectStyleLst>
+        <a:effectStyle>
+          <a:effectLst/>
+        </a:effectStyle>
+        <a:effectStyle>
+          <a:effectLst/>
+        </a:effectStyle>
+        <a:effectStyle>
+          <a:effectLst>
+            <a:outerShdw blurRad="57150" dist="19050" dir="5400000" algn="ctr" rotWithShape="0">
+              <a:srgbClr val="000000">
+                <a:alpha val="63000"/>
+              </a:srgbClr>
+            </a:outerShdw>
+          </a:effectLst>
+        </a:effectStyle>
+      </a:effectStyleLst>
+      <a:bgFillStyleLst>
+        <a:solidFill>
+          <a:schemeClr val="phClr"/>
+        </a:solidFill>
+        <a:solidFill>
+          <a:schemeClr val="phClr">
+            <a:tint val="95000"/>
+            <a:satMod val="170000"/>
+          </a:schemeClr>
+        </a:solidFill>
+        <a:gradFill rotWithShape="1">
+          <a:gsLst>
+            <a:gs pos="0">
+              <a:schemeClr val="phClr">
+                <a:tint val="93000"/>
+                <a:satMod val="150000"/>
+                <a:shade val="98000"/>
+                <a:lumMod val="102000"/>
+              </a:schemeClr>
+            </a:gs>
+            <a:gs pos="50000">
+              <a:schemeClr val="phClr">
+                <a:tint val="98000"/>
+                <a:satMod val="130000"/>
+                <a:shade val="90000"/>
+                <a:lumMod val="103000"/>
+              </a:schemeClr>
+            </a:gs>
+            <a:gs pos="100000">
+              <a:schemeClr val="phClr">
+                <a:shade val="63000"/>
+                <a:satMod val="120000"/>
+              </a:schemeClr>
+            </a:gs>
+          </a:gsLst>
+          <a:lin ang="5400000" scaled="0"/>
+        </a:gradFill>
+      </a:bgFillStyleLst>
+    </a:fmtScheme>
+  </a:themeElements>
+  <a:objectDefaults/>
+  <a:extraClrSchemeLst/>
+  <a:extLst>
+    <a:ext uri="{05A4C25C-085E-4340-85A3-A5531E510DB2}">
+      <thm15:themeFamily xmlns:thm15="http://schemas.microsoft.com/office/thememl/2012/main" name="Office Theme" id="{62F939B6-93AF-4DB8-9C6B-D6C7DFDC589F}" vid="{4A3C46E8-61CC-4603-A589-7422A47A8E4A}"/>
+    </a:ext>
+  </a:extLst>
+</a:theme>
 </file>
--- a/Bresenham's.pptx
+++ b/Bresenham's.pptx
@@ -3152,36 +3152,6 @@
           </a:p>
         </p:txBody>
       </p:sp>
-      <p:pic>
-        <p:nvPicPr>
-          <p:cNvPr id="14" name="Picture 13">
-            <a:extLst>
-              <a:ext uri="{FF2B5EF4-FFF2-40B4-BE49-F238E27FC236}">
-                <a16:creationId xmlns:a16="http://schemas.microsoft.com/office/drawing/2014/main" id="{FFF7C717-5683-330B-4007-C54F4B0EEA28}"/>
-              </a:ext>
-            </a:extLst>
-          </p:cNvPr>
-          <p:cNvPicPr>
-            <a:picLocks noChangeAspect="1"/>
-          </p:cNvPicPr>
-          <p:nvPr/>
-        </p:nvPicPr>
-        <p:blipFill>
-          <a:blip r:embed="rId4"/>
-          <a:stretch>
-            <a:fillRect/>
-          </a:stretch>
-        </p:blipFill>
-        <p:spPr>
-          <a:xfrm>
-            <a:off x="11148159" y="2096284"/>
-            <a:ext cx="2151062" cy="2151062"/>
-          </a:xfrm>
-          <a:prstGeom prst="rect">
-            <a:avLst/>
-          </a:prstGeom>
-        </p:spPr>
-      </p:pic>
       <p:sp>
         <p:nvSpPr>
           <p:cNvPr id="15" name="object 3">
@@ -3272,7 +3242,7 @@
             </p:xfrm>
             <a:graphic>
               <a:graphicData uri="http://schemas.microsoft.com/office/drawing/2017/model3d">
-                <am3d:model3d r:embed="rId5">
+                <am3d:model3d r:embed="rId4">
                   <am3d:spPr>
                     <a:xfrm>
                       <a:off x="0" y="0"/>
@@ -3300,7 +3270,7 @@
                     <am3d:postTrans dx="0" dy="0" dz="0"/>
                   </am3d:trans>
                   <am3d:raster rName="Office3DRenderer" rVer="16.0.8326">
-                    <am3d:blip r:embed="rId6"/>
+                    <am3d:blip r:embed="rId5"/>
                   </am3d:raster>
                   <am3d:objViewport viewportSz="4114379"/>
                   <am3d:ambientLight>
@@ -3351,7 +3321,7 @@
               <p:nvPr/>
             </p:nvPicPr>
             <p:blipFill>
-              <a:blip r:embed="rId6"/>
+              <a:blip r:embed="rId5"/>
               <a:stretch>
                 <a:fillRect/>
               </a:stretch>
@@ -3368,6 +3338,36 @@
           </p:pic>
         </mc:Fallback>
       </mc:AlternateContent>
+      <p:pic>
+        <p:nvPicPr>
+          <p:cNvPr id="5" name="Picture 4">
+            <a:extLst>
+              <a:ext uri="{FF2B5EF4-FFF2-40B4-BE49-F238E27FC236}">
+                <a16:creationId xmlns:a16="http://schemas.microsoft.com/office/drawing/2014/main" id="{6332DB77-72BB-5636-C888-AA0453E7CC9A}"/>
+              </a:ext>
+            </a:extLst>
+          </p:cNvPr>
+          <p:cNvPicPr>
+            <a:picLocks noChangeAspect="1"/>
+          </p:cNvPicPr>
+          <p:nvPr/>
+        </p:nvPicPr>
+        <p:blipFill>
+          <a:blip r:embed="rId6"/>
+          <a:stretch>
+            <a:fillRect/>
+          </a:stretch>
+        </p:blipFill>
+        <p:spPr>
+          <a:xfrm>
+            <a:off x="10736142" y="1910394"/>
+            <a:ext cx="2678635" cy="2678635"/>
+          </a:xfrm>
+          <a:prstGeom prst="rect">
+            <a:avLst/>
+          </a:prstGeom>
+        </p:spPr>
+      </p:pic>
     </p:spTree>
     <p:extLst>
       <p:ext uri="{BB962C8B-B14F-4D97-AF65-F5344CB8AC3E}">
